--- a/Final IS-Group 8.pptx
+++ b/Final IS-Group 8.pptx
@@ -1,24 +1,24 @@
 
 <file path=ppt/presentation.xml><?xml version="1.0" encoding="utf-8"?>
-<p:presentation xmlns:a="http://schemas.openxmlformats.org/drawingml/2006/main" xmlns:r="http://schemas.openxmlformats.org/officeDocument/2006/relationships" xmlns:p="http://schemas.openxmlformats.org/presentationml/2006/main" xmlns:m="http://schemas.openxmlformats.org/officeDocument/2006/math" xmlns:a14="http://schemas.microsoft.com/office/drawing/2010/main">
+<p:presentation xmlns:a="http://schemas.openxmlformats.org/drawingml/2006/main" xmlns:r="http://schemas.openxmlformats.org/officeDocument/2006/relationships" xmlns:p="http://schemas.openxmlformats.org/presentationml/2006/main">
   <p:sldMasterIdLst>
-    <p:sldMasterId id="2147483648" r:id="rId5"/>
+    <p:sldMasterId id="2147483648" r:id="rId1"/>
   </p:sldMasterIdLst>
   <p:notesMasterIdLst>
-    <p:notesMasterId r:id="rId7"/>
+    <p:notesMasterId r:id="rId11"/>
   </p:notesMasterIdLst>
   <p:sldIdLst>
-    <p:sldId id="256" r:id="rId8"/>
-    <p:sldId id="257" r:id="rId9"/>
-    <p:sldId id="258" r:id="rId10"/>
-    <p:sldId id="259" r:id="rId11"/>
-    <p:sldId id="260" r:id="rId12"/>
-    <p:sldId id="261" r:id="rId13"/>
-    <p:sldId id="262" r:id="rId14"/>
-    <p:sldId id="263" r:id="rId15"/>
-    <p:sldId id="264" r:id="rId16"/>
+    <p:sldId id="256" r:id="rId2"/>
+    <p:sldId id="257" r:id="rId3"/>
+    <p:sldId id="258" r:id="rId4"/>
+    <p:sldId id="259" r:id="rId5"/>
+    <p:sldId id="260" r:id="rId6"/>
+    <p:sldId id="261" r:id="rId7"/>
+    <p:sldId id="262" r:id="rId8"/>
+    <p:sldId id="263" r:id="rId9"/>
+    <p:sldId id="264" r:id="rId10"/>
   </p:sldIdLst>
-  <p:sldSz cx="9144000" cy="5143500"/>
+  <p:sldSz cx="9144000" cy="5143500" type="screen16x9"/>
   <p:notesSz cx="6858000" cy="9144000"/>
   <p:defaultTextStyle>
     <a:defPPr marL="0" marR="0" indent="0" algn="l" defTabSz="914400" rtl="0" fontAlgn="auto" latinLnBrk="1" hangingPunct="0">
@@ -36,7 +36,7 @@
       <a:buFontTx/>
       <a:buNone/>
       <a:tabLst/>
-      <a:defRPr b="0" baseline="0" cap="none" i="0" spc="0" strike="noStrike" sz="1800" u="none" kumimoji="0" normalizeH="0">
+      <a:defRPr kumimoji="0" sz="1800" b="0" i="0" u="none" strike="noStrike" cap="none" spc="0" normalizeH="0" baseline="0">
         <a:ln>
           <a:noFill/>
         </a:ln>
@@ -62,7 +62,7 @@
       <a:buFontTx/>
       <a:buNone/>
       <a:tabLst/>
-      <a:defRPr b="0" baseline="0" cap="none" i="0" spc="0" strike="noStrike" sz="1800" u="none" kumimoji="0" normalizeH="0">
+      <a:defRPr kumimoji="0" sz="1800" b="0" i="0" u="none" strike="noStrike" cap="none" spc="0" normalizeH="0" baseline="0">
         <a:ln>
           <a:noFill/>
         </a:ln>
@@ -92,7 +92,7 @@
       <a:buFontTx/>
       <a:buNone/>
       <a:tabLst/>
-      <a:defRPr b="0" baseline="0" cap="none" i="0" spc="0" strike="noStrike" sz="1800" u="none" kumimoji="0" normalizeH="0">
+      <a:defRPr kumimoji="0" sz="1800" b="0" i="0" u="none" strike="noStrike" cap="none" spc="0" normalizeH="0" baseline="0">
         <a:ln>
           <a:noFill/>
         </a:ln>
@@ -122,7 +122,7 @@
       <a:buFontTx/>
       <a:buNone/>
       <a:tabLst/>
-      <a:defRPr b="0" baseline="0" cap="none" i="0" spc="0" strike="noStrike" sz="1800" u="none" kumimoji="0" normalizeH="0">
+      <a:defRPr kumimoji="0" sz="1800" b="0" i="0" u="none" strike="noStrike" cap="none" spc="0" normalizeH="0" baseline="0">
         <a:ln>
           <a:noFill/>
         </a:ln>
@@ -152,7 +152,7 @@
       <a:buFontTx/>
       <a:buNone/>
       <a:tabLst/>
-      <a:defRPr b="0" baseline="0" cap="none" i="0" spc="0" strike="noStrike" sz="1800" u="none" kumimoji="0" normalizeH="0">
+      <a:defRPr kumimoji="0" sz="1800" b="0" i="0" u="none" strike="noStrike" cap="none" spc="0" normalizeH="0" baseline="0">
         <a:ln>
           <a:noFill/>
         </a:ln>
@@ -182,7 +182,7 @@
       <a:buFontTx/>
       <a:buNone/>
       <a:tabLst/>
-      <a:defRPr b="0" baseline="0" cap="none" i="0" spc="0" strike="noStrike" sz="1800" u="none" kumimoji="0" normalizeH="0">
+      <a:defRPr kumimoji="0" sz="1800" b="0" i="0" u="none" strike="noStrike" cap="none" spc="0" normalizeH="0" baseline="0">
         <a:ln>
           <a:noFill/>
         </a:ln>
@@ -212,7 +212,7 @@
       <a:buFontTx/>
       <a:buNone/>
       <a:tabLst/>
-      <a:defRPr b="0" baseline="0" cap="none" i="0" spc="0" strike="noStrike" sz="1800" u="none" kumimoji="0" normalizeH="0">
+      <a:defRPr kumimoji="0" sz="1800" b="0" i="0" u="none" strike="noStrike" cap="none" spc="0" normalizeH="0" baseline="0">
         <a:ln>
           <a:noFill/>
         </a:ln>
@@ -242,7 +242,7 @@
       <a:buFontTx/>
       <a:buNone/>
       <a:tabLst/>
-      <a:defRPr b="0" baseline="0" cap="none" i="0" spc="0" strike="noStrike" sz="1800" u="none" kumimoji="0" normalizeH="0">
+      <a:defRPr kumimoji="0" sz="1800" b="0" i="0" u="none" strike="noStrike" cap="none" spc="0" normalizeH="0" baseline="0">
         <a:ln>
           <a:noFill/>
         </a:ln>
@@ -272,7 +272,7 @@
       <a:buFontTx/>
       <a:buNone/>
       <a:tabLst/>
-      <a:defRPr b="0" baseline="0" cap="none" i="0" spc="0" strike="noStrike" sz="1800" u="none" kumimoji="0" normalizeH="0">
+      <a:defRPr kumimoji="0" sz="1800" b="0" i="0" u="none" strike="noStrike" cap="none" spc="0" normalizeH="0" baseline="0">
         <a:ln>
           <a:noFill/>
         </a:ln>
@@ -302,7 +302,7 @@
       <a:buFontTx/>
       <a:buNone/>
       <a:tabLst/>
-      <a:defRPr b="0" baseline="0" cap="none" i="0" spc="0" strike="noStrike" sz="1800" u="none" kumimoji="0" normalizeH="0">
+      <a:defRPr kumimoji="0" sz="1800" b="0" i="0" u="none" strike="noStrike" cap="none" spc="0" normalizeH="0" baseline="0">
         <a:ln>
           <a:noFill/>
         </a:ln>
@@ -321,13 +321,14 @@
 </p:presentation>
 </file>
 
-<file path=ppt/commentAuthors.xml><?xml version="1.0" encoding="utf-8"?>
-<p:cmAuthorLst xmlns:a="http://schemas.openxmlformats.org/drawingml/2006/main" xmlns:r="http://schemas.openxmlformats.org/officeDocument/2006/relationships" xmlns:p="http://schemas.openxmlformats.org/presentationml/2006/main" xmlns:m="http://schemas.openxmlformats.org/officeDocument/2006/math" xmlns:a14="http://schemas.microsoft.com/office/drawing/2010/main"/>
-</file>
-
 <file path=ppt/notesMasters/notesMaster1.xml><?xml version="1.0" encoding="utf-8"?>
-<p:notesMaster xmlns:a="http://schemas.openxmlformats.org/drawingml/2006/main" xmlns:r="http://schemas.openxmlformats.org/officeDocument/2006/relationships" xmlns:p="http://schemas.openxmlformats.org/presentationml/2006/main" xmlns:m="http://schemas.openxmlformats.org/officeDocument/2006/math" xmlns:a14="http://schemas.microsoft.com/office/drawing/2010/main">
+<p:notesMaster xmlns:a="http://schemas.openxmlformats.org/drawingml/2006/main" xmlns:r="http://schemas.openxmlformats.org/officeDocument/2006/relationships" xmlns:p="http://schemas.openxmlformats.org/presentationml/2006/main">
   <p:cSld>
+    <p:bg>
+      <p:bgRef idx="1001">
+        <a:schemeClr val="bg1"/>
+      </p:bgRef>
+    </p:bg>
     <p:spTree>
       <p:nvGrpSpPr>
         <p:cNvPr id="1" name=""/>
@@ -345,7 +346,9 @@
       <p:sp>
         <p:nvSpPr>
           <p:cNvPr id="124" name="Shape 124"/>
-          <p:cNvSpPr/>
+          <p:cNvSpPr>
+            <a:spLocks noGrp="1" noRot="1" noChangeAspect="1"/>
+          </p:cNvSpPr>
           <p:nvPr>
             <p:ph type="sldImg"/>
           </p:nvPr>
@@ -363,14 +366,16 @@
           <a:bodyPr/>
           <a:lstStyle/>
           <a:p>
-            <a:pPr/>
+            <a:endParaRPr/>
           </a:p>
         </p:txBody>
       </p:sp>
       <p:sp>
         <p:nvSpPr>
           <p:cNvPr id="125" name="Shape 125"/>
-          <p:cNvSpPr/>
+          <p:cNvSpPr>
+            <a:spLocks noGrp="1"/>
+          </p:cNvSpPr>
           <p:nvPr>
             <p:ph type="body" sz="quarter" idx="1"/>
           </p:nvPr>
@@ -388,7 +393,7 @@
           <a:bodyPr/>
           <a:lstStyle/>
           <a:p>
-            <a:pPr/>
+            <a:endParaRPr/>
           </a:p>
         </p:txBody>
       </p:sp>
@@ -473,7 +478,7 @@
 </file>
 
 <file path=ppt/slideLayouts/slideLayout1.xml><?xml version="1.0" encoding="utf-8"?>
-<p:sldLayout xmlns:a="http://schemas.openxmlformats.org/drawingml/2006/main" xmlns:r="http://schemas.openxmlformats.org/officeDocument/2006/relationships" xmlns:p="http://schemas.openxmlformats.org/presentationml/2006/main" xmlns:m="http://schemas.openxmlformats.org/officeDocument/2006/math" xmlns:a14="http://schemas.microsoft.com/office/drawing/2010/main" type="tx" showMasterSp="1" showMasterPhAnim="1">
+<p:sldLayout xmlns:a="http://schemas.openxmlformats.org/drawingml/2006/main" xmlns:r="http://schemas.openxmlformats.org/officeDocument/2006/relationships" xmlns:p="http://schemas.openxmlformats.org/presentationml/2006/main" type="tx">
   <p:cSld name="Title page">
     <p:spTree>
       <p:nvGrpSpPr>
@@ -492,7 +497,9 @@
       <p:sp>
         <p:nvSpPr>
           <p:cNvPr id="13" name="Unnecessarily extra long title of presentation"/>
-          <p:cNvSpPr txBox="1"/>
+          <p:cNvSpPr txBox="1">
+            <a:spLocks noGrp="1"/>
+          </p:cNvSpPr>
           <p:nvPr>
             <p:ph type="title" hasCustomPrompt="1"/>
           </p:nvPr>
@@ -506,7 +513,6 @@
           <a:bodyPr/>
           <a:lstStyle/>
           <a:p>
-            <a:pPr/>
             <a:r>
               <a:t>Unnecessarily extra long title of presentation</a:t>
             </a:r>
@@ -516,7 +522,9 @@
       <p:sp>
         <p:nvSpPr>
           <p:cNvPr id="14" name="Body Level One…"/>
-          <p:cNvSpPr txBox="1"/>
+          <p:cNvSpPr txBox="1">
+            <a:spLocks noGrp="1"/>
+          </p:cNvSpPr>
           <p:nvPr>
             <p:ph type="body" sz="quarter" idx="1" hasCustomPrompt="1"/>
           </p:nvPr>
@@ -530,41 +538,34 @@
           <a:bodyPr/>
           <a:lstStyle/>
           <a:p>
-            <a:pPr/>
             <a:r>
               <a:t>INDIANA UNIVERSITY ALUMNI ASSOCIATION</a:t>
             </a:r>
           </a:p>
           <a:p>
             <a:pPr lvl="1"/>
-            <a:r>
-              <a:t/>
-            </a:r>
+            <a:endParaRPr/>
           </a:p>
           <a:p>
             <a:pPr lvl="2"/>
-            <a:r>
-              <a:t/>
-            </a:r>
+            <a:endParaRPr/>
           </a:p>
           <a:p>
             <a:pPr lvl="3"/>
-            <a:r>
-              <a:t/>
-            </a:r>
+            <a:endParaRPr/>
           </a:p>
           <a:p>
             <a:pPr lvl="4"/>
-            <a:r>
-              <a:t/>
-            </a:r>
+            <a:endParaRPr/>
           </a:p>
         </p:txBody>
       </p:sp>
       <p:sp>
         <p:nvSpPr>
           <p:cNvPr id="15" name="Text Placeholder 19"/>
-          <p:cNvSpPr/>
+          <p:cNvSpPr>
+            <a:spLocks noGrp="1"/>
+          </p:cNvSpPr>
           <p:nvPr>
             <p:ph type="body" sz="quarter" idx="21" hasCustomPrompt="1"/>
           </p:nvPr>
@@ -589,7 +590,6 @@
             </a:lvl1pPr>
           </a:lstStyle>
           <a:p>
-            <a:pPr/>
             <a:r>
               <a:t>SUBHEAD OR NAME OF SCHOOL, DEPARTMENT, OR UNIT</a:t>
             </a:r>
@@ -599,7 +599,9 @@
       <p:sp>
         <p:nvSpPr>
           <p:cNvPr id="16" name="Slide Number"/>
-          <p:cNvSpPr txBox="1"/>
+          <p:cNvSpPr txBox="1">
+            <a:spLocks noGrp="1"/>
+          </p:cNvSpPr>
           <p:nvPr>
             <p:ph type="sldNum" sz="quarter" idx="2"/>
           </p:nvPr>
@@ -613,8 +615,10 @@
           <a:bodyPr/>
           <a:lstStyle/>
           <a:p>
-            <a:pPr/>
-            <a:fld id="{86CB4B4D-7CA3-9044-876B-883B54F8677D}" type="slidenum"/>
+            <a:fld id="{86CB4B4D-7CA3-9044-876B-883B54F8677D}" type="slidenum">
+              <a:t>‹#›</a:t>
+            </a:fld>
+            <a:endParaRPr/>
           </a:p>
         </p:txBody>
       </p:sp>
@@ -623,18 +627,19 @@
   <p:clrMapOvr>
     <a:masterClrMapping/>
   </p:clrMapOvr>
-  <p:transition xmlns:p14="http://schemas.microsoft.com/office/powerpoint/2010/main" spd="med" advClick="1"/>
+  <p:transition spd="med"/>
 </p:sldLayout>
 </file>
 
 <file path=ppt/slideLayouts/slideLayout2.xml><?xml version="1.0" encoding="utf-8"?>
-<p:sldLayout xmlns:a="http://schemas.openxmlformats.org/drawingml/2006/main" xmlns:r="http://schemas.openxmlformats.org/officeDocument/2006/relationships" xmlns:p="http://schemas.openxmlformats.org/presentationml/2006/main" xmlns:m="http://schemas.openxmlformats.org/officeDocument/2006/math" xmlns:a14="http://schemas.microsoft.com/office/drawing/2010/main" type="tx" showMasterSp="0" showMasterPhAnim="1">
+<p:sldLayout xmlns:a="http://schemas.openxmlformats.org/drawingml/2006/main" xmlns:r="http://schemas.openxmlformats.org/officeDocument/2006/relationships" xmlns:p="http://schemas.openxmlformats.org/presentationml/2006/main" showMasterSp="0" type="tx">
   <p:cSld name="Section Header">
     <p:bg>
       <p:bgPr>
         <a:solidFill>
           <a:srgbClr val="660B13"/>
         </a:solidFill>
+        <a:effectLst/>
       </p:bgPr>
     </p:bg>
     <p:spTree>
@@ -654,7 +659,9 @@
       <p:sp>
         <p:nvSpPr>
           <p:cNvPr id="23" name="Section Heading"/>
-          <p:cNvSpPr txBox="1"/>
+          <p:cNvSpPr txBox="1">
+            <a:spLocks noGrp="1"/>
+          </p:cNvSpPr>
           <p:nvPr>
             <p:ph type="title" hasCustomPrompt="1"/>
           </p:nvPr>
@@ -678,7 +685,6 @@
             </a:lvl1pPr>
           </a:lstStyle>
           <a:p>
-            <a:pPr/>
             <a:r>
               <a:t>Section Heading</a:t>
             </a:r>
@@ -688,7 +694,9 @@
       <p:sp>
         <p:nvSpPr>
           <p:cNvPr id="24" name="Body Level One…"/>
-          <p:cNvSpPr txBox="1"/>
+          <p:cNvSpPr txBox="1">
+            <a:spLocks noGrp="1"/>
+          </p:cNvSpPr>
           <p:nvPr>
             <p:ph type="body" sz="quarter" idx="1" hasCustomPrompt="1"/>
           </p:nvPr>
@@ -706,50 +714,41 @@
           <a:bodyPr/>
           <a:lstStyle>
             <a:lvl1pPr>
-              <a:defRPr spc="50" sz="1400"/>
+              <a:defRPr sz="1400" spc="50"/>
             </a:lvl1pPr>
             <a:lvl2pPr marL="679450" indent="-222250">
-              <a:defRPr spc="50" sz="1400"/>
+              <a:defRPr sz="1400" spc="50"/>
             </a:lvl2pPr>
             <a:lvl3pPr marL="1092200" indent="-177800">
-              <a:defRPr spc="50" sz="1400"/>
+              <a:defRPr sz="1400" spc="50"/>
             </a:lvl3pPr>
             <a:lvl4pPr marL="1549400" indent="-177800">
-              <a:defRPr spc="50" sz="1400"/>
+              <a:defRPr sz="1400" spc="50"/>
             </a:lvl4pPr>
             <a:lvl5pPr marL="2006600" indent="-177800">
-              <a:defRPr spc="50" sz="1400"/>
+              <a:defRPr sz="1400" spc="50"/>
             </a:lvl5pPr>
           </a:lstStyle>
           <a:p>
-            <a:pPr/>
             <a:r>
               <a:t>SECTION NUMBER OR SUBTITLE</a:t>
             </a:r>
           </a:p>
           <a:p>
             <a:pPr lvl="1"/>
-            <a:r>
-              <a:t/>
-            </a:r>
+            <a:endParaRPr/>
           </a:p>
           <a:p>
             <a:pPr lvl="2"/>
-            <a:r>
-              <a:t/>
-            </a:r>
+            <a:endParaRPr/>
           </a:p>
           <a:p>
             <a:pPr lvl="3"/>
-            <a:r>
-              <a:t/>
-            </a:r>
+            <a:endParaRPr/>
           </a:p>
           <a:p>
             <a:pPr lvl="4"/>
-            <a:r>
-              <a:t/>
-            </a:r>
+            <a:endParaRPr/>
           </a:p>
         </p:txBody>
       </p:sp>
@@ -789,13 +788,16 @@
                 <a:sym typeface="Arial"/>
               </a:defRPr>
             </a:pPr>
+            <a:endParaRPr/>
           </a:p>
         </p:txBody>
       </p:sp>
       <p:sp>
         <p:nvSpPr>
           <p:cNvPr id="26" name="Slide Number"/>
-          <p:cNvSpPr txBox="1"/>
+          <p:cNvSpPr txBox="1">
+            <a:spLocks noGrp="1"/>
+          </p:cNvSpPr>
           <p:nvPr>
             <p:ph type="sldNum" sz="quarter" idx="2"/>
           </p:nvPr>
@@ -809,8 +811,10 @@
           <a:bodyPr/>
           <a:lstStyle/>
           <a:p>
-            <a:pPr/>
-            <a:fld id="{86CB4B4D-7CA3-9044-876B-883B54F8677D}" type="slidenum"/>
+            <a:fld id="{86CB4B4D-7CA3-9044-876B-883B54F8677D}" type="slidenum">
+              <a:t>‹#›</a:t>
+            </a:fld>
+            <a:endParaRPr/>
           </a:p>
         </p:txBody>
       </p:sp>
@@ -819,18 +823,19 @@
   <p:clrMapOvr>
     <a:masterClrMapping/>
   </p:clrMapOvr>
-  <p:transition xmlns:p14="http://schemas.microsoft.com/office/powerpoint/2010/main" spd="med" advClick="1"/>
+  <p:transition spd="med"/>
 </p:sldLayout>
 </file>
 
 <file path=ppt/slideLayouts/slideLayout3.xml><?xml version="1.0" encoding="utf-8"?>
-<p:sldLayout xmlns:a="http://schemas.openxmlformats.org/drawingml/2006/main" xmlns:r="http://schemas.openxmlformats.org/officeDocument/2006/relationships" xmlns:p="http://schemas.openxmlformats.org/presentationml/2006/main" xmlns:m="http://schemas.openxmlformats.org/officeDocument/2006/math" xmlns:a14="http://schemas.microsoft.com/office/drawing/2010/main" type="tx" showMasterSp="0" showMasterPhAnim="1">
+<p:sldLayout xmlns:a="http://schemas.openxmlformats.org/drawingml/2006/main" xmlns:r="http://schemas.openxmlformats.org/officeDocument/2006/relationships" xmlns:p="http://schemas.openxmlformats.org/presentationml/2006/main" showMasterSp="0" type="tx">
   <p:cSld name="Content only: white">
     <p:bg>
       <p:bgPr>
         <a:solidFill>
           <a:srgbClr val="FFFFFF"/>
         </a:solidFill>
+        <a:effectLst/>
       </p:bgPr>
     </p:bg>
     <p:spTree>
@@ -850,7 +855,9 @@
       <p:sp>
         <p:nvSpPr>
           <p:cNvPr id="33" name="Click to edit master title style"/>
-          <p:cNvSpPr txBox="1"/>
+          <p:cNvSpPr txBox="1">
+            <a:spLocks noGrp="1"/>
+          </p:cNvSpPr>
           <p:nvPr>
             <p:ph type="title" hasCustomPrompt="1"/>
           </p:nvPr>
@@ -879,7 +886,6 @@
             </a:lvl1pPr>
           </a:lstStyle>
           <a:p>
-            <a:pPr/>
             <a:r>
               <a:t>Click to edit master title style</a:t>
             </a:r>
@@ -922,13 +928,16 @@
                 <a:sym typeface="Arial"/>
               </a:defRPr>
             </a:pPr>
+            <a:endParaRPr/>
           </a:p>
         </p:txBody>
       </p:sp>
       <p:sp>
         <p:nvSpPr>
           <p:cNvPr id="35" name="Body Level One…"/>
-          <p:cNvSpPr txBox="1"/>
+          <p:cNvSpPr txBox="1">
+            <a:spLocks noGrp="1"/>
+          </p:cNvSpPr>
           <p:nvPr>
             <p:ph type="body" sz="quarter" idx="1" hasCustomPrompt="1"/>
           </p:nvPr>
@@ -962,34 +971,25 @@
             </a:lvl5pPr>
           </a:lstStyle>
           <a:p>
-            <a:pPr/>
             <a:r>
               <a:t>SECTION TITLE OR SUBTITLE</a:t>
             </a:r>
           </a:p>
           <a:p>
             <a:pPr lvl="1"/>
-            <a:r>
-              <a:t/>
-            </a:r>
+            <a:endParaRPr/>
           </a:p>
           <a:p>
             <a:pPr lvl="2"/>
-            <a:r>
-              <a:t/>
-            </a:r>
+            <a:endParaRPr/>
           </a:p>
           <a:p>
             <a:pPr lvl="3"/>
-            <a:r>
-              <a:t/>
-            </a:r>
+            <a:endParaRPr/>
           </a:p>
           <a:p>
             <a:pPr lvl="4"/>
-            <a:r>
-              <a:t/>
-            </a:r>
+            <a:endParaRPr/>
           </a:p>
         </p:txBody>
       </p:sp>
@@ -1047,6 +1047,7 @@
                   <a:sym typeface="Arial"/>
                 </a:defRPr>
               </a:pPr>
+              <a:endParaRPr/>
             </a:p>
           </p:txBody>
         </p:sp>
@@ -1090,6 +1091,7 @@
                   <a:sym typeface="Arial"/>
                 </a:defRPr>
               </a:pPr>
+              <a:endParaRPr/>
             </a:p>
           </p:txBody>
         </p:sp>
@@ -1115,7 +1117,7 @@
             <a:effectLst/>
             <a:extLst>
               <a:ext uri="{C572A759-6A51-4108-AA02-DFA0A04FC94B}">
-                <ma14:wrappingTextBoxFlag xmlns:ma14="http://schemas.microsoft.com/office/mac/drawingml/2011/main" val="1"/>
+                <ma14:wrappingTextBoxFlag xmlns:ma14="http://schemas.microsoft.com/office/mac/drawingml/2011/main" xmlns:a14="http://schemas.microsoft.com/office/drawing/2010/main" xmlns:m="http://schemas.openxmlformats.org/officeDocument/2006/math" xmlns="" val="1"/>
               </a:ext>
             </a:extLst>
           </p:spPr>
@@ -1137,7 +1139,6 @@
               </a:lvl1pPr>
             </a:lstStyle>
             <a:p>
-              <a:pPr/>
               <a:r>
                 <a:t>INDIANA UNIVERSITY PURDUE UNIVERSITY, INDIANAPOLIS</a:t>
               </a:r>
@@ -1154,9 +1155,7 @@
           <p:nvPr/>
         </p:nvPicPr>
         <p:blipFill>
-          <a:blip r:embed="rId2">
-            <a:extLst/>
-          </a:blip>
+          <a:blip r:embed="rId2"/>
           <a:stretch>
             <a:fillRect/>
           </a:stretch>
@@ -1177,7 +1176,9 @@
       <p:sp>
         <p:nvSpPr>
           <p:cNvPr id="41" name="Slide Number"/>
-          <p:cNvSpPr txBox="1"/>
+          <p:cNvSpPr txBox="1">
+            <a:spLocks noGrp="1"/>
+          </p:cNvSpPr>
           <p:nvPr>
             <p:ph type="sldNum" sz="quarter" idx="2"/>
           </p:nvPr>
@@ -1191,8 +1192,10 @@
           <a:bodyPr/>
           <a:lstStyle/>
           <a:p>
-            <a:pPr/>
-            <a:fld id="{86CB4B4D-7CA3-9044-876B-883B54F8677D}" type="slidenum"/>
+            <a:fld id="{86CB4B4D-7CA3-9044-876B-883B54F8677D}" type="slidenum">
+              <a:t>‹#›</a:t>
+            </a:fld>
+            <a:endParaRPr/>
           </a:p>
         </p:txBody>
       </p:sp>
@@ -1201,18 +1204,19 @@
   <p:clrMapOvr>
     <a:masterClrMapping/>
   </p:clrMapOvr>
-  <p:transition xmlns:p14="http://schemas.microsoft.com/office/powerpoint/2010/main" spd="med" advClick="1"/>
+  <p:transition spd="med"/>
 </p:sldLayout>
 </file>
 
 <file path=ppt/slideLayouts/slideLayout4.xml><?xml version="1.0" encoding="utf-8"?>
-<p:sldLayout xmlns:a="http://schemas.openxmlformats.org/drawingml/2006/main" xmlns:r="http://schemas.openxmlformats.org/officeDocument/2006/relationships" xmlns:p="http://schemas.openxmlformats.org/presentationml/2006/main" xmlns:m="http://schemas.openxmlformats.org/officeDocument/2006/math" xmlns:a14="http://schemas.microsoft.com/office/drawing/2010/main" type="tx" showMasterSp="0" showMasterPhAnim="1">
+<p:sldLayout xmlns:a="http://schemas.openxmlformats.org/drawingml/2006/main" xmlns:r="http://schemas.openxmlformats.org/officeDocument/2006/relationships" xmlns:p="http://schemas.openxmlformats.org/presentationml/2006/main" showMasterSp="0" type="tx">
   <p:cSld name="Content and photo: white">
     <p:bg>
       <p:bgPr>
         <a:solidFill>
           <a:srgbClr val="FFFFFF"/>
         </a:solidFill>
+        <a:effectLst/>
       </p:bgPr>
     </p:bg>
     <p:spTree>
@@ -1232,7 +1236,9 @@
       <p:sp>
         <p:nvSpPr>
           <p:cNvPr id="48" name="Click to edit master title style"/>
-          <p:cNvSpPr txBox="1"/>
+          <p:cNvSpPr txBox="1">
+            <a:spLocks noGrp="1"/>
+          </p:cNvSpPr>
           <p:nvPr>
             <p:ph type="title" hasCustomPrompt="1"/>
           </p:nvPr>
@@ -1261,7 +1267,6 @@
             </a:lvl1pPr>
           </a:lstStyle>
           <a:p>
-            <a:pPr/>
             <a:r>
               <a:t>Click to edit master title style</a:t>
             </a:r>
@@ -1271,7 +1276,9 @@
       <p:sp>
         <p:nvSpPr>
           <p:cNvPr id="49" name="Body Level One…"/>
-          <p:cNvSpPr txBox="1"/>
+          <p:cNvSpPr txBox="1">
+            <a:spLocks noGrp="1"/>
+          </p:cNvSpPr>
           <p:nvPr>
             <p:ph type="body" sz="half" idx="1"/>
           </p:nvPr>
@@ -1295,7 +1302,7 @@
               <a:buSzPct val="100000"/>
               <a:buFont typeface="Arial"/>
               <a:buChar char="•"/>
-              <a:defRPr b="0" spc="0" sz="1800">
+              <a:defRPr sz="1800" b="0" spc="0">
                 <a:solidFill>
                   <a:srgbClr val="404041"/>
                 </a:solidFill>
@@ -1307,7 +1314,7 @@
               </a:buClr>
               <a:buFont typeface="Arial"/>
               <a:buChar char="•"/>
-              <a:defRPr b="0" spc="0" sz="1800">
+              <a:defRPr sz="1800" b="0" spc="0">
                 <a:solidFill>
                   <a:srgbClr val="404041"/>
                 </a:solidFill>
@@ -1318,7 +1325,7 @@
                 <a:srgbClr val="808080"/>
               </a:buClr>
               <a:buFont typeface="Arial"/>
-              <a:defRPr b="0" spc="0" sz="1800">
+              <a:defRPr sz="1800" b="0" spc="0">
                 <a:solidFill>
                   <a:srgbClr val="404041"/>
                 </a:solidFill>
@@ -1330,7 +1337,7 @@
               </a:buClr>
               <a:buFont typeface="Arial"/>
               <a:buChar char="•"/>
-              <a:defRPr b="0" spc="0" sz="1800">
+              <a:defRPr sz="1800" b="0" spc="0">
                 <a:solidFill>
                   <a:srgbClr val="404041"/>
                 </a:solidFill>
@@ -1342,7 +1349,7 @@
               </a:buClr>
               <a:buFont typeface="Arial"/>
               <a:buChar char="•"/>
-              <a:defRPr b="0" spc="0" sz="1800">
+              <a:defRPr sz="1800" b="0" spc="0">
                 <a:solidFill>
                   <a:srgbClr val="404041"/>
                 </a:solidFill>
@@ -1350,7 +1357,6 @@
             </a:lvl5pPr>
           </a:lstStyle>
           <a:p>
-            <a:pPr/>
             <a:r>
               <a:t>Body Level One</a:t>
             </a:r>
@@ -1384,7 +1390,9 @@
       <p:sp>
         <p:nvSpPr>
           <p:cNvPr id="50" name="Picture Placeholder 9"/>
-          <p:cNvSpPr/>
+          <p:cNvSpPr>
+            <a:spLocks noGrp="1"/>
+          </p:cNvSpPr>
           <p:nvPr>
             <p:ph type="pic" sz="half" idx="21"/>
           </p:nvPr>
@@ -1404,7 +1412,7 @@
           </a:bodyPr>
           <a:lstStyle/>
           <a:p>
-            <a:pPr/>
+            <a:endParaRPr/>
           </a:p>
         </p:txBody>
       </p:sp>
@@ -1444,6 +1452,7 @@
                 <a:sym typeface="Arial"/>
               </a:defRPr>
             </a:pPr>
+            <a:endParaRPr/>
           </a:p>
         </p:txBody>
       </p:sp>
@@ -1483,6 +1492,7 @@
                 <a:sym typeface="Arial"/>
               </a:defRPr>
             </a:pPr>
+            <a:endParaRPr/>
           </a:p>
         </p:txBody>
       </p:sp>
@@ -1495,9 +1505,7 @@
           <p:nvPr/>
         </p:nvPicPr>
         <p:blipFill>
-          <a:blip r:embed="rId2">
-            <a:extLst/>
-          </a:blip>
+          <a:blip r:embed="rId2"/>
           <a:stretch>
             <a:fillRect/>
           </a:stretch>
@@ -1518,7 +1526,9 @@
       <p:sp>
         <p:nvSpPr>
           <p:cNvPr id="54" name="Slide Number"/>
-          <p:cNvSpPr txBox="1"/>
+          <p:cNvSpPr txBox="1">
+            <a:spLocks noGrp="1"/>
+          </p:cNvSpPr>
           <p:nvPr>
             <p:ph type="sldNum" sz="quarter" idx="2"/>
           </p:nvPr>
@@ -1532,8 +1542,10 @@
           <a:bodyPr/>
           <a:lstStyle/>
           <a:p>
-            <a:pPr/>
-            <a:fld id="{86CB4B4D-7CA3-9044-876B-883B54F8677D}" type="slidenum"/>
+            <a:fld id="{86CB4B4D-7CA3-9044-876B-883B54F8677D}" type="slidenum">
+              <a:t>‹#›</a:t>
+            </a:fld>
+            <a:endParaRPr/>
           </a:p>
         </p:txBody>
       </p:sp>
@@ -1542,12 +1554,12 @@
   <p:clrMapOvr>
     <a:masterClrMapping/>
   </p:clrMapOvr>
-  <p:transition xmlns:p14="http://schemas.microsoft.com/office/powerpoint/2010/main" spd="med" advClick="1"/>
+  <p:transition spd="med"/>
 </p:sldLayout>
 </file>
 
 <file path=ppt/slideLayouts/slideLayout5.xml><?xml version="1.0" encoding="utf-8"?>
-<p:sldLayout xmlns:a="http://schemas.openxmlformats.org/drawingml/2006/main" xmlns:r="http://schemas.openxmlformats.org/officeDocument/2006/relationships" xmlns:p="http://schemas.openxmlformats.org/presentationml/2006/main" xmlns:m="http://schemas.openxmlformats.org/officeDocument/2006/math" xmlns:a14="http://schemas.microsoft.com/office/drawing/2010/main" type="tx" showMasterSp="0" showMasterPhAnim="1">
+<p:sldLayout xmlns:a="http://schemas.openxmlformats.org/drawingml/2006/main" xmlns:r="http://schemas.openxmlformats.org/officeDocument/2006/relationships" xmlns:p="http://schemas.openxmlformats.org/presentationml/2006/main" showMasterSp="0" type="tx">
   <p:cSld name="Content only: black">
     <p:spTree>
       <p:nvGrpSpPr>
@@ -1566,7 +1578,9 @@
       <p:sp>
         <p:nvSpPr>
           <p:cNvPr id="61" name="Click to edit master title style"/>
-          <p:cNvSpPr txBox="1"/>
+          <p:cNvSpPr txBox="1">
+            <a:spLocks noGrp="1"/>
+          </p:cNvSpPr>
           <p:nvPr>
             <p:ph type="title" hasCustomPrompt="1"/>
           </p:nvPr>
@@ -1591,7 +1605,6 @@
             </a:lvl1pPr>
           </a:lstStyle>
           <a:p>
-            <a:pPr/>
             <a:r>
               <a:t>Click to edit master title style</a:t>
             </a:r>
@@ -1601,7 +1614,9 @@
       <p:sp>
         <p:nvSpPr>
           <p:cNvPr id="62" name="Body Level One…"/>
-          <p:cNvSpPr txBox="1"/>
+          <p:cNvSpPr txBox="1">
+            <a:spLocks noGrp="1"/>
+          </p:cNvSpPr>
           <p:nvPr>
             <p:ph type="body" idx="1"/>
           </p:nvPr>
@@ -1623,8 +1638,8 @@
                 <a:srgbClr val="808080"/>
               </a:buClr>
               <a:buSzPct val="100000"/>
-              <a:buAutoNum type="arabicPeriod" startAt="1"/>
-              <a:defRPr b="0" spc="0" sz="1800">
+              <a:buAutoNum type="arabicPeriod"/>
+              <a:defRPr sz="1800" b="0" spc="0">
                 <a:solidFill>
                   <a:srgbClr val="FFFFFF"/>
                 </a:solidFill>
@@ -1636,7 +1651,7 @@
               </a:buClr>
               <a:buSzTx/>
               <a:buNone/>
-              <a:defRPr b="0" spc="0" sz="1800">
+              <a:defRPr sz="1800" b="0" spc="0">
                 <a:solidFill>
                   <a:srgbClr val="FFFFFF"/>
                 </a:solidFill>
@@ -1648,7 +1663,7 @@
               </a:buClr>
               <a:buSzTx/>
               <a:buNone/>
-              <a:defRPr b="0" spc="0" sz="1800">
+              <a:defRPr sz="1800" b="0" spc="0">
                 <a:solidFill>
                   <a:srgbClr val="FFFFFF"/>
                 </a:solidFill>
@@ -1660,7 +1675,7 @@
               </a:buClr>
               <a:buSzTx/>
               <a:buNone/>
-              <a:defRPr b="0" spc="0" sz="1800">
+              <a:defRPr sz="1800" b="0" spc="0">
                 <a:solidFill>
                   <a:srgbClr val="FFFFFF"/>
                 </a:solidFill>
@@ -1672,7 +1687,7 @@
               </a:buClr>
               <a:buSzTx/>
               <a:buNone/>
-              <a:defRPr b="0" spc="0" sz="1800">
+              <a:defRPr sz="1800" b="0" spc="0">
                 <a:solidFill>
                   <a:srgbClr val="FFFFFF"/>
                 </a:solidFill>
@@ -1680,7 +1695,6 @@
             </a:lvl5pPr>
           </a:lstStyle>
           <a:p>
-            <a:pPr/>
             <a:r>
               <a:t>Body Level One</a:t>
             </a:r>
@@ -1714,7 +1728,9 @@
       <p:sp>
         <p:nvSpPr>
           <p:cNvPr id="63" name="Text Placeholder 19"/>
-          <p:cNvSpPr/>
+          <p:cNvSpPr>
+            <a:spLocks noGrp="1"/>
+          </p:cNvSpPr>
           <p:nvPr>
             <p:ph type="body" sz="quarter" idx="21" hasCustomPrompt="1"/>
           </p:nvPr>
@@ -1736,7 +1752,6 @@
             </a:lvl1pPr>
           </a:lstStyle>
           <a:p>
-            <a:pPr/>
             <a:r>
               <a:t>SECTION TITLE OR SUBTITLE</a:t>
             </a:r>
@@ -1779,6 +1794,7 @@
                 <a:sym typeface="Arial"/>
               </a:defRPr>
             </a:pPr>
+            <a:endParaRPr/>
           </a:p>
         </p:txBody>
       </p:sp>
@@ -1836,6 +1852,7 @@
                   <a:sym typeface="Arial"/>
                 </a:defRPr>
               </a:pPr>
+              <a:endParaRPr/>
             </a:p>
           </p:txBody>
         </p:sp>
@@ -1879,6 +1896,7 @@
                   <a:sym typeface="Arial"/>
                 </a:defRPr>
               </a:pPr>
+              <a:endParaRPr/>
             </a:p>
           </p:txBody>
         </p:sp>
@@ -1904,7 +1922,7 @@
             <a:effectLst/>
             <a:extLst>
               <a:ext uri="{C572A759-6A51-4108-AA02-DFA0A04FC94B}">
-                <ma14:wrappingTextBoxFlag xmlns:ma14="http://schemas.microsoft.com/office/mac/drawingml/2011/main" val="1"/>
+                <ma14:wrappingTextBoxFlag xmlns:ma14="http://schemas.microsoft.com/office/mac/drawingml/2011/main" xmlns:a14="http://schemas.microsoft.com/office/drawing/2010/main" xmlns:m="http://schemas.openxmlformats.org/officeDocument/2006/math" xmlns="" val="1"/>
               </a:ext>
             </a:extLst>
           </p:spPr>
@@ -1926,7 +1944,6 @@
               </a:lvl1pPr>
             </a:lstStyle>
             <a:p>
-              <a:pPr/>
               <a:r>
                 <a:t>INDIANA UNIVERSITY ALUMNI ASSOCIATION</a:t>
               </a:r>
@@ -1943,9 +1960,7 @@
           <p:nvPr/>
         </p:nvPicPr>
         <p:blipFill>
-          <a:blip r:embed="rId2">
-            <a:extLst/>
-          </a:blip>
+          <a:blip r:embed="rId2"/>
           <a:stretch>
             <a:fillRect/>
           </a:stretch>
@@ -1966,7 +1981,9 @@
       <p:sp>
         <p:nvSpPr>
           <p:cNvPr id="70" name="Slide Number"/>
-          <p:cNvSpPr txBox="1"/>
+          <p:cNvSpPr txBox="1">
+            <a:spLocks noGrp="1"/>
+          </p:cNvSpPr>
           <p:nvPr>
             <p:ph type="sldNum" sz="quarter" idx="2"/>
           </p:nvPr>
@@ -1980,8 +1997,10 @@
           <a:bodyPr/>
           <a:lstStyle/>
           <a:p>
-            <a:pPr/>
-            <a:fld id="{86CB4B4D-7CA3-9044-876B-883B54F8677D}" type="slidenum"/>
+            <a:fld id="{86CB4B4D-7CA3-9044-876B-883B54F8677D}" type="slidenum">
+              <a:t>‹#›</a:t>
+            </a:fld>
+            <a:endParaRPr/>
           </a:p>
         </p:txBody>
       </p:sp>
@@ -1990,18 +2009,19 @@
   <p:clrMapOvr>
     <a:masterClrMapping/>
   </p:clrMapOvr>
-  <p:transition xmlns:p14="http://schemas.microsoft.com/office/powerpoint/2010/main" spd="med" advClick="1"/>
+  <p:transition spd="med"/>
 </p:sldLayout>
 </file>
 
 <file path=ppt/slideLayouts/slideLayout6.xml><?xml version="1.0" encoding="utf-8"?>
-<p:sldLayout xmlns:a="http://schemas.openxmlformats.org/drawingml/2006/main" xmlns:r="http://schemas.openxmlformats.org/officeDocument/2006/relationships" xmlns:p="http://schemas.openxmlformats.org/presentationml/2006/main" xmlns:m="http://schemas.openxmlformats.org/officeDocument/2006/math" xmlns:a14="http://schemas.microsoft.com/office/drawing/2010/main" type="tx" showMasterSp="0" showMasterPhAnim="1">
+<p:sldLayout xmlns:a="http://schemas.openxmlformats.org/drawingml/2006/main" xmlns:r="http://schemas.openxmlformats.org/officeDocument/2006/relationships" xmlns:p="http://schemas.openxmlformats.org/presentationml/2006/main" showMasterSp="0" type="tx">
   <p:cSld name="Content and photo: black">
     <p:bg>
       <p:bgPr>
         <a:solidFill>
           <a:srgbClr val="252626"/>
         </a:solidFill>
+        <a:effectLst/>
       </p:bgPr>
     </p:bg>
     <p:spTree>
@@ -2021,7 +2041,9 @@
       <p:sp>
         <p:nvSpPr>
           <p:cNvPr id="77" name="Click to edit master title style"/>
-          <p:cNvSpPr txBox="1"/>
+          <p:cNvSpPr txBox="1">
+            <a:spLocks noGrp="1"/>
+          </p:cNvSpPr>
           <p:nvPr>
             <p:ph type="title" hasCustomPrompt="1"/>
           </p:nvPr>
@@ -2046,7 +2068,6 @@
             </a:lvl1pPr>
           </a:lstStyle>
           <a:p>
-            <a:pPr/>
             <a:r>
               <a:t>Click to edit master title style</a:t>
             </a:r>
@@ -2056,7 +2077,9 @@
       <p:sp>
         <p:nvSpPr>
           <p:cNvPr id="78" name="Body Level One…"/>
-          <p:cNvSpPr txBox="1"/>
+          <p:cNvSpPr txBox="1">
+            <a:spLocks noGrp="1"/>
+          </p:cNvSpPr>
           <p:nvPr>
             <p:ph type="body" sz="half" idx="1"/>
           </p:nvPr>
@@ -2080,7 +2103,7 @@
               <a:buSzPct val="100000"/>
               <a:buFont typeface="Arial"/>
               <a:buChar char="•"/>
-              <a:defRPr b="0" spc="0" sz="1800">
+              <a:defRPr sz="1800" b="0" spc="0">
                 <a:solidFill>
                   <a:srgbClr val="FFFFFF"/>
                 </a:solidFill>
@@ -2092,7 +2115,7 @@
               </a:buClr>
               <a:buFont typeface="Arial"/>
               <a:buChar char="•"/>
-              <a:defRPr b="0" spc="0" sz="1800">
+              <a:defRPr sz="1800" b="0" spc="0">
                 <a:solidFill>
                   <a:srgbClr val="FFFFFF"/>
                 </a:solidFill>
@@ -2103,7 +2126,7 @@
                 <a:srgbClr val="808080"/>
               </a:buClr>
               <a:buFont typeface="Arial"/>
-              <a:defRPr b="0" spc="0" sz="1800">
+              <a:defRPr sz="1800" b="0" spc="0">
                 <a:solidFill>
                   <a:srgbClr val="FFFFFF"/>
                 </a:solidFill>
@@ -2115,7 +2138,7 @@
               </a:buClr>
               <a:buFont typeface="Arial"/>
               <a:buChar char="•"/>
-              <a:defRPr b="0" spc="0" sz="1800">
+              <a:defRPr sz="1800" b="0" spc="0">
                 <a:solidFill>
                   <a:srgbClr val="FFFFFF"/>
                 </a:solidFill>
@@ -2127,7 +2150,7 @@
               </a:buClr>
               <a:buFont typeface="Arial"/>
               <a:buChar char="•"/>
-              <a:defRPr b="0" spc="0" sz="1800">
+              <a:defRPr sz="1800" b="0" spc="0">
                 <a:solidFill>
                   <a:srgbClr val="FFFFFF"/>
                 </a:solidFill>
@@ -2135,7 +2158,6 @@
             </a:lvl5pPr>
           </a:lstStyle>
           <a:p>
-            <a:pPr/>
             <a:r>
               <a:t>Body Level One</a:t>
             </a:r>
@@ -2169,7 +2191,9 @@
       <p:sp>
         <p:nvSpPr>
           <p:cNvPr id="79" name="Picture Placeholder 9"/>
-          <p:cNvSpPr/>
+          <p:cNvSpPr>
+            <a:spLocks noGrp="1"/>
+          </p:cNvSpPr>
           <p:nvPr>
             <p:ph type="pic" sz="half" idx="21"/>
           </p:nvPr>
@@ -2189,7 +2213,7 @@
           </a:bodyPr>
           <a:lstStyle/>
           <a:p>
-            <a:pPr/>
+            <a:endParaRPr/>
           </a:p>
         </p:txBody>
       </p:sp>
@@ -2229,6 +2253,7 @@
                 <a:sym typeface="Arial"/>
               </a:defRPr>
             </a:pPr>
+            <a:endParaRPr/>
           </a:p>
         </p:txBody>
       </p:sp>
@@ -2268,6 +2293,7 @@
                 <a:sym typeface="Arial"/>
               </a:defRPr>
             </a:pPr>
+            <a:endParaRPr/>
           </a:p>
         </p:txBody>
       </p:sp>
@@ -2280,9 +2306,7 @@
           <p:nvPr/>
         </p:nvPicPr>
         <p:blipFill>
-          <a:blip r:embed="rId2">
-            <a:extLst/>
-          </a:blip>
+          <a:blip r:embed="rId2"/>
           <a:stretch>
             <a:fillRect/>
           </a:stretch>
@@ -2303,7 +2327,9 @@
       <p:sp>
         <p:nvSpPr>
           <p:cNvPr id="83" name="Slide Number"/>
-          <p:cNvSpPr txBox="1"/>
+          <p:cNvSpPr txBox="1">
+            <a:spLocks noGrp="1"/>
+          </p:cNvSpPr>
           <p:nvPr>
             <p:ph type="sldNum" sz="quarter" idx="2"/>
           </p:nvPr>
@@ -2317,8 +2343,10 @@
           <a:bodyPr/>
           <a:lstStyle/>
           <a:p>
-            <a:pPr/>
-            <a:fld id="{86CB4B4D-7CA3-9044-876B-883B54F8677D}" type="slidenum"/>
+            <a:fld id="{86CB4B4D-7CA3-9044-876B-883B54F8677D}" type="slidenum">
+              <a:t>‹#›</a:t>
+            </a:fld>
+            <a:endParaRPr/>
           </a:p>
         </p:txBody>
       </p:sp>
@@ -2327,18 +2355,19 @@
   <p:clrMapOvr>
     <a:masterClrMapping/>
   </p:clrMapOvr>
-  <p:transition xmlns:p14="http://schemas.microsoft.com/office/powerpoint/2010/main" spd="med" advClick="1"/>
+  <p:transition spd="med"/>
 </p:sldLayout>
 </file>
 
 <file path=ppt/slideLayouts/slideLayout7.xml><?xml version="1.0" encoding="utf-8"?>
-<p:sldLayout xmlns:a="http://schemas.openxmlformats.org/drawingml/2006/main" xmlns:r="http://schemas.openxmlformats.org/officeDocument/2006/relationships" xmlns:p="http://schemas.openxmlformats.org/presentationml/2006/main" xmlns:m="http://schemas.openxmlformats.org/officeDocument/2006/math" xmlns:a14="http://schemas.microsoft.com/office/drawing/2010/main" type="tx" showMasterSp="0" showMasterPhAnim="1">
+<p:sldLayout xmlns:a="http://schemas.openxmlformats.org/drawingml/2006/main" xmlns:r="http://schemas.openxmlformats.org/officeDocument/2006/relationships" xmlns:p="http://schemas.openxmlformats.org/presentationml/2006/main" showMasterSp="0" type="tx">
   <p:cSld name="Blank with footer: white">
     <p:bg>
       <p:bgPr>
         <a:solidFill>
           <a:srgbClr val="FFFFFF"/>
         </a:solidFill>
+        <a:effectLst/>
       </p:bgPr>
     </p:bg>
     <p:spTree>
@@ -2409,6 +2438,7 @@
                   <a:sym typeface="Arial"/>
                 </a:defRPr>
               </a:pPr>
+              <a:endParaRPr/>
             </a:p>
           </p:txBody>
         </p:sp>
@@ -2452,6 +2482,7 @@
                   <a:sym typeface="Arial"/>
                 </a:defRPr>
               </a:pPr>
+              <a:endParaRPr/>
             </a:p>
           </p:txBody>
         </p:sp>
@@ -2477,7 +2508,7 @@
             <a:effectLst/>
             <a:extLst>
               <a:ext uri="{C572A759-6A51-4108-AA02-DFA0A04FC94B}">
-                <ma14:wrappingTextBoxFlag xmlns:ma14="http://schemas.microsoft.com/office/mac/drawingml/2011/main" val="1"/>
+                <ma14:wrappingTextBoxFlag xmlns:ma14="http://schemas.microsoft.com/office/mac/drawingml/2011/main" xmlns:a14="http://schemas.microsoft.com/office/drawing/2010/main" xmlns:m="http://schemas.openxmlformats.org/officeDocument/2006/math" xmlns="" val="1"/>
               </a:ext>
             </a:extLst>
           </p:spPr>
@@ -2499,7 +2530,6 @@
               </a:lvl1pPr>
             </a:lstStyle>
             <a:p>
-              <a:pPr/>
               <a:r>
                 <a:t>INDIANA UNIVERSITY ALUMNI ASSOCIATION</a:t>
               </a:r>
@@ -2516,9 +2546,7 @@
           <p:nvPr/>
         </p:nvPicPr>
         <p:blipFill>
-          <a:blip r:embed="rId2">
-            <a:extLst/>
-          </a:blip>
+          <a:blip r:embed="rId2"/>
           <a:stretch>
             <a:fillRect/>
           </a:stretch>
@@ -2539,7 +2567,9 @@
       <p:sp>
         <p:nvSpPr>
           <p:cNvPr id="95" name="Slide Number"/>
-          <p:cNvSpPr txBox="1"/>
+          <p:cNvSpPr txBox="1">
+            <a:spLocks noGrp="1"/>
+          </p:cNvSpPr>
           <p:nvPr>
             <p:ph type="sldNum" sz="quarter" idx="2"/>
           </p:nvPr>
@@ -2553,8 +2583,10 @@
           <a:bodyPr/>
           <a:lstStyle/>
           <a:p>
-            <a:pPr/>
-            <a:fld id="{86CB4B4D-7CA3-9044-876B-883B54F8677D}" type="slidenum"/>
+            <a:fld id="{86CB4B4D-7CA3-9044-876B-883B54F8677D}" type="slidenum">
+              <a:t>‹#›</a:t>
+            </a:fld>
+            <a:endParaRPr/>
           </a:p>
         </p:txBody>
       </p:sp>
@@ -2563,18 +2595,19 @@
   <p:clrMapOvr>
     <a:masterClrMapping/>
   </p:clrMapOvr>
-  <p:transition xmlns:p14="http://schemas.microsoft.com/office/powerpoint/2010/main" spd="med" advClick="1"/>
+  <p:transition spd="med"/>
 </p:sldLayout>
 </file>
 
 <file path=ppt/slideLayouts/slideLayout8.xml><?xml version="1.0" encoding="utf-8"?>
-<p:sldLayout xmlns:a="http://schemas.openxmlformats.org/drawingml/2006/main" xmlns:r="http://schemas.openxmlformats.org/officeDocument/2006/relationships" xmlns:p="http://schemas.openxmlformats.org/presentationml/2006/main" xmlns:m="http://schemas.openxmlformats.org/officeDocument/2006/math" xmlns:a14="http://schemas.microsoft.com/office/drawing/2010/main" type="tx" showMasterSp="0" showMasterPhAnim="1">
+<p:sldLayout xmlns:a="http://schemas.openxmlformats.org/drawingml/2006/main" xmlns:r="http://schemas.openxmlformats.org/officeDocument/2006/relationships" xmlns:p="http://schemas.openxmlformats.org/presentationml/2006/main" showMasterSp="0" type="tx">
   <p:cSld name="Blank with footer: black">
     <p:bg>
       <p:bgPr>
         <a:solidFill>
           <a:srgbClr val="252626"/>
         </a:solidFill>
+        <a:effectLst/>
       </p:bgPr>
     </p:bg>
     <p:spTree>
@@ -2645,6 +2678,7 @@
                   <a:sym typeface="Arial"/>
                 </a:defRPr>
               </a:pPr>
+              <a:endParaRPr/>
             </a:p>
           </p:txBody>
         </p:sp>
@@ -2688,6 +2722,7 @@
                   <a:sym typeface="Arial"/>
                 </a:defRPr>
               </a:pPr>
+              <a:endParaRPr/>
             </a:p>
           </p:txBody>
         </p:sp>
@@ -2713,7 +2748,7 @@
             <a:effectLst/>
             <a:extLst>
               <a:ext uri="{C572A759-6A51-4108-AA02-DFA0A04FC94B}">
-                <ma14:wrappingTextBoxFlag xmlns:ma14="http://schemas.microsoft.com/office/mac/drawingml/2011/main" val="1"/>
+                <ma14:wrappingTextBoxFlag xmlns:ma14="http://schemas.microsoft.com/office/mac/drawingml/2011/main" xmlns:a14="http://schemas.microsoft.com/office/drawing/2010/main" xmlns:m="http://schemas.openxmlformats.org/officeDocument/2006/math" xmlns="" val="1"/>
               </a:ext>
             </a:extLst>
           </p:spPr>
@@ -2735,7 +2770,6 @@
               </a:lvl1pPr>
             </a:lstStyle>
             <a:p>
-              <a:pPr/>
               <a:r>
                 <a:t>INDIANA UNIVERSITY ALUMNI ASSOCIATION</a:t>
               </a:r>
@@ -2752,9 +2786,7 @@
           <p:nvPr/>
         </p:nvPicPr>
         <p:blipFill>
-          <a:blip r:embed="rId2">
-            <a:extLst/>
-          </a:blip>
+          <a:blip r:embed="rId2"/>
           <a:stretch>
             <a:fillRect/>
           </a:stretch>
@@ -2775,7 +2807,9 @@
       <p:sp>
         <p:nvSpPr>
           <p:cNvPr id="107" name="Slide Number"/>
-          <p:cNvSpPr txBox="1"/>
+          <p:cNvSpPr txBox="1">
+            <a:spLocks noGrp="1"/>
+          </p:cNvSpPr>
           <p:nvPr>
             <p:ph type="sldNum" sz="quarter" idx="2"/>
           </p:nvPr>
@@ -2789,8 +2823,10 @@
           <a:bodyPr/>
           <a:lstStyle/>
           <a:p>
-            <a:pPr/>
-            <a:fld id="{86CB4B4D-7CA3-9044-876B-883B54F8677D}" type="slidenum"/>
+            <a:fld id="{86CB4B4D-7CA3-9044-876B-883B54F8677D}" type="slidenum">
+              <a:t>‹#›</a:t>
+            </a:fld>
+            <a:endParaRPr/>
           </a:p>
         </p:txBody>
       </p:sp>
@@ -2799,18 +2835,19 @@
   <p:clrMapOvr>
     <a:masterClrMapping/>
   </p:clrMapOvr>
-  <p:transition xmlns:p14="http://schemas.microsoft.com/office/powerpoint/2010/main" spd="med" advClick="1"/>
+  <p:transition spd="med"/>
 </p:sldLayout>
 </file>
 
 <file path=ppt/slideLayouts/slideLayout9.xml><?xml version="1.0" encoding="utf-8"?>
-<p:sldLayout xmlns:a="http://schemas.openxmlformats.org/drawingml/2006/main" xmlns:r="http://schemas.openxmlformats.org/officeDocument/2006/relationships" xmlns:p="http://schemas.openxmlformats.org/presentationml/2006/main" xmlns:m="http://schemas.openxmlformats.org/officeDocument/2006/math" xmlns:a14="http://schemas.microsoft.com/office/drawing/2010/main" type="tx" showMasterSp="0" showMasterPhAnim="1">
+<p:sldLayout xmlns:a="http://schemas.openxmlformats.org/drawingml/2006/main" xmlns:r="http://schemas.openxmlformats.org/officeDocument/2006/relationships" xmlns:p="http://schemas.openxmlformats.org/presentationml/2006/main" showMasterSp="0" type="tx">
   <p:cSld name="Closing slide with IUPUI lockup">
     <p:bg>
       <p:bgPr>
         <a:solidFill>
           <a:srgbClr val="690304"/>
         </a:solidFill>
+        <a:effectLst/>
       </p:bgPr>
     </p:bg>
     <p:spTree>
@@ -2830,7 +2867,9 @@
       <p:sp>
         <p:nvSpPr>
           <p:cNvPr id="114" name="Body Level One…"/>
-          <p:cNvSpPr txBox="1"/>
+          <p:cNvSpPr txBox="1">
+            <a:spLocks noGrp="1"/>
+          </p:cNvSpPr>
           <p:nvPr>
             <p:ph type="body" idx="1"/>
           </p:nvPr>
@@ -2848,7 +2887,7 @@
           <a:bodyPr anchor="t"/>
           <a:lstStyle>
             <a:lvl1pPr>
-              <a:defRPr b="0" spc="0" sz="1800">
+              <a:defRPr sz="1800" b="0" spc="0">
                 <a:solidFill>
                   <a:srgbClr val="FFFFFF"/>
                 </a:solidFill>
@@ -2857,7 +2896,7 @@
             <a:lvl2pPr marL="0" indent="0">
               <a:buSzTx/>
               <a:buNone/>
-              <a:defRPr b="0" spc="0" sz="1800">
+              <a:defRPr sz="1800" b="0" spc="0">
                 <a:solidFill>
                   <a:srgbClr val="FFFFFF"/>
                 </a:solidFill>
@@ -2866,7 +2905,7 @@
             <a:lvl3pPr marL="0" indent="0">
               <a:buSzTx/>
               <a:buNone/>
-              <a:defRPr b="0" spc="0" sz="1800">
+              <a:defRPr sz="1800" b="0" spc="0">
                 <a:solidFill>
                   <a:srgbClr val="FFFFFF"/>
                 </a:solidFill>
@@ -2875,14 +2914,14 @@
             <a:lvl4pPr marL="0" indent="0">
               <a:buSzTx/>
               <a:buNone/>
-              <a:defRPr b="0" spc="0" sz="1800">
+              <a:defRPr sz="1800" b="0" spc="0">
                 <a:solidFill>
                   <a:srgbClr val="FFFFFF"/>
                 </a:solidFill>
               </a:defRPr>
             </a:lvl4pPr>
             <a:lvl5pPr marL="2085975" indent="-257175">
-              <a:defRPr b="0" spc="0" sz="1800">
+              <a:defRPr sz="1800" b="0" spc="0">
                 <a:solidFill>
                   <a:srgbClr val="FFFFFF"/>
                 </a:solidFill>
@@ -2890,7 +2929,6 @@
             </a:lvl5pPr>
           </a:lstStyle>
           <a:p>
-            <a:pPr/>
             <a:r>
               <a:t>Body Level One</a:t>
             </a:r>
@@ -2957,6 +2995,7 @@
                 <a:sym typeface="Arial"/>
               </a:defRPr>
             </a:pPr>
+            <a:endParaRPr/>
           </a:p>
         </p:txBody>
       </p:sp>
@@ -2969,9 +3008,7 @@
           <p:nvPr/>
         </p:nvPicPr>
         <p:blipFill>
-          <a:blip r:embed="rId2">
-            <a:extLst/>
-          </a:blip>
+          <a:blip r:embed="rId2"/>
           <a:stretch>
             <a:fillRect/>
           </a:stretch>
@@ -2998,9 +3035,7 @@
           <p:nvPr/>
         </p:nvPicPr>
         <p:blipFill>
-          <a:blip r:embed="rId3">
-            <a:extLst/>
-          </a:blip>
+          <a:blip r:embed="rId3"/>
           <a:stretch>
             <a:fillRect/>
           </a:stretch>
@@ -3021,7 +3056,9 @@
       <p:sp>
         <p:nvSpPr>
           <p:cNvPr id="118" name="Slide Number"/>
-          <p:cNvSpPr txBox="1"/>
+          <p:cNvSpPr txBox="1">
+            <a:spLocks noGrp="1"/>
+          </p:cNvSpPr>
           <p:nvPr>
             <p:ph type="sldNum" sz="quarter" idx="2"/>
           </p:nvPr>
@@ -3035,8 +3072,10 @@
           <a:bodyPr/>
           <a:lstStyle/>
           <a:p>
-            <a:pPr/>
-            <a:fld id="{86CB4B4D-7CA3-9044-876B-883B54F8677D}" type="slidenum"/>
+            <a:fld id="{86CB4B4D-7CA3-9044-876B-883B54F8677D}" type="slidenum">
+              <a:t>‹#›</a:t>
+            </a:fld>
+            <a:endParaRPr/>
           </a:p>
         </p:txBody>
       </p:sp>
@@ -3045,18 +3084,19 @@
   <p:clrMapOvr>
     <a:masterClrMapping/>
   </p:clrMapOvr>
-  <p:transition xmlns:p14="http://schemas.microsoft.com/office/powerpoint/2010/main" spd="med" advClick="1"/>
+  <p:transition spd="med"/>
 </p:sldLayout>
 </file>
 
 <file path=ppt/slideMasters/slideMaster1.xml><?xml version="1.0" encoding="utf-8"?>
-<p:sldMaster xmlns:a="http://schemas.openxmlformats.org/drawingml/2006/main" xmlns:r="http://schemas.openxmlformats.org/officeDocument/2006/relationships" xmlns:p="http://schemas.openxmlformats.org/presentationml/2006/main" xmlns:m="http://schemas.openxmlformats.org/officeDocument/2006/math" xmlns:a14="http://schemas.microsoft.com/office/drawing/2010/main">
+<p:sldMaster xmlns:a="http://schemas.openxmlformats.org/drawingml/2006/main" xmlns:r="http://schemas.openxmlformats.org/officeDocument/2006/relationships" xmlns:p="http://schemas.openxmlformats.org/presentationml/2006/main">
   <p:cSld>
     <p:bg>
       <p:bgPr>
         <a:solidFill>
           <a:srgbClr val="262626"/>
         </a:solidFill>
+        <a:effectLst/>
       </p:bgPr>
     </p:bg>
     <p:spTree>
@@ -3109,13 +3149,16 @@
                 <a:sym typeface="Arial"/>
               </a:defRPr>
             </a:pPr>
+            <a:endParaRPr/>
           </a:p>
         </p:txBody>
       </p:sp>
       <p:sp>
         <p:nvSpPr>
           <p:cNvPr id="3" name="Unnecessarily extra long title of presentation"/>
-          <p:cNvSpPr txBox="1"/>
+          <p:cNvSpPr txBox="1">
+            <a:spLocks noGrp="1"/>
+          </p:cNvSpPr>
           <p:nvPr>
             <p:ph type="title" hasCustomPrompt="1"/>
           </p:nvPr>
@@ -3133,17 +3176,16 @@
           </a:ln>
           <a:extLst>
             <a:ext uri="{C572A759-6A51-4108-AA02-DFA0A04FC94B}">
-              <ma14:wrappingTextBoxFlag xmlns:ma14="http://schemas.microsoft.com/office/mac/drawingml/2011/main" val="1"/>
+              <ma14:wrappingTextBoxFlag xmlns:ma14="http://schemas.microsoft.com/office/mac/drawingml/2011/main" xmlns:a14="http://schemas.microsoft.com/office/drawing/2010/main" xmlns:m="http://schemas.openxmlformats.org/officeDocument/2006/math" xmlns="" val="1"/>
             </a:ext>
           </a:extLst>
         </p:spPr>
         <p:txBody>
           <a:bodyPr lIns="45718" tIns="45718" rIns="45718" bIns="45718" anchor="ctr">
-            <a:normAutofit fontScale="100000" lnSpcReduction="0"/>
+            <a:normAutofit/>
           </a:bodyPr>
           <a:lstStyle/>
           <a:p>
-            <a:pPr/>
             <a:r>
               <a:t>Unnecessarily extra long title of presentation</a:t>
             </a:r>
@@ -3153,7 +3195,9 @@
       <p:sp>
         <p:nvSpPr>
           <p:cNvPr id="4" name="Body Level One…"/>
-          <p:cNvSpPr txBox="1"/>
+          <p:cNvSpPr txBox="1">
+            <a:spLocks noGrp="1"/>
+          </p:cNvSpPr>
           <p:nvPr>
             <p:ph type="body" idx="1" hasCustomPrompt="1"/>
           </p:nvPr>
@@ -3171,44 +3215,35 @@
           </a:ln>
           <a:extLst>
             <a:ext uri="{C572A759-6A51-4108-AA02-DFA0A04FC94B}">
-              <ma14:wrappingTextBoxFlag xmlns:ma14="http://schemas.microsoft.com/office/mac/drawingml/2011/main" val="1"/>
+              <ma14:wrappingTextBoxFlag xmlns:ma14="http://schemas.microsoft.com/office/mac/drawingml/2011/main" xmlns:a14="http://schemas.microsoft.com/office/drawing/2010/main" xmlns:m="http://schemas.openxmlformats.org/officeDocument/2006/math" xmlns="" val="1"/>
             </a:ext>
           </a:extLst>
         </p:spPr>
         <p:txBody>
           <a:bodyPr lIns="45718" tIns="45718" rIns="45718" bIns="45718" anchor="ctr">
-            <a:normAutofit fontScale="100000" lnSpcReduction="0"/>
+            <a:normAutofit/>
           </a:bodyPr>
           <a:lstStyle/>
           <a:p>
-            <a:pPr/>
             <a:r>
               <a:t>INDIANA UNIVERSITY ALUMNI ASSOCIATION</a:t>
             </a:r>
           </a:p>
           <a:p>
             <a:pPr lvl="1"/>
-            <a:r>
-              <a:t/>
-            </a:r>
+            <a:endParaRPr/>
           </a:p>
           <a:p>
             <a:pPr lvl="2"/>
-            <a:r>
-              <a:t/>
-            </a:r>
+            <a:endParaRPr/>
           </a:p>
           <a:p>
             <a:pPr lvl="3"/>
-            <a:r>
-              <a:t/>
-            </a:r>
+            <a:endParaRPr/>
           </a:p>
           <a:p>
             <a:pPr lvl="4"/>
-            <a:r>
-              <a:t/>
-            </a:r>
+            <a:endParaRPr/>
           </a:p>
         </p:txBody>
       </p:sp>
@@ -3221,9 +3256,7 @@
           <p:nvPr/>
         </p:nvPicPr>
         <p:blipFill>
-          <a:blip r:embed="rId2">
-            <a:extLst/>
-          </a:blip>
+          <a:blip r:embed="rId11"/>
           <a:stretch>
             <a:fillRect/>
           </a:stretch>
@@ -3244,7 +3277,9 @@
       <p:sp>
         <p:nvSpPr>
           <p:cNvPr id="6" name="Slide Number"/>
-          <p:cNvSpPr txBox="1"/>
+          <p:cNvSpPr txBox="1">
+            <a:spLocks noGrp="1"/>
+          </p:cNvSpPr>
           <p:nvPr>
             <p:ph type="sldNum" sz="quarter" idx="2"/>
           </p:nvPr>
@@ -3276,8 +3311,10 @@
             </a:lvl1pPr>
           </a:lstStyle>
           <a:p>
-            <a:pPr/>
-            <a:fld id="{86CB4B4D-7CA3-9044-876B-883B54F8677D}" type="slidenum"/>
+            <a:fld id="{86CB4B4D-7CA3-9044-876B-883B54F8677D}" type="slidenum">
+              <a:t>‹#›</a:t>
+            </a:fld>
+            <a:endParaRPr/>
           </a:p>
         </p:txBody>
       </p:sp>
@@ -3285,17 +3322,17 @@
   </p:cSld>
   <p:clrMap bg1="lt1" tx1="dk1" bg2="lt2" tx2="dk2" accent1="accent1" accent2="accent2" accent3="accent3" accent4="accent4" accent5="accent5" accent6="accent6" hlink="hlink" folHlink="folHlink"/>
   <p:sldLayoutIdLst>
-    <p:sldLayoutId id="2147483649" r:id="rId3"/>
-    <p:sldLayoutId id="2147483650" r:id="rId4"/>
-    <p:sldLayoutId id="2147483651" r:id="rId5"/>
-    <p:sldLayoutId id="2147483652" r:id="rId6"/>
-    <p:sldLayoutId id="2147483653" r:id="rId7"/>
-    <p:sldLayoutId id="2147483654" r:id="rId8"/>
-    <p:sldLayoutId id="2147483655" r:id="rId9"/>
-    <p:sldLayoutId id="2147483656" r:id="rId10"/>
-    <p:sldLayoutId id="2147483657" r:id="rId11"/>
+    <p:sldLayoutId id="2147483649" r:id="rId1"/>
+    <p:sldLayoutId id="2147483650" r:id="rId2"/>
+    <p:sldLayoutId id="2147483651" r:id="rId3"/>
+    <p:sldLayoutId id="2147483652" r:id="rId4"/>
+    <p:sldLayoutId id="2147483653" r:id="rId5"/>
+    <p:sldLayoutId id="2147483654" r:id="rId6"/>
+    <p:sldLayoutId id="2147483655" r:id="rId7"/>
+    <p:sldLayoutId id="2147483656" r:id="rId8"/>
+    <p:sldLayoutId id="2147483657" r:id="rId9"/>
   </p:sldLayoutIdLst>
-  <p:transition xmlns:p14="http://schemas.microsoft.com/office/powerpoint/2010/main" spd="med" advClick="1"/>
+  <p:transition spd="med"/>
   <p:txStyles>
     <p:titleStyle>
       <a:lvl1pPr marL="0" marR="0" indent="0" algn="l" defTabSz="457200" rtl="0" latinLnBrk="0">
@@ -3313,7 +3350,7 @@
         <a:buFontTx/>
         <a:buNone/>
         <a:tabLst/>
-        <a:defRPr b="1" baseline="0" cap="none" i="0" spc="0" strike="noStrike" sz="4000" u="none">
+        <a:defRPr sz="4000" b="1" i="0" u="none" strike="noStrike" cap="none" spc="0" baseline="0">
           <a:solidFill>
             <a:srgbClr val="FFFFFF"/>
           </a:solidFill>
@@ -3339,7 +3376,7 @@
         <a:buFontTx/>
         <a:buNone/>
         <a:tabLst/>
-        <a:defRPr b="1" baseline="0" cap="none" i="0" spc="0" strike="noStrike" sz="4000" u="none">
+        <a:defRPr sz="4000" b="1" i="0" u="none" strike="noStrike" cap="none" spc="0" baseline="0">
           <a:solidFill>
             <a:srgbClr val="FFFFFF"/>
           </a:solidFill>
@@ -3365,7 +3402,7 @@
         <a:buFontTx/>
         <a:buNone/>
         <a:tabLst/>
-        <a:defRPr b="1" baseline="0" cap="none" i="0" spc="0" strike="noStrike" sz="4000" u="none">
+        <a:defRPr sz="4000" b="1" i="0" u="none" strike="noStrike" cap="none" spc="0" baseline="0">
           <a:solidFill>
             <a:srgbClr val="FFFFFF"/>
           </a:solidFill>
@@ -3391,7 +3428,7 @@
         <a:buFontTx/>
         <a:buNone/>
         <a:tabLst/>
-        <a:defRPr b="1" baseline="0" cap="none" i="0" spc="0" strike="noStrike" sz="4000" u="none">
+        <a:defRPr sz="4000" b="1" i="0" u="none" strike="noStrike" cap="none" spc="0" baseline="0">
           <a:solidFill>
             <a:srgbClr val="FFFFFF"/>
           </a:solidFill>
@@ -3417,7 +3454,7 @@
         <a:buFontTx/>
         <a:buNone/>
         <a:tabLst/>
-        <a:defRPr b="1" baseline="0" cap="none" i="0" spc="0" strike="noStrike" sz="4000" u="none">
+        <a:defRPr sz="4000" b="1" i="0" u="none" strike="noStrike" cap="none" spc="0" baseline="0">
           <a:solidFill>
             <a:srgbClr val="FFFFFF"/>
           </a:solidFill>
@@ -3443,7 +3480,7 @@
         <a:buFontTx/>
         <a:buNone/>
         <a:tabLst/>
-        <a:defRPr b="1" baseline="0" cap="none" i="0" spc="0" strike="noStrike" sz="4000" u="none">
+        <a:defRPr sz="4000" b="1" i="0" u="none" strike="noStrike" cap="none" spc="0" baseline="0">
           <a:solidFill>
             <a:srgbClr val="FFFFFF"/>
           </a:solidFill>
@@ -3469,7 +3506,7 @@
         <a:buFontTx/>
         <a:buNone/>
         <a:tabLst/>
-        <a:defRPr b="1" baseline="0" cap="none" i="0" spc="0" strike="noStrike" sz="4000" u="none">
+        <a:defRPr sz="4000" b="1" i="0" u="none" strike="noStrike" cap="none" spc="0" baseline="0">
           <a:solidFill>
             <a:srgbClr val="FFFFFF"/>
           </a:solidFill>
@@ -3495,7 +3532,7 @@
         <a:buFontTx/>
         <a:buNone/>
         <a:tabLst/>
-        <a:defRPr b="1" baseline="0" cap="none" i="0" spc="0" strike="noStrike" sz="4000" u="none">
+        <a:defRPr sz="4000" b="1" i="0" u="none" strike="noStrike" cap="none" spc="0" baseline="0">
           <a:solidFill>
             <a:srgbClr val="FFFFFF"/>
           </a:solidFill>
@@ -3521,7 +3558,7 @@
         <a:buFontTx/>
         <a:buNone/>
         <a:tabLst/>
-        <a:defRPr b="1" baseline="0" cap="none" i="0" spc="0" strike="noStrike" sz="4000" u="none">
+        <a:defRPr sz="4000" b="1" i="0" u="none" strike="noStrike" cap="none" spc="0" baseline="0">
           <a:solidFill>
             <a:srgbClr val="FFFFFF"/>
           </a:solidFill>
@@ -3549,7 +3586,7 @@
         <a:buFontTx/>
         <a:buNone/>
         <a:tabLst/>
-        <a:defRPr b="1" baseline="0" cap="none" i="0" spc="79" strike="noStrike" sz="1100" u="none">
+        <a:defRPr sz="1100" b="1" i="0" u="none" strike="noStrike" cap="none" spc="79" baseline="0">
           <a:solidFill>
             <a:srgbClr val="A6A6A6"/>
           </a:solidFill>
@@ -3575,7 +3612,7 @@
         <a:buFontTx/>
         <a:buChar char="–"/>
         <a:tabLst/>
-        <a:defRPr b="1" baseline="0" cap="none" i="0" spc="79" strike="noStrike" sz="1100" u="none">
+        <a:defRPr sz="1100" b="1" i="0" u="none" strike="noStrike" cap="none" spc="79" baseline="0">
           <a:solidFill>
             <a:srgbClr val="A6A6A6"/>
           </a:solidFill>
@@ -3601,7 +3638,7 @@
         <a:buFontTx/>
         <a:buChar char="•"/>
         <a:tabLst/>
-        <a:defRPr b="1" baseline="0" cap="none" i="0" spc="79" strike="noStrike" sz="1100" u="none">
+        <a:defRPr sz="1100" b="1" i="0" u="none" strike="noStrike" cap="none" spc="79" baseline="0">
           <a:solidFill>
             <a:srgbClr val="A6A6A6"/>
           </a:solidFill>
@@ -3627,7 +3664,7 @@
         <a:buFontTx/>
         <a:buChar char="–"/>
         <a:tabLst/>
-        <a:defRPr b="1" baseline="0" cap="none" i="0" spc="79" strike="noStrike" sz="1100" u="none">
+        <a:defRPr sz="1100" b="1" i="0" u="none" strike="noStrike" cap="none" spc="79" baseline="0">
           <a:solidFill>
             <a:srgbClr val="A6A6A6"/>
           </a:solidFill>
@@ -3653,7 +3690,7 @@
         <a:buFontTx/>
         <a:buChar char="»"/>
         <a:tabLst/>
-        <a:defRPr b="1" baseline="0" cap="none" i="0" spc="79" strike="noStrike" sz="1100" u="none">
+        <a:defRPr sz="1100" b="1" i="0" u="none" strike="noStrike" cap="none" spc="79" baseline="0">
           <a:solidFill>
             <a:srgbClr val="A6A6A6"/>
           </a:solidFill>
@@ -3679,7 +3716,7 @@
         <a:buFontTx/>
         <a:buChar char="•"/>
         <a:tabLst/>
-        <a:defRPr b="1" baseline="0" cap="none" i="0" spc="79" strike="noStrike" sz="1100" u="none">
+        <a:defRPr sz="1100" b="1" i="0" u="none" strike="noStrike" cap="none" spc="79" baseline="0">
           <a:solidFill>
             <a:srgbClr val="A6A6A6"/>
           </a:solidFill>
@@ -3705,7 +3742,7 @@
         <a:buFontTx/>
         <a:buChar char="•"/>
         <a:tabLst/>
-        <a:defRPr b="1" baseline="0" cap="none" i="0" spc="79" strike="noStrike" sz="1100" u="none">
+        <a:defRPr sz="1100" b="1" i="0" u="none" strike="noStrike" cap="none" spc="79" baseline="0">
           <a:solidFill>
             <a:srgbClr val="A6A6A6"/>
           </a:solidFill>
@@ -3731,7 +3768,7 @@
         <a:buFontTx/>
         <a:buChar char="•"/>
         <a:tabLst/>
-        <a:defRPr b="1" baseline="0" cap="none" i="0" spc="79" strike="noStrike" sz="1100" u="none">
+        <a:defRPr sz="1100" b="1" i="0" u="none" strike="noStrike" cap="none" spc="79" baseline="0">
           <a:solidFill>
             <a:srgbClr val="A6A6A6"/>
           </a:solidFill>
@@ -3757,7 +3794,7 @@
         <a:buFontTx/>
         <a:buChar char="•"/>
         <a:tabLst/>
-        <a:defRPr b="1" baseline="0" cap="none" i="0" spc="79" strike="noStrike" sz="1100" u="none">
+        <a:defRPr sz="1100" b="1" i="0" u="none" strike="noStrike" cap="none" spc="79" baseline="0">
           <a:solidFill>
             <a:srgbClr val="A6A6A6"/>
           </a:solidFill>
@@ -3785,7 +3822,7 @@
         <a:buFontTx/>
         <a:buNone/>
         <a:tabLst/>
-        <a:defRPr b="0" baseline="0" cap="none" i="0" spc="0" strike="noStrike" sz="1200" u="none">
+        <a:defRPr sz="1200" b="0" i="0" u="none" strike="noStrike" cap="none" spc="0" baseline="0">
           <a:solidFill>
             <a:schemeClr val="tx1"/>
           </a:solidFill>
@@ -3811,7 +3848,7 @@
         <a:buFontTx/>
         <a:buNone/>
         <a:tabLst/>
-        <a:defRPr b="0" baseline="0" cap="none" i="0" spc="0" strike="noStrike" sz="1200" u="none">
+        <a:defRPr sz="1200" b="0" i="0" u="none" strike="noStrike" cap="none" spc="0" baseline="0">
           <a:solidFill>
             <a:schemeClr val="tx1"/>
           </a:solidFill>
@@ -3837,7 +3874,7 @@
         <a:buFontTx/>
         <a:buNone/>
         <a:tabLst/>
-        <a:defRPr b="0" baseline="0" cap="none" i="0" spc="0" strike="noStrike" sz="1200" u="none">
+        <a:defRPr sz="1200" b="0" i="0" u="none" strike="noStrike" cap="none" spc="0" baseline="0">
           <a:solidFill>
             <a:schemeClr val="tx1"/>
           </a:solidFill>
@@ -3863,7 +3900,7 @@
         <a:buFontTx/>
         <a:buNone/>
         <a:tabLst/>
-        <a:defRPr b="0" baseline="0" cap="none" i="0" spc="0" strike="noStrike" sz="1200" u="none">
+        <a:defRPr sz="1200" b="0" i="0" u="none" strike="noStrike" cap="none" spc="0" baseline="0">
           <a:solidFill>
             <a:schemeClr val="tx1"/>
           </a:solidFill>
@@ -3889,7 +3926,7 @@
         <a:buFontTx/>
         <a:buNone/>
         <a:tabLst/>
-        <a:defRPr b="0" baseline="0" cap="none" i="0" spc="0" strike="noStrike" sz="1200" u="none">
+        <a:defRPr sz="1200" b="0" i="0" u="none" strike="noStrike" cap="none" spc="0" baseline="0">
           <a:solidFill>
             <a:schemeClr val="tx1"/>
           </a:solidFill>
@@ -3915,7 +3952,7 @@
         <a:buFontTx/>
         <a:buNone/>
         <a:tabLst/>
-        <a:defRPr b="0" baseline="0" cap="none" i="0" spc="0" strike="noStrike" sz="1200" u="none">
+        <a:defRPr sz="1200" b="0" i="0" u="none" strike="noStrike" cap="none" spc="0" baseline="0">
           <a:solidFill>
             <a:schemeClr val="tx1"/>
           </a:solidFill>
@@ -3941,7 +3978,7 @@
         <a:buFontTx/>
         <a:buNone/>
         <a:tabLst/>
-        <a:defRPr b="0" baseline="0" cap="none" i="0" spc="0" strike="noStrike" sz="1200" u="none">
+        <a:defRPr sz="1200" b="0" i="0" u="none" strike="noStrike" cap="none" spc="0" baseline="0">
           <a:solidFill>
             <a:schemeClr val="tx1"/>
           </a:solidFill>
@@ -3967,7 +4004,7 @@
         <a:buFontTx/>
         <a:buNone/>
         <a:tabLst/>
-        <a:defRPr b="0" baseline="0" cap="none" i="0" spc="0" strike="noStrike" sz="1200" u="none">
+        <a:defRPr sz="1200" b="0" i="0" u="none" strike="noStrike" cap="none" spc="0" baseline="0">
           <a:solidFill>
             <a:schemeClr val="tx1"/>
           </a:solidFill>
@@ -3993,7 +4030,7 @@
         <a:buFontTx/>
         <a:buNone/>
         <a:tabLst/>
-        <a:defRPr b="0" baseline="0" cap="none" i="0" spc="0" strike="noStrike" sz="1200" u="none">
+        <a:defRPr sz="1200" b="0" i="0" u="none" strike="noStrike" cap="none" spc="0" baseline="0">
           <a:solidFill>
             <a:schemeClr val="tx1"/>
           </a:solidFill>
@@ -4010,7 +4047,7 @@
 </file>
 
 <file path=ppt/slides/slide1.xml><?xml version="1.0" encoding="utf-8"?>
-<p:sld xmlns:a="http://schemas.openxmlformats.org/drawingml/2006/main" xmlns:r="http://schemas.openxmlformats.org/officeDocument/2006/relationships" xmlns:p="http://schemas.openxmlformats.org/presentationml/2006/main" xmlns:m="http://schemas.openxmlformats.org/officeDocument/2006/math" xmlns:a14="http://schemas.microsoft.com/office/drawing/2010/main" showMasterSp="1" showMasterPhAnim="1">
+<p:sld xmlns:a="http://schemas.openxmlformats.org/drawingml/2006/main" xmlns:r="http://schemas.openxmlformats.org/officeDocument/2006/relationships" xmlns:p="http://schemas.openxmlformats.org/presentationml/2006/main">
   <p:cSld>
     <p:spTree>
       <p:nvGrpSpPr>
@@ -4029,7 +4066,9 @@
       <p:sp>
         <p:nvSpPr>
           <p:cNvPr id="127" name="Title 1"/>
-          <p:cNvSpPr txBox="1"/>
+          <p:cNvSpPr txBox="1">
+            <a:spLocks noGrp="1"/>
+          </p:cNvSpPr>
           <p:nvPr>
             <p:ph type="title"/>
           </p:nvPr>
@@ -4051,7 +4090,6 @@
             </a:lvl1pPr>
           </a:lstStyle>
           <a:p>
-            <a:pPr/>
             <a:r>
               <a:t>Sequence Reinforcement Learning</a:t>
             </a:r>
@@ -4061,7 +4099,9 @@
       <p:sp>
         <p:nvSpPr>
           <p:cNvPr id="128" name="Text Placeholder 3"/>
-          <p:cNvSpPr txBox="1"/>
+          <p:cNvSpPr txBox="1">
+            <a:spLocks noGrp="1"/>
+          </p:cNvSpPr>
           <p:nvPr>
             <p:ph type="body" sz="quarter" idx="1"/>
           </p:nvPr>
@@ -4076,7 +4116,9 @@
           </a:prstGeom>
         </p:spPr>
         <p:txBody>
-          <a:bodyPr/>
+          <a:bodyPr>
+            <a:normAutofit lnSpcReduction="10000"/>
+          </a:bodyPr>
           <a:lstStyle>
             <a:lvl1pPr algn="ctr" defTabSz="297179">
               <a:spcBef>
@@ -4086,7 +4128,6 @@
             </a:lvl1pPr>
           </a:lstStyle>
           <a:p>
-            <a:pPr/>
             <a:r>
               <a:t>Intelligent Systems Group 8</a:t>
             </a:r>
@@ -4098,12 +4139,12 @@
   <p:clrMapOvr>
     <a:masterClrMapping/>
   </p:clrMapOvr>
-  <p:transition xmlns:p14="http://schemas.microsoft.com/office/powerpoint/2010/main" spd="med" advClick="1"/>
+  <p:transition spd="med"/>
 </p:sld>
 </file>
 
 <file path=ppt/slides/slide2.xml><?xml version="1.0" encoding="utf-8"?>
-<p:sld xmlns:a="http://schemas.openxmlformats.org/drawingml/2006/main" xmlns:r="http://schemas.openxmlformats.org/officeDocument/2006/relationships" xmlns:p="http://schemas.openxmlformats.org/presentationml/2006/main" xmlns:m="http://schemas.openxmlformats.org/officeDocument/2006/math" xmlns:a14="http://schemas.microsoft.com/office/drawing/2010/main" showMasterSp="1" showMasterPhAnim="1">
+<p:sld xmlns:a="http://schemas.openxmlformats.org/drawingml/2006/main" xmlns:r="http://schemas.openxmlformats.org/officeDocument/2006/relationships" xmlns:p="http://schemas.openxmlformats.org/presentationml/2006/main">
   <p:cSld>
     <p:spTree>
       <p:nvGrpSpPr>
@@ -4122,7 +4163,9 @@
       <p:sp>
         <p:nvSpPr>
           <p:cNvPr id="130" name="Title 1"/>
-          <p:cNvSpPr txBox="1"/>
+          <p:cNvSpPr txBox="1">
+            <a:spLocks noGrp="1"/>
+          </p:cNvSpPr>
           <p:nvPr>
             <p:ph type="title"/>
           </p:nvPr>
@@ -4140,7 +4183,6 @@
           <a:bodyPr/>
           <a:lstStyle/>
           <a:p>
-            <a:pPr/>
             <a:r>
               <a:t>The Game of Sequence</a:t>
             </a:r>
@@ -4150,7 +4192,9 @@
       <p:sp>
         <p:nvSpPr>
           <p:cNvPr id="131" name="Content Placeholder 2"/>
-          <p:cNvSpPr txBox="1"/>
+          <p:cNvSpPr txBox="1">
+            <a:spLocks noGrp="1"/>
+          </p:cNvSpPr>
           <p:nvPr>
             <p:ph type="body" sz="half" idx="1"/>
           </p:nvPr>
@@ -4263,31 +4307,49 @@
       </p:sp>
       <p:pic>
         <p:nvPicPr>
-          <p:cNvPr id="132" name="Picture Placeholder 3" descr="Picture Placeholder 3"/>
+          <p:cNvPr id="2" name="Picture 2" descr="soft question - Does the layout of this card-based board ...">
+            <a:extLst>
+              <a:ext uri="{FF2B5EF4-FFF2-40B4-BE49-F238E27FC236}">
+                <a16:creationId xmlns:a16="http://schemas.microsoft.com/office/drawing/2014/main" id="{2C4C4C8D-2FB4-906D-CA95-61B5060E16B1}"/>
+              </a:ext>
+            </a:extLst>
+          </p:cNvPr>
           <p:cNvPicPr>
-            <a:picLocks noChangeAspect="1"/>
+            <a:picLocks noChangeAspect="1" noChangeArrowheads="1"/>
           </p:cNvPicPr>
-          <p:nvPr>
-            <p:ph type="pic" idx="21"/>
-          </p:nvPr>
+          <p:nvPr/>
         </p:nvPicPr>
         <p:blipFill>
-          <a:blip r:embed="rId2">
-            <a:extLst/>
+          <a:blip r:embed="rId2" cstate="print">
+            <a:extLst>
+              <a:ext uri="{28A0092B-C50C-407E-A947-70E740481C1C}">
+                <a14:useLocalDpi xmlns:a14="http://schemas.microsoft.com/office/drawing/2010/main" val="0"/>
+              </a:ext>
+            </a:extLst>
           </a:blip>
-          <a:srcRect l="21578" t="0" r="21578" b="0"/>
+          <a:srcRect/>
           <a:stretch>
             <a:fillRect/>
           </a:stretch>
         </p:blipFill>
-        <p:spPr>
+        <p:spPr bwMode="auto">
           <a:xfrm>
-            <a:off x="6319930" y="792527"/>
-            <a:ext cx="2215213" cy="3190740"/>
+            <a:off x="4753902" y="1325206"/>
+            <a:ext cx="4153334" cy="3400759"/>
           </a:xfrm>
           <a:prstGeom prst="rect">
             <a:avLst/>
           </a:prstGeom>
+          <a:noFill/>
+          <a:extLst>
+            <a:ext uri="{909E8E84-426E-40DD-AFC4-6F175D3DCCD1}">
+              <a14:hiddenFill xmlns:a14="http://schemas.microsoft.com/office/drawing/2010/main">
+                <a:solidFill>
+                  <a:srgbClr val="FFFFFF"/>
+                </a:solidFill>
+              </a14:hiddenFill>
+            </a:ext>
+          </a:extLst>
         </p:spPr>
       </p:pic>
     </p:spTree>
@@ -4295,12 +4357,12 @@
   <p:clrMapOvr>
     <a:masterClrMapping/>
   </p:clrMapOvr>
-  <p:transition xmlns:p14="http://schemas.microsoft.com/office/powerpoint/2010/main" spd="med" advClick="1"/>
+  <p:transition spd="med"/>
 </p:sld>
 </file>
 
 <file path=ppt/slides/slide3.xml><?xml version="1.0" encoding="utf-8"?>
-<p:sld xmlns:a="http://schemas.openxmlformats.org/drawingml/2006/main" xmlns:r="http://schemas.openxmlformats.org/officeDocument/2006/relationships" xmlns:p="http://schemas.openxmlformats.org/presentationml/2006/main" xmlns:m="http://schemas.openxmlformats.org/officeDocument/2006/math" xmlns:a14="http://schemas.microsoft.com/office/drawing/2010/main" showMasterSp="1" showMasterPhAnim="1">
+<p:sld xmlns:a="http://schemas.openxmlformats.org/drawingml/2006/main" xmlns:r="http://schemas.openxmlformats.org/officeDocument/2006/relationships" xmlns:p="http://schemas.openxmlformats.org/presentationml/2006/main">
   <p:cSld>
     <p:spTree>
       <p:nvGrpSpPr>
@@ -4319,7 +4381,9 @@
       <p:sp>
         <p:nvSpPr>
           <p:cNvPr id="134" name="Title 1"/>
-          <p:cNvSpPr txBox="1"/>
+          <p:cNvSpPr txBox="1">
+            <a:spLocks noGrp="1"/>
+          </p:cNvSpPr>
           <p:nvPr>
             <p:ph type="title"/>
           </p:nvPr>
@@ -4337,409 +4401,518 @@
           <a:bodyPr/>
           <a:lstStyle/>
           <a:p>
-            <a:pPr/>
             <a:r>
               <a:t>RL Formalism</a:t>
             </a:r>
           </a:p>
         </p:txBody>
       </p:sp>
-      <p:sp>
-        <p:nvSpPr>
-          <p:cNvPr id="135" name="Content Placeholder 3"/>
-          <p:cNvSpPr txBox="1"/>
-          <p:nvPr/>
-        </p:nvSpPr>
-        <p:spPr>
-          <a:xfrm>
-            <a:off x="564544" y="1629404"/>
-            <a:ext cx="7924153" cy="2810634"/>
-          </a:xfrm>
-          <a:prstGeom prst="rect">
-            <a:avLst/>
-          </a:prstGeom>
-          <a:ln w="12700">
-            <a:miter lim="400000"/>
-          </a:ln>
-          <a:extLst>
-            <a:ext uri="{C572A759-6A51-4108-AA02-DFA0A04FC94B}">
-              <ma14:wrappingTextBoxFlag xmlns:ma14="http://schemas.microsoft.com/office/mac/drawingml/2011/main" val="1"/>
-            </a:ext>
-          </a:extLst>
-        </p:spPr>
-        <p:txBody>
-          <a:bodyPr lIns="45718" tIns="45718" rIns="45718" bIns="45718">
-            <a:normAutofit fontScale="100000" lnSpcReduction="0"/>
-          </a:bodyPr>
-          <a:lstStyle/>
-          <a:p>
-            <a:pPr marL="135262" indent="-135262" defTabSz="541050">
-              <a:lnSpc>
-                <a:spcPct val="81000"/>
-              </a:lnSpc>
-              <a:spcBef>
-                <a:spcPts val="500"/>
-              </a:spcBef>
-              <a:buSzPct val="100000"/>
-              <a:buFont typeface="Arial"/>
-              <a:buChar char="•"/>
-              <a:defRPr sz="1455">
-                <a:latin typeface="+mn-lt"/>
-                <a:ea typeface="+mn-ea"/>
-                <a:cs typeface="+mn-cs"/>
-                <a:sym typeface="Calibri"/>
-              </a:defRPr>
-            </a:pPr>
-            <a:r>
-              <a:t>The game may be modeled as a MDP of a finite length.</a:t>
-            </a:r>
-          </a:p>
-          <a:p>
-            <a:pPr marL="135262" indent="-135262" defTabSz="541050">
-              <a:lnSpc>
-                <a:spcPct val="81000"/>
-              </a:lnSpc>
-              <a:spcBef>
-                <a:spcPts val="500"/>
-              </a:spcBef>
-              <a:buSzPct val="100000"/>
-              <a:buFont typeface="Arial"/>
-              <a:buChar char="•"/>
-              <a:defRPr sz="1455">
-                <a:latin typeface="+mn-lt"/>
-                <a:ea typeface="+mn-ea"/>
-                <a:cs typeface="+mn-cs"/>
-                <a:sym typeface="Calibri"/>
-              </a:defRPr>
-            </a:pPr>
-            <a:r>
-              <a:t>An action consists of card-location pairs.</a:t>
-            </a:r>
-          </a:p>
-          <a:p>
-            <a:pPr marL="135262" indent="-135262" defTabSz="541050">
-              <a:lnSpc>
-                <a:spcPct val="81000"/>
-              </a:lnSpc>
-              <a:spcBef>
-                <a:spcPts val="500"/>
-              </a:spcBef>
-              <a:buSzPct val="100000"/>
-              <a:buFont typeface="Arial"/>
-              <a:buChar char="•"/>
-              <a:defRPr sz="1455">
-                <a:latin typeface="+mn-lt"/>
-                <a:ea typeface="+mn-ea"/>
-                <a:cs typeface="+mn-cs"/>
-                <a:sym typeface="Calibri"/>
-              </a:defRPr>
-            </a:pPr>
-            <a:r>
-              <a:t>There are a variable number of actions for each state.</a:t>
-            </a:r>
-          </a:p>
-          <a:p>
-            <a:pPr marL="135262" indent="-135262" defTabSz="541050">
-              <a:lnSpc>
-                <a:spcPct val="81000"/>
-              </a:lnSpc>
-              <a:spcBef>
-                <a:spcPts val="500"/>
-              </a:spcBef>
-              <a:buSzPct val="100000"/>
-              <a:buFont typeface="Arial"/>
-              <a:buChar char="•"/>
-              <a:defRPr sz="1455">
-                <a:latin typeface="+mn-lt"/>
-                <a:ea typeface="+mn-ea"/>
-                <a:cs typeface="+mn-cs"/>
-                <a:sym typeface="Calibri"/>
-              </a:defRPr>
-            </a:pPr>
-            <a:r>
-              <a:t>The state space is very large (&gt;</a:t>
-            </a:r>
-            <a14:m>
-              <m:oMath>
-                <m:sSup>
-                  <m:e>
-                    <m:d>
-                      <m:dPr>
+      <mc:AlternateContent xmlns:mc="http://schemas.openxmlformats.org/markup-compatibility/2006">
+        <mc:Choice xmlns:a14="http://schemas.microsoft.com/office/drawing/2010/main" Requires="a14">
+          <p:sp>
+            <p:nvSpPr>
+              <p:cNvPr id="135" name="Content Placeholder 3"/>
+              <p:cNvSpPr txBox="1"/>
+              <p:nvPr/>
+            </p:nvSpPr>
+            <p:spPr>
+              <a:xfrm>
+                <a:off x="564544" y="1629404"/>
+                <a:ext cx="7924153" cy="2810634"/>
+              </a:xfrm>
+              <a:prstGeom prst="rect">
+                <a:avLst/>
+              </a:prstGeom>
+              <a:ln w="12700">
+                <a:miter lim="400000"/>
+              </a:ln>
+              <a:extLst>
+                <a:ext uri="{C572A759-6A51-4108-AA02-DFA0A04FC94B}">
+                  <ma14:wrappingTextBoxFlag xmlns:ma14="http://schemas.microsoft.com/office/mac/drawingml/2011/main" xmlns:m="http://schemas.openxmlformats.org/officeDocument/2006/math" xmlns="" val="1"/>
+                </a:ext>
+              </a:extLst>
+            </p:spPr>
+            <p:txBody>
+              <a:bodyPr lIns="45718" tIns="45718" rIns="45718" bIns="45718">
+                <a:normAutofit/>
+              </a:bodyPr>
+              <a:lstStyle/>
+              <a:p>
+                <a:pPr marL="135262" indent="-135262" defTabSz="541050">
+                  <a:lnSpc>
+                    <a:spcPct val="81000"/>
+                  </a:lnSpc>
+                  <a:spcBef>
+                    <a:spcPts val="500"/>
+                  </a:spcBef>
+                  <a:buSzPct val="100000"/>
+                  <a:buFont typeface="Arial"/>
+                  <a:buChar char="•"/>
+                  <a:defRPr sz="1455">
+                    <a:latin typeface="+mn-lt"/>
+                    <a:ea typeface="+mn-ea"/>
+                    <a:cs typeface="+mn-cs"/>
+                    <a:sym typeface="Calibri"/>
+                  </a:defRPr>
+                </a:pPr>
+                <a:r>
+                  <a:t>The game may be modeled as a MDP of a finite length.</a:t>
+                </a:r>
+              </a:p>
+              <a:p>
+                <a:pPr marL="135262" indent="-135262" defTabSz="541050">
+                  <a:lnSpc>
+                    <a:spcPct val="81000"/>
+                  </a:lnSpc>
+                  <a:spcBef>
+                    <a:spcPts val="500"/>
+                  </a:spcBef>
+                  <a:buSzPct val="100000"/>
+                  <a:buFont typeface="Arial"/>
+                  <a:buChar char="•"/>
+                  <a:defRPr sz="1455">
+                    <a:latin typeface="+mn-lt"/>
+                    <a:ea typeface="+mn-ea"/>
+                    <a:cs typeface="+mn-cs"/>
+                    <a:sym typeface="Calibri"/>
+                  </a:defRPr>
+                </a:pPr>
+                <a:r>
+                  <a:t>An action consists of card-location pairs.</a:t>
+                </a:r>
+              </a:p>
+              <a:p>
+                <a:pPr marL="135262" indent="-135262" defTabSz="541050">
+                  <a:lnSpc>
+                    <a:spcPct val="81000"/>
+                  </a:lnSpc>
+                  <a:spcBef>
+                    <a:spcPts val="500"/>
+                  </a:spcBef>
+                  <a:buSzPct val="100000"/>
+                  <a:buFont typeface="Arial"/>
+                  <a:buChar char="•"/>
+                  <a:defRPr sz="1455">
+                    <a:latin typeface="+mn-lt"/>
+                    <a:ea typeface="+mn-ea"/>
+                    <a:cs typeface="+mn-cs"/>
+                    <a:sym typeface="Calibri"/>
+                  </a:defRPr>
+                </a:pPr>
+                <a:r>
+                  <a:t>There are a variable number of actions for each state.</a:t>
+                </a:r>
+              </a:p>
+              <a:p>
+                <a:pPr marL="135262" indent="-135262" defTabSz="541050">
+                  <a:lnSpc>
+                    <a:spcPct val="81000"/>
+                  </a:lnSpc>
+                  <a:spcBef>
+                    <a:spcPts val="500"/>
+                  </a:spcBef>
+                  <a:buSzPct val="100000"/>
+                  <a:buFont typeface="Arial"/>
+                  <a:buChar char="•"/>
+                  <a:defRPr sz="1455">
+                    <a:latin typeface="+mn-lt"/>
+                    <a:ea typeface="+mn-ea"/>
+                    <a:cs typeface="+mn-cs"/>
+                    <a:sym typeface="Calibri"/>
+                  </a:defRPr>
+                </a:pPr>
+                <a:r>
+                  <a:t>The state space is very large (&gt;</a:t>
+                </a:r>
+                <a14:m>
+                  <m:oMath xmlns:m="http://schemas.openxmlformats.org/officeDocument/2006/math">
+                    <m:sSup>
+                      <m:sSupPr>
                         <m:ctrlPr>
-                          <a:rPr xmlns:a="http://schemas.openxmlformats.org/drawingml/2006/main" sz="1600" i="1">
+                          <a:rPr sz="1600">
                             <a:solidFill>
                               <a:srgbClr val="000000"/>
                             </a:solidFill>
                             <a:latin typeface="Cambria Math" panose="02040503050406030204" pitchFamily="18" charset="0"/>
                           </a:rPr>
                         </m:ctrlPr>
-                      </m:dPr>
+                      </m:sSupPr>
                       <m:e>
-                        <m:f>
-                          <m:fPr>
+                        <m:d>
+                          <m:dPr>
                             <m:ctrlPr>
-                              <a:rPr xmlns:a="http://schemas.openxmlformats.org/drawingml/2006/main" sz="1600" i="1">
+                              <a:rPr sz="1600" i="1">
                                 <a:solidFill>
                                   <a:srgbClr val="000000"/>
                                 </a:solidFill>
                                 <a:latin typeface="Cambria Math" panose="02040503050406030204" pitchFamily="18" charset="0"/>
                               </a:rPr>
                             </m:ctrlPr>
-                            <m:type m:val="noBar"/>
-                          </m:fPr>
-                          <m:num>
-                            <m:r>
-                              <a:rPr xmlns:a="http://schemas.openxmlformats.org/drawingml/2006/main" sz="1600" i="1">
-                                <a:solidFill>
-                                  <a:srgbClr val="000000"/>
-                                </a:solidFill>
-                                <a:latin typeface="Cambria Math" panose="02040503050406030204" pitchFamily="18" charset="0"/>
-                              </a:rPr>
-                              <m:t>54</m:t>
-                            </m:r>
-                          </m:num>
-                          <m:den>
-                            <m:r>
-                              <a:rPr xmlns:a="http://schemas.openxmlformats.org/drawingml/2006/main" sz="1600" i="1">
-                                <a:solidFill>
-                                  <a:srgbClr val="000000"/>
-                                </a:solidFill>
-                                <a:latin typeface="Cambria Math" panose="02040503050406030204" pitchFamily="18" charset="0"/>
-                              </a:rPr>
-                              <m:t>5</m:t>
-                            </m:r>
-                          </m:den>
-                        </m:f>
+                          </m:dPr>
+                          <m:e>
+                            <m:f>
+                              <m:fPr>
+                                <m:type m:val="noBar"/>
+                                <m:ctrlPr>
+                                  <a:rPr sz="1600" i="1">
+                                    <a:solidFill>
+                                      <a:srgbClr val="000000"/>
+                                    </a:solidFill>
+                                    <a:latin typeface="Cambria Math" panose="02040503050406030204" pitchFamily="18" charset="0"/>
+                                  </a:rPr>
+                                </m:ctrlPr>
+                              </m:fPr>
+                              <m:num>
+                                <m:r>
+                                  <a:rPr sz="1600" i="1">
+                                    <a:solidFill>
+                                      <a:srgbClr val="000000"/>
+                                    </a:solidFill>
+                                    <a:latin typeface="Cambria Math" panose="02040503050406030204" pitchFamily="18" charset="0"/>
+                                  </a:rPr>
+                                  <m:t>54</m:t>
+                                </m:r>
+                              </m:num>
+                              <m:den>
+                                <m:r>
+                                  <a:rPr sz="1600" i="1">
+                                    <a:solidFill>
+                                      <a:srgbClr val="000000"/>
+                                    </a:solidFill>
+                                    <a:latin typeface="Cambria Math" panose="02040503050406030204" pitchFamily="18" charset="0"/>
+                                  </a:rPr>
+                                  <m:t>5</m:t>
+                                </m:r>
+                              </m:den>
+                            </m:f>
+                          </m:e>
+                        </m:d>
+                        <m:r>
+                          <a:rPr sz="1600" i="1">
+                            <a:solidFill>
+                              <a:srgbClr val="000000"/>
+                            </a:solidFill>
+                            <a:latin typeface="Cambria Math" panose="02040503050406030204" pitchFamily="18" charset="0"/>
+                          </a:rPr>
+                          <m:t>⋅3</m:t>
+                        </m:r>
                       </m:e>
-                    </m:d>
+                      <m:sup>
+                        <m:r>
+                          <a:rPr sz="1600" i="1">
+                            <a:solidFill>
+                              <a:srgbClr val="000000"/>
+                            </a:solidFill>
+                            <a:latin typeface="Cambria Math" panose="02040503050406030204" pitchFamily="18" charset="0"/>
+                          </a:rPr>
+                          <m:t>100</m:t>
+                        </m:r>
+                      </m:sup>
+                    </m:sSup>
                     <m:r>
-                      <a:rPr xmlns:a="http://schemas.openxmlformats.org/drawingml/2006/main" sz="1600" i="1">
+                      <a:rPr sz="1600" i="1">
                         <a:solidFill>
                           <a:srgbClr val="000000"/>
                         </a:solidFill>
                         <a:latin typeface="Cambria Math" panose="02040503050406030204" pitchFamily="18" charset="0"/>
                       </a:rPr>
-                      <m:t>⋅</m:t>
+                      <m:t>≈1.6×</m:t>
                     </m:r>
-                    <m:r>
-                      <a:rPr xmlns:a="http://schemas.openxmlformats.org/drawingml/2006/main" sz="1600" i="1">
-                        <a:solidFill>
-                          <a:srgbClr val="000000"/>
-                        </a:solidFill>
-                        <a:latin typeface="Cambria Math" panose="02040503050406030204" pitchFamily="18" charset="0"/>
-                      </a:rPr>
-                      <m:t>3</m:t>
-                    </m:r>
-                  </m:e>
-                  <m:sup>
-                    <m:r>
-                      <a:rPr xmlns:a="http://schemas.openxmlformats.org/drawingml/2006/main" sz="1600" i="1">
-                        <a:solidFill>
-                          <a:srgbClr val="000000"/>
-                        </a:solidFill>
-                        <a:latin typeface="Cambria Math" panose="02040503050406030204" pitchFamily="18" charset="0"/>
-                      </a:rPr>
-                      <m:t>100</m:t>
-                    </m:r>
-                  </m:sup>
-                </m:sSup>
-                <m:r>
-                  <a:rPr xmlns:a="http://schemas.openxmlformats.org/drawingml/2006/main" sz="1600" i="1">
-                    <a:solidFill>
-                      <a:srgbClr val="000000"/>
-                    </a:solidFill>
-                    <a:latin typeface="Cambria Math" panose="02040503050406030204" pitchFamily="18" charset="0"/>
-                  </a:rPr>
-                  <m:t>≈</m:t>
-                </m:r>
-                <m:r>
-                  <a:rPr xmlns:a="http://schemas.openxmlformats.org/drawingml/2006/main" sz="1600" i="1">
-                    <a:solidFill>
-                      <a:srgbClr val="000000"/>
-                    </a:solidFill>
-                    <a:latin typeface="Cambria Math" panose="02040503050406030204" pitchFamily="18" charset="0"/>
-                  </a:rPr>
-                  <m:t>1.6</m:t>
-                </m:r>
-                <m:r>
-                  <a:rPr xmlns:a="http://schemas.openxmlformats.org/drawingml/2006/main" sz="1600" i="1">
-                    <a:solidFill>
-                      <a:srgbClr val="000000"/>
-                    </a:solidFill>
-                    <a:latin typeface="Cambria Math" panose="02040503050406030204" pitchFamily="18" charset="0"/>
-                  </a:rPr>
-                  <m:t>×</m:t>
-                </m:r>
-                <m:sSup>
-                  <m:e>
-                    <m:r>
-                      <a:rPr xmlns:a="http://schemas.openxmlformats.org/drawingml/2006/main" sz="1600" i="1">
-                        <a:solidFill>
-                          <a:srgbClr val="000000"/>
-                        </a:solidFill>
-                        <a:latin typeface="Cambria Math" panose="02040503050406030204" pitchFamily="18" charset="0"/>
-                      </a:rPr>
-                      <m:t>10</m:t>
-                    </m:r>
-                  </m:e>
-                  <m:sup>
-                    <m:r>
-                      <a:rPr xmlns:a="http://schemas.openxmlformats.org/drawingml/2006/main" sz="1600" i="1">
-                        <a:solidFill>
-                          <a:srgbClr val="000000"/>
-                        </a:solidFill>
-                        <a:latin typeface="Cambria Math" panose="02040503050406030204" pitchFamily="18" charset="0"/>
-                      </a:rPr>
-                      <m:t>54</m:t>
-                    </m:r>
-                  </m:sup>
-                </m:sSup>
-              </m:oMath>
-            </a14:m>
-            <a:r>
-              <a:t>)</a:t>
-            </a:r>
-          </a:p>
-          <a:p>
-            <a:pPr defTabSz="541050">
-              <a:lnSpc>
-                <a:spcPct val="81000"/>
-              </a:lnSpc>
-              <a:spcBef>
-                <a:spcPts val="500"/>
-              </a:spcBef>
-              <a:defRPr sz="1455">
-                <a:latin typeface="+mn-lt"/>
-                <a:ea typeface="+mn-ea"/>
-                <a:cs typeface="+mn-cs"/>
-                <a:sym typeface="Calibri"/>
-              </a:defRPr>
-            </a:pPr>
-          </a:p>
-          <a:p>
-            <a:pPr defTabSz="541050">
-              <a:lnSpc>
-                <a:spcPct val="81000"/>
-              </a:lnSpc>
-              <a:spcBef>
-                <a:spcPts val="500"/>
-              </a:spcBef>
-              <a:defRPr sz="1455">
-                <a:latin typeface="+mn-lt"/>
-                <a:ea typeface="+mn-ea"/>
-                <a:cs typeface="+mn-cs"/>
-                <a:sym typeface="Calibri"/>
-              </a:defRPr>
-            </a:pPr>
-            <a:r>
-              <a:t>Goal: </a:t>
-            </a:r>
-          </a:p>
-          <a:p>
-            <a:pPr defTabSz="541050">
-              <a:lnSpc>
-                <a:spcPct val="81000"/>
-              </a:lnSpc>
-              <a:spcBef>
-                <a:spcPts val="500"/>
-              </a:spcBef>
-              <a:defRPr sz="1552">
-                <a:latin typeface="Cambria Math"/>
-                <a:ea typeface="Cambria Math"/>
-                <a:cs typeface="Cambria Math"/>
-                <a:sym typeface="Cambria Math"/>
-              </a:defRPr>
-            </a:pPr>
-            <a14:m>
-              <m:oMathPara>
-                <m:oMathParaPr>
-                  <m:jc m:val="left"/>
-                </m:oMathParaPr>
-                <m:oMath>
-                  <m:func>
-                    <m:funcPr>
-                      <m:ctrlPr>
-                        <a:rPr xmlns:a="http://schemas.openxmlformats.org/drawingml/2006/main" sz="1550" i="1">
-                          <a:solidFill>
-                            <a:srgbClr val="000000"/>
-                          </a:solidFill>
-                          <a:latin typeface="Cambria Math" panose="02040503050406030204" pitchFamily="18" charset="0"/>
-                        </a:rPr>
-                      </m:ctrlPr>
-                    </m:funcPr>
-                    <m:fName>
-                      <m:r>
-                        <a:rPr xmlns:a="http://schemas.openxmlformats.org/drawingml/2006/main" sz="1550" i="1">
-                          <a:solidFill>
-                            <a:srgbClr val="000000"/>
-                          </a:solidFill>
-                          <a:latin typeface="Cambria Math" panose="02040503050406030204" pitchFamily="18" charset="0"/>
-                        </a:rPr>
-                        <m:t>𝑚𝑎𝑥</m:t>
-                      </m:r>
-                    </m:fName>
-                    <m:e>
-                      <m:nary>
-                        <m:naryPr>
+                    <m:sSup>
+                      <m:sSupPr>
+                        <m:ctrlPr>
+                          <a:rPr sz="1600" i="1">
+                            <a:solidFill>
+                              <a:srgbClr val="000000"/>
+                            </a:solidFill>
+                            <a:latin typeface="Cambria Math" panose="02040503050406030204" pitchFamily="18" charset="0"/>
+                          </a:rPr>
+                        </m:ctrlPr>
+                      </m:sSupPr>
+                      <m:e>
+                        <m:r>
+                          <a:rPr sz="1600" i="1">
+                            <a:solidFill>
+                              <a:srgbClr val="000000"/>
+                            </a:solidFill>
+                            <a:latin typeface="Cambria Math" panose="02040503050406030204" pitchFamily="18" charset="0"/>
+                          </a:rPr>
+                          <m:t>10</m:t>
+                        </m:r>
+                      </m:e>
+                      <m:sup>
+                        <m:r>
+                          <a:rPr sz="1600" i="1">
+                            <a:solidFill>
+                              <a:srgbClr val="000000"/>
+                            </a:solidFill>
+                            <a:latin typeface="Cambria Math" panose="02040503050406030204" pitchFamily="18" charset="0"/>
+                          </a:rPr>
+                          <m:t>54</m:t>
+                        </m:r>
+                      </m:sup>
+                    </m:sSup>
+                  </m:oMath>
+                </a14:m>
+                <a:r>
+                  <a:t>)</a:t>
+                </a:r>
+              </a:p>
+              <a:p>
+                <a:pPr defTabSz="541050">
+                  <a:lnSpc>
+                    <a:spcPct val="81000"/>
+                  </a:lnSpc>
+                  <a:spcBef>
+                    <a:spcPts val="500"/>
+                  </a:spcBef>
+                  <a:defRPr sz="1455">
+                    <a:latin typeface="+mn-lt"/>
+                    <a:ea typeface="+mn-ea"/>
+                    <a:cs typeface="+mn-cs"/>
+                    <a:sym typeface="Calibri"/>
+                  </a:defRPr>
+                </a:pPr>
+                <a:endParaRPr/>
+              </a:p>
+              <a:p>
+                <a:pPr defTabSz="541050">
+                  <a:lnSpc>
+                    <a:spcPct val="81000"/>
+                  </a:lnSpc>
+                  <a:spcBef>
+                    <a:spcPts val="500"/>
+                  </a:spcBef>
+                  <a:defRPr sz="1455">
+                    <a:latin typeface="+mn-lt"/>
+                    <a:ea typeface="+mn-ea"/>
+                    <a:cs typeface="+mn-cs"/>
+                    <a:sym typeface="Calibri"/>
+                  </a:defRPr>
+                </a:pPr>
+                <a:r>
+                  <a:t>Goal: </a:t>
+                </a:r>
+              </a:p>
+              <a:p>
+                <a:pPr defTabSz="541050">
+                  <a:lnSpc>
+                    <a:spcPct val="81000"/>
+                  </a:lnSpc>
+                  <a:spcBef>
+                    <a:spcPts val="500"/>
+                  </a:spcBef>
+                  <a:defRPr sz="1552">
+                    <a:latin typeface="Cambria Math"/>
+                    <a:ea typeface="Cambria Math"/>
+                    <a:cs typeface="Cambria Math"/>
+                    <a:sym typeface="Cambria Math"/>
+                  </a:defRPr>
+                </a:pPr>
+                <a14:m>
+                  <m:oMathPara xmlns:m="http://schemas.openxmlformats.org/officeDocument/2006/math">
+                    <m:oMathParaPr>
+                      <m:jc m:val="left"/>
+                    </m:oMathParaPr>
+                    <m:oMath xmlns:m="http://schemas.openxmlformats.org/officeDocument/2006/math">
+                      <m:func>
+                        <m:funcPr>
                           <m:ctrlPr>
-                            <a:rPr xmlns:a="http://schemas.openxmlformats.org/drawingml/2006/main" sz="1550" i="1">
+                            <a:rPr sz="1550" i="1">
                               <a:solidFill>
                                 <a:srgbClr val="000000"/>
                               </a:solidFill>
                               <a:latin typeface="Cambria Math" panose="02040503050406030204" pitchFamily="18" charset="0"/>
                             </a:rPr>
                           </m:ctrlPr>
-                          <m:chr m:val="∑"/>
-                          <m:limLoc m:val="undOvr"/>
-                          <m:grow m:val="0"/>
-                          <m:subHide m:val="off"/>
-                          <m:supHide m:val="off"/>
-                        </m:naryPr>
-                        <m:sub>
+                        </m:funcPr>
+                        <m:fName>
                           <m:r>
-                            <a:rPr xmlns:a="http://schemas.openxmlformats.org/drawingml/2006/main" sz="1550" i="1">
+                            <a:rPr sz="1550" i="1">
                               <a:solidFill>
                                 <a:srgbClr val="000000"/>
                               </a:solidFill>
                               <a:latin typeface="Cambria Math" panose="02040503050406030204" pitchFamily="18" charset="0"/>
                             </a:rPr>
-                            <m:t>𝑖</m:t>
+                            <m:t>𝑚𝑎𝑥</m:t>
                           </m:r>
-                          <m:r>
-                            <a:rPr xmlns:a="http://schemas.openxmlformats.org/drawingml/2006/main" sz="1550" i="1">
+                        </m:fName>
+                        <m:e>
+                          <m:nary>
+                            <m:naryPr>
+                              <m:chr m:val="∑"/>
+                              <m:limLoc m:val="undOvr"/>
+                              <m:ctrlPr>
+                                <a:rPr sz="1550" i="1">
+                                  <a:solidFill>
+                                    <a:srgbClr val="000000"/>
+                                  </a:solidFill>
+                                  <a:latin typeface="Cambria Math" panose="02040503050406030204" pitchFamily="18" charset="0"/>
+                                </a:rPr>
+                              </m:ctrlPr>
+                            </m:naryPr>
+                            <m:sub>
+                              <m:r>
+                                <a:rPr sz="1550" i="1">
+                                  <a:solidFill>
+                                    <a:srgbClr val="000000"/>
+                                  </a:solidFill>
+                                  <a:latin typeface="Cambria Math" panose="02040503050406030204" pitchFamily="18" charset="0"/>
+                                </a:rPr>
+                                <m:t>𝑖</m:t>
+                              </m:r>
+                              <m:r>
+                                <a:rPr sz="1550" i="1">
+                                  <a:solidFill>
+                                    <a:srgbClr val="000000"/>
+                                  </a:solidFill>
+                                  <a:latin typeface="Cambria Math" panose="02040503050406030204" pitchFamily="18" charset="0"/>
+                                </a:rPr>
+                                <m:t>=</m:t>
+                              </m:r>
+                              <m:r>
+                                <a:rPr sz="1550" i="1">
+                                  <a:solidFill>
+                                    <a:srgbClr val="000000"/>
+                                  </a:solidFill>
+                                  <a:latin typeface="Cambria Math" panose="02040503050406030204" pitchFamily="18" charset="0"/>
+                                </a:rPr>
+                                <m:t>𝑡</m:t>
+                              </m:r>
+                            </m:sub>
+                            <m:sup>
+                              <m:r>
+                                <a:rPr sz="1550" i="1">
+                                  <a:solidFill>
+                                    <a:srgbClr val="000000"/>
+                                  </a:solidFill>
+                                  <a:latin typeface="Cambria Math" panose="02040503050406030204" pitchFamily="18" charset="0"/>
+                                </a:rPr>
+                                <m:t>𝑇</m:t>
+                              </m:r>
+                            </m:sup>
+                            <m:e>
+                              <m:sSup>
+                                <m:sSupPr>
+                                  <m:ctrlPr>
+                                    <a:rPr sz="1550" i="1">
+                                      <a:solidFill>
+                                        <a:srgbClr val="000000"/>
+                                      </a:solidFill>
+                                      <a:latin typeface="Cambria Math" panose="02040503050406030204" pitchFamily="18" charset="0"/>
+                                    </a:rPr>
+                                  </m:ctrlPr>
+                                </m:sSupPr>
+                                <m:e>
+                                  <m:r>
+                                    <a:rPr sz="1550" i="1">
+                                      <a:solidFill>
+                                        <a:srgbClr val="000000"/>
+                                      </a:solidFill>
+                                      <a:latin typeface="Cambria Math" panose="02040503050406030204" pitchFamily="18" charset="0"/>
+                                    </a:rPr>
+                                    <m:t>𝛾</m:t>
+                                  </m:r>
+                                </m:e>
+                                <m:sup>
+                                  <m:r>
+                                    <a:rPr sz="1550" i="1">
+                                      <a:solidFill>
+                                        <a:srgbClr val="000000"/>
+                                      </a:solidFill>
+                                      <a:latin typeface="Cambria Math" panose="02040503050406030204" pitchFamily="18" charset="0"/>
+                                    </a:rPr>
+                                    <m:t>𝑡</m:t>
+                                  </m:r>
+                                </m:sup>
+                              </m:sSup>
+                              <m:sSub>
+                                <m:sSubPr>
+                                  <m:ctrlPr>
+                                    <a:rPr sz="1550" i="1">
+                                      <a:solidFill>
+                                        <a:srgbClr val="000000"/>
+                                      </a:solidFill>
+                                      <a:latin typeface="Cambria Math" panose="02040503050406030204" pitchFamily="18" charset="0"/>
+                                    </a:rPr>
+                                  </m:ctrlPr>
+                                </m:sSubPr>
+                                <m:e>
+                                  <m:r>
+                                    <a:rPr sz="1550" i="1">
+                                      <a:solidFill>
+                                        <a:srgbClr val="000000"/>
+                                      </a:solidFill>
+                                      <a:latin typeface="Cambria Math" panose="02040503050406030204" pitchFamily="18" charset="0"/>
+                                    </a:rPr>
+                                    <m:t>𝑅</m:t>
+                                  </m:r>
+                                </m:e>
+                                <m:sub>
+                                  <m:r>
+                                    <a:rPr sz="1550" i="1">
+                                      <a:solidFill>
+                                        <a:srgbClr val="000000"/>
+                                      </a:solidFill>
+                                      <a:latin typeface="Cambria Math" panose="02040503050406030204" pitchFamily="18" charset="0"/>
+                                    </a:rPr>
+                                    <m:t>𝑡</m:t>
+                                  </m:r>
+                                </m:sub>
+                              </m:sSub>
+                            </m:e>
+                          </m:nary>
+                        </m:e>
+                      </m:func>
+                      <m:r>
+                        <a:rPr sz="1550" i="1">
+                          <a:solidFill>
+                            <a:srgbClr val="000000"/>
+                          </a:solidFill>
+                          <a:latin typeface="Cambria Math" panose="02040503050406030204" pitchFamily="18" charset="0"/>
+                        </a:rPr>
+                        <m:t>=</m:t>
+                      </m:r>
+                      <m:func>
+                        <m:funcPr>
+                          <m:ctrlPr>
+                            <a:rPr sz="1550" i="1">
                               <a:solidFill>
                                 <a:srgbClr val="000000"/>
                               </a:solidFill>
                               <a:latin typeface="Cambria Math" panose="02040503050406030204" pitchFamily="18" charset="0"/>
                             </a:rPr>
-                            <m:t>=</m:t>
-                          </m:r>
+                          </m:ctrlPr>
+                        </m:funcPr>
+                        <m:fName>
                           <m:r>
-                            <a:rPr xmlns:a="http://schemas.openxmlformats.org/drawingml/2006/main" sz="1550" i="1">
+                            <m:rPr>
+                              <m:sty m:val="p"/>
+                            </m:rPr>
+                            <a:rPr sz="1550" i="1">
                               <a:solidFill>
                                 <a:srgbClr val="000000"/>
                               </a:solidFill>
                               <a:latin typeface="Cambria Math" panose="02040503050406030204" pitchFamily="18" charset="0"/>
                             </a:rPr>
-                            <m:t>𝑡</m:t>
+                            <m:t>max</m:t>
                           </m:r>
-                        </m:sub>
-                        <m:sup>
-                          <m:r>
-                            <a:rPr xmlns:a="http://schemas.openxmlformats.org/drawingml/2006/main" sz="1550" i="1">
-                              <a:solidFill>
-                                <a:srgbClr val="000000"/>
-                              </a:solidFill>
-                              <a:latin typeface="Cambria Math" panose="02040503050406030204" pitchFamily="18" charset="0"/>
-                            </a:rPr>
-                            <m:t>𝑇</m:t>
-                          </m:r>
-                        </m:sup>
+                        </m:fName>
                         <m:e>
                           <m:sSup>
+                            <m:sSupPr>
+                              <m:ctrlPr>
+                                <a:rPr sz="1550" i="1">
+                                  <a:solidFill>
+                                    <a:srgbClr val="000000"/>
+                                  </a:solidFill>
+                                  <a:latin typeface="Cambria Math" panose="02040503050406030204" pitchFamily="18" charset="0"/>
+                                </a:rPr>
+                              </m:ctrlPr>
+                            </m:sSupPr>
                             <m:e>
                               <m:r>
-                                <a:rPr xmlns:a="http://schemas.openxmlformats.org/drawingml/2006/main" sz="1550" i="1">
+                                <a:rPr sz="1550" i="1">
                                   <a:solidFill>
                                     <a:srgbClr val="000000"/>
                                   </a:solidFill>
@@ -4750,20 +4923,30 @@
                             </m:e>
                             <m:sup>
                               <m:r>
-                                <a:rPr xmlns:a="http://schemas.openxmlformats.org/drawingml/2006/main" sz="1550" i="1">
+                                <a:rPr sz="1550" i="1">
                                   <a:solidFill>
                                     <a:srgbClr val="000000"/>
                                   </a:solidFill>
                                   <a:latin typeface="Cambria Math" panose="02040503050406030204" pitchFamily="18" charset="0"/>
                                 </a:rPr>
-                                <m:t>𝑡</m:t>
+                                <m:t>𝑇</m:t>
                               </m:r>
                             </m:sup>
                           </m:sSup>
                           <m:sSub>
+                            <m:sSubPr>
+                              <m:ctrlPr>
+                                <a:rPr sz="1550" i="1">
+                                  <a:solidFill>
+                                    <a:srgbClr val="000000"/>
+                                  </a:solidFill>
+                                  <a:latin typeface="Cambria Math" panose="02040503050406030204" pitchFamily="18" charset="0"/>
+                                </a:rPr>
+                              </m:ctrlPr>
+                            </m:sSubPr>
                             <m:e>
                               <m:r>
-                                <a:rPr xmlns:a="http://schemas.openxmlformats.org/drawingml/2006/main" sz="1550" i="1">
+                                <a:rPr sz="1550" i="1">
                                   <a:solidFill>
                                     <a:srgbClr val="000000"/>
                                   </a:solidFill>
@@ -4774,131 +4957,92 @@
                             </m:e>
                             <m:sub>
                               <m:r>
-                                <a:rPr xmlns:a="http://schemas.openxmlformats.org/drawingml/2006/main" sz="1550" i="1">
+                                <a:rPr sz="1550" i="1">
                                   <a:solidFill>
                                     <a:srgbClr val="000000"/>
                                   </a:solidFill>
                                   <a:latin typeface="Cambria Math" panose="02040503050406030204" pitchFamily="18" charset="0"/>
                                 </a:rPr>
-                                <m:t>𝑡</m:t>
+                                <m:t>𝑇</m:t>
                               </m:r>
                             </m:sub>
                           </m:sSub>
                         </m:e>
-                      </m:nary>
-                    </m:e>
-                  </m:func>
-                  <m:r>
-                    <a:rPr xmlns:a="http://schemas.openxmlformats.org/drawingml/2006/main" sz="1550" i="1">
-                      <a:solidFill>
-                        <a:srgbClr val="000000"/>
-                      </a:solidFill>
-                      <a:latin typeface="Cambria Math" panose="02040503050406030204" pitchFamily="18" charset="0"/>
-                    </a:rPr>
-                    <m:t>=</m:t>
-                  </m:r>
-                  <m:func>
-                    <m:funcPr>
-                      <m:ctrlPr>
-                        <a:rPr xmlns:a="http://schemas.openxmlformats.org/drawingml/2006/main" sz="1550" i="1">
-                          <a:solidFill>
-                            <a:srgbClr val="000000"/>
-                          </a:solidFill>
-                          <a:latin typeface="Cambria Math" panose="02040503050406030204" pitchFamily="18" charset="0"/>
-                        </a:rPr>
-                      </m:ctrlPr>
-                    </m:funcPr>
-                    <m:fName>
-                      <m:r>
-                        <m:rPr>
-                          <m:sty m:val="p"/>
-                        </m:rPr>
-                        <a:rPr xmlns:a="http://schemas.openxmlformats.org/drawingml/2006/main" sz="1550" i="1">
-                          <a:solidFill>
-                            <a:srgbClr val="000000"/>
-                          </a:solidFill>
-                          <a:latin typeface="Cambria Math" panose="02040503050406030204" pitchFamily="18" charset="0"/>
-                        </a:rPr>
-                        <m:t>max</m:t>
-                      </m:r>
-                    </m:fName>
-                    <m:e>
-                      <m:sSup>
-                        <m:e>
-                          <m:r>
-                            <a:rPr xmlns:a="http://schemas.openxmlformats.org/drawingml/2006/main" sz="1550" i="1">
-                              <a:solidFill>
-                                <a:srgbClr val="000000"/>
-                              </a:solidFill>
-                              <a:latin typeface="Cambria Math" panose="02040503050406030204" pitchFamily="18" charset="0"/>
-                            </a:rPr>
-                            <m:t>𝛾</m:t>
-                          </m:r>
-                        </m:e>
-                        <m:sup>
-                          <m:r>
-                            <a:rPr xmlns:a="http://schemas.openxmlformats.org/drawingml/2006/main" sz="1550" i="1">
-                              <a:solidFill>
-                                <a:srgbClr val="000000"/>
-                              </a:solidFill>
-                              <a:latin typeface="Cambria Math" panose="02040503050406030204" pitchFamily="18" charset="0"/>
-                            </a:rPr>
-                            <m:t>𝑇</m:t>
-                          </m:r>
-                        </m:sup>
-                      </m:sSup>
-                      <m:sSub>
-                        <m:e>
-                          <m:r>
-                            <a:rPr xmlns:a="http://schemas.openxmlformats.org/drawingml/2006/main" sz="1550" i="1">
-                              <a:solidFill>
-                                <a:srgbClr val="000000"/>
-                              </a:solidFill>
-                              <a:latin typeface="Cambria Math" panose="02040503050406030204" pitchFamily="18" charset="0"/>
-                            </a:rPr>
-                            <m:t>𝑅</m:t>
-                          </m:r>
-                        </m:e>
-                        <m:sub>
-                          <m:r>
-                            <a:rPr xmlns:a="http://schemas.openxmlformats.org/drawingml/2006/main" sz="1550" i="1">
-                              <a:solidFill>
-                                <a:srgbClr val="000000"/>
-                              </a:solidFill>
-                              <a:latin typeface="Cambria Math" panose="02040503050406030204" pitchFamily="18" charset="0"/>
-                            </a:rPr>
-                            <m:t>𝑇</m:t>
-                          </m:r>
-                        </m:sub>
-                      </m:sSub>
-                    </m:e>
-                  </m:func>
-                </m:oMath>
-              </m:oMathPara>
-            </a14:m>
-            <a:endParaRPr sz="1455"/>
-          </a:p>
-          <a:p>
-            <a:pPr defTabSz="541050">
-              <a:lnSpc>
-                <a:spcPct val="81000"/>
-              </a:lnSpc>
-              <a:spcBef>
-                <a:spcPts val="500"/>
-              </a:spcBef>
-              <a:defRPr sz="1455">
-                <a:latin typeface="+mn-lt"/>
-                <a:ea typeface="+mn-ea"/>
-                <a:cs typeface="+mn-cs"/>
-                <a:sym typeface="Calibri"/>
-              </a:defRPr>
-            </a:pPr>
-            <a:r>
-              <a:t>because the only reward is the terminal reward (win or lose).</a:t>
-            </a:r>
-          </a:p>
-        </p:txBody>
-      </p:sp>
+                      </m:func>
+                    </m:oMath>
+                  </m:oMathPara>
+                </a14:m>
+                <a:endParaRPr sz="1455"/>
+              </a:p>
+              <a:p>
+                <a:pPr defTabSz="541050">
+                  <a:lnSpc>
+                    <a:spcPct val="81000"/>
+                  </a:lnSpc>
+                  <a:spcBef>
+                    <a:spcPts val="500"/>
+                  </a:spcBef>
+                  <a:defRPr sz="1455">
+                    <a:latin typeface="+mn-lt"/>
+                    <a:ea typeface="+mn-ea"/>
+                    <a:cs typeface="+mn-cs"/>
+                    <a:sym typeface="Calibri"/>
+                  </a:defRPr>
+                </a:pPr>
+                <a:r>
+                  <a:t>because the only reward is the terminal reward (win or lose).</a:t>
+                </a:r>
+              </a:p>
+            </p:txBody>
+          </p:sp>
+        </mc:Choice>
+        <mc:Fallback>
+          <p:sp>
+            <p:nvSpPr>
+              <p:cNvPr id="135" name="Content Placeholder 3"/>
+              <p:cNvSpPr txBox="1">
+                <a:spLocks noRot="1" noChangeAspect="1" noMove="1" noResize="1" noEditPoints="1" noAdjustHandles="1" noChangeArrowheads="1" noChangeShapeType="1" noTextEdit="1"/>
+              </p:cNvSpPr>
+              <p:nvPr/>
+            </p:nvSpPr>
+            <p:spPr>
+              <a:xfrm>
+                <a:off x="564544" y="1629404"/>
+                <a:ext cx="7924153" cy="2810634"/>
+              </a:xfrm>
+              <a:prstGeom prst="rect">
+                <a:avLst/>
+              </a:prstGeom>
+              <a:blipFill>
+                <a:blip r:embed="rId2"/>
+                <a:stretch>
+                  <a:fillRect l="-3538" t="-1735" b="-16052"/>
+                </a:stretch>
+              </a:blipFill>
+              <a:ln w="12700">
+                <a:miter lim="400000"/>
+              </a:ln>
+              <a:extLst>
+                <a:ext uri="{C572A759-6A51-4108-AA02-DFA0A04FC94B}">
+                  <ma14:wrappingTextBoxFlag xmlns:ma14="http://schemas.microsoft.com/office/mac/drawingml/2011/main" xmlns:a14="http://schemas.microsoft.com/office/drawing/2010/main" xmlns:m="http://schemas.openxmlformats.org/officeDocument/2006/math" xmlns="" val="1"/>
+                </a:ext>
+              </a:extLst>
+            </p:spPr>
+            <p:txBody>
+              <a:bodyPr/>
+              <a:lstStyle/>
+              <a:p>
+                <a:r>
+                  <a:rPr lang="en-US">
+                    <a:noFill/>
+                  </a:rPr>
+                  <a:t> </a:t>
+                </a:r>
+              </a:p>
+            </p:txBody>
+          </p:sp>
+        </mc:Fallback>
+      </mc:AlternateContent>
       <p:pic>
         <p:nvPicPr>
           <p:cNvPr id="136" name="Screenshot 2023-12-10 at 8.10.59 PM.png" descr="Screenshot 2023-12-10 at 8.10.59 PM.png"/>
@@ -4908,9 +5052,7 @@
           <p:nvPr/>
         </p:nvPicPr>
         <p:blipFill>
-          <a:blip r:embed="rId2">
-            <a:extLst/>
-          </a:blip>
+          <a:blip r:embed="rId3"/>
           <a:stretch>
             <a:fillRect/>
           </a:stretch>
@@ -4933,12 +5075,12 @@
   <p:clrMapOvr>
     <a:masterClrMapping/>
   </p:clrMapOvr>
-  <p:transition xmlns:p14="http://schemas.microsoft.com/office/powerpoint/2010/main" spd="med" advClick="1"/>
+  <p:transition spd="med"/>
 </p:sld>
 </file>
 
 <file path=ppt/slides/slide4.xml><?xml version="1.0" encoding="utf-8"?>
-<p:sld xmlns:a="http://schemas.openxmlformats.org/drawingml/2006/main" xmlns:r="http://schemas.openxmlformats.org/officeDocument/2006/relationships" xmlns:p="http://schemas.openxmlformats.org/presentationml/2006/main" xmlns:m="http://schemas.openxmlformats.org/officeDocument/2006/math" xmlns:a14="http://schemas.microsoft.com/office/drawing/2010/main" showMasterSp="1" showMasterPhAnim="1">
+<p:sld xmlns:a="http://schemas.openxmlformats.org/drawingml/2006/main" xmlns:r="http://schemas.openxmlformats.org/officeDocument/2006/relationships" xmlns:p="http://schemas.openxmlformats.org/presentationml/2006/main">
   <p:cSld>
     <p:spTree>
       <p:nvGrpSpPr>
@@ -4957,7 +5099,9 @@
       <p:sp>
         <p:nvSpPr>
           <p:cNvPr id="138" name="Title 1"/>
-          <p:cNvSpPr txBox="1"/>
+          <p:cNvSpPr txBox="1">
+            <a:spLocks noGrp="1"/>
+          </p:cNvSpPr>
           <p:nvPr>
             <p:ph type="title"/>
           </p:nvPr>
@@ -4975,98 +5119,548 @@
           <a:bodyPr/>
           <a:lstStyle/>
           <a:p>
-            <a:pPr/>
             <a:r>
               <a:t>Q-Learning Approach</a:t>
             </a:r>
           </a:p>
         </p:txBody>
       </p:sp>
-      <p:sp>
-        <p:nvSpPr>
-          <p:cNvPr id="139" name="Content Placeholder 3"/>
-          <p:cNvSpPr txBox="1"/>
-          <p:nvPr/>
-        </p:nvSpPr>
-        <p:spPr>
-          <a:xfrm>
-            <a:off x="564544" y="1629404"/>
-            <a:ext cx="7924153" cy="2810634"/>
-          </a:xfrm>
-          <a:prstGeom prst="rect">
-            <a:avLst/>
-          </a:prstGeom>
-          <a:ln w="12700">
-            <a:miter lim="400000"/>
-          </a:ln>
-          <a:extLst>
-            <a:ext uri="{C572A759-6A51-4108-AA02-DFA0A04FC94B}">
-              <ma14:wrappingTextBoxFlag xmlns:ma14="http://schemas.microsoft.com/office/mac/drawingml/2011/main" val="1"/>
-            </a:ext>
-          </a:extLst>
-        </p:spPr>
-        <p:txBody>
-          <a:bodyPr lIns="45718" tIns="45718" rIns="45718" bIns="45718">
-            <a:normAutofit fontScale="100000" lnSpcReduction="0"/>
-          </a:bodyPr>
-          <a:lstStyle/>
-          <a:p>
-            <a:pPr defTabSz="552206">
-              <a:lnSpc>
-                <a:spcPct val="90000"/>
-              </a:lnSpc>
-              <a:spcBef>
-                <a:spcPts val="500"/>
-              </a:spcBef>
-              <a:defRPr sz="1782">
-                <a:latin typeface="Cambria Math"/>
-                <a:ea typeface="Cambria Math"/>
-                <a:cs typeface="Cambria Math"/>
-                <a:sym typeface="Cambria Math"/>
-              </a:defRPr>
-            </a:pPr>
-            <a14:m>
-              <m:oMathPara>
-                <m:oMathParaPr>
-                  <m:jc m:val="left"/>
-                </m:oMathParaPr>
-                <m:oMath>
-                  <m:r>
-                    <a:rPr xmlns:a="http://schemas.openxmlformats.org/drawingml/2006/main" sz="1850" i="1">
-                      <a:solidFill>
-                        <a:srgbClr val="000000"/>
-                      </a:solidFill>
-                      <a:latin typeface="Cambria Math" panose="02040503050406030204" pitchFamily="18" charset="0"/>
-                    </a:rPr>
-                    <m:t>𝑄</m:t>
-                  </m:r>
-                  <m:d>
-                    <m:dPr>
-                      <m:ctrlPr>
-                        <a:rPr xmlns:a="http://schemas.openxmlformats.org/drawingml/2006/main" sz="1850" i="1">
+      <mc:AlternateContent xmlns:mc="http://schemas.openxmlformats.org/markup-compatibility/2006">
+        <mc:Choice xmlns:a14="http://schemas.microsoft.com/office/drawing/2010/main" Requires="a14">
+          <p:sp>
+            <p:nvSpPr>
+              <p:cNvPr id="139" name="Content Placeholder 3"/>
+              <p:cNvSpPr txBox="1"/>
+              <p:nvPr/>
+            </p:nvSpPr>
+            <p:spPr>
+              <a:xfrm>
+                <a:off x="564544" y="1629404"/>
+                <a:ext cx="7924153" cy="2810634"/>
+              </a:xfrm>
+              <a:prstGeom prst="rect">
+                <a:avLst/>
+              </a:prstGeom>
+              <a:ln w="12700">
+                <a:miter lim="400000"/>
+              </a:ln>
+              <a:extLst>
+                <a:ext uri="{C572A759-6A51-4108-AA02-DFA0A04FC94B}">
+                  <ma14:wrappingTextBoxFlag xmlns:ma14="http://schemas.microsoft.com/office/mac/drawingml/2011/main" xmlns:m="http://schemas.openxmlformats.org/officeDocument/2006/math" xmlns="" val="1"/>
+                </a:ext>
+              </a:extLst>
+            </p:spPr>
+            <p:txBody>
+              <a:bodyPr lIns="45718" tIns="45718" rIns="45718" bIns="45718">
+                <a:normAutofit/>
+              </a:bodyPr>
+              <a:lstStyle/>
+              <a:p>
+                <a:pPr defTabSz="552206">
+                  <a:lnSpc>
+                    <a:spcPct val="90000"/>
+                  </a:lnSpc>
+                  <a:spcBef>
+                    <a:spcPts val="500"/>
+                  </a:spcBef>
+                  <a:defRPr sz="1782">
+                    <a:latin typeface="Cambria Math"/>
+                    <a:ea typeface="Cambria Math"/>
+                    <a:cs typeface="Cambria Math"/>
+                    <a:sym typeface="Cambria Math"/>
+                  </a:defRPr>
+                </a:pPr>
+                <a14:m>
+                  <m:oMathPara xmlns:m="http://schemas.openxmlformats.org/officeDocument/2006/math">
+                    <m:oMathParaPr>
+                      <m:jc m:val="left"/>
+                    </m:oMathParaPr>
+                    <m:oMath xmlns:m="http://schemas.openxmlformats.org/officeDocument/2006/math">
+                      <m:r>
+                        <a:rPr sz="1850" i="1">
                           <a:solidFill>
                             <a:srgbClr val="000000"/>
                           </a:solidFill>
                           <a:latin typeface="Cambria Math" panose="02040503050406030204" pitchFamily="18" charset="0"/>
                         </a:rPr>
-                      </m:ctrlPr>
-                    </m:dPr>
-                    <m:e>
-                      <m:sSub>
-                        <m:e>
-                          <m:r>
-                            <a:rPr xmlns:a="http://schemas.openxmlformats.org/drawingml/2006/main" sz="1850" i="1">
+                        <m:t>𝑄</m:t>
+                      </m:r>
+                      <m:d>
+                        <m:dPr>
+                          <m:ctrlPr>
+                            <a:rPr sz="1850" i="1">
                               <a:solidFill>
                                 <a:srgbClr val="000000"/>
                               </a:solidFill>
                               <a:latin typeface="Cambria Math" panose="02040503050406030204" pitchFamily="18" charset="0"/>
                             </a:rPr>
-                            <m:t>𝜎</m:t>
+                          </m:ctrlPr>
+                        </m:dPr>
+                        <m:e>
+                          <m:sSub>
+                            <m:sSubPr>
+                              <m:ctrlPr>
+                                <a:rPr sz="1850" i="1">
+                                  <a:solidFill>
+                                    <a:srgbClr val="000000"/>
+                                  </a:solidFill>
+                                  <a:latin typeface="Cambria Math" panose="02040503050406030204" pitchFamily="18" charset="0"/>
+                                </a:rPr>
+                              </m:ctrlPr>
+                            </m:sSubPr>
+                            <m:e>
+                              <m:r>
+                                <a:rPr sz="1850" i="1">
+                                  <a:solidFill>
+                                    <a:srgbClr val="000000"/>
+                                  </a:solidFill>
+                                  <a:latin typeface="Cambria Math" panose="02040503050406030204" pitchFamily="18" charset="0"/>
+                                </a:rPr>
+                                <m:t>𝜎</m:t>
+                              </m:r>
+                            </m:e>
+                            <m:sub>
+                              <m:r>
+                                <a:rPr sz="1850" i="1">
+                                  <a:solidFill>
+                                    <a:srgbClr val="000000"/>
+                                  </a:solidFill>
+                                  <a:latin typeface="Cambria Math" panose="02040503050406030204" pitchFamily="18" charset="0"/>
+                                </a:rPr>
+                                <m:t>𝑡</m:t>
+                              </m:r>
+                            </m:sub>
+                          </m:sSub>
+                          <m:r>
+                            <a:rPr sz="1850" i="1">
+                              <a:solidFill>
+                                <a:srgbClr val="000000"/>
+                              </a:solidFill>
+                              <a:latin typeface="Cambria Math" panose="02040503050406030204" pitchFamily="18" charset="0"/>
+                            </a:rPr>
+                            <m:t>,</m:t>
+                          </m:r>
+                          <m:r>
+                            <a:rPr sz="1850" i="1">
+                              <a:solidFill>
+                                <a:srgbClr val="000000"/>
+                              </a:solidFill>
+                              <a:latin typeface="Cambria Math" panose="02040503050406030204" pitchFamily="18" charset="0"/>
+                            </a:rPr>
+                            <m:t>𝑎</m:t>
+                          </m:r>
+                        </m:e>
+                      </m:d>
+                      <m:r>
+                        <a:rPr sz="1850" i="1">
+                          <a:solidFill>
+                            <a:srgbClr val="000000"/>
+                          </a:solidFill>
+                          <a:latin typeface="Cambria Math" panose="02040503050406030204" pitchFamily="18" charset="0"/>
+                        </a:rPr>
+                        <m:t>=</m:t>
+                      </m:r>
+                      <m:sSup>
+                        <m:sSupPr>
+                          <m:ctrlPr>
+                            <a:rPr sz="1850" i="1">
+                              <a:solidFill>
+                                <a:srgbClr val="000000"/>
+                              </a:solidFill>
+                              <a:latin typeface="Cambria Math" panose="02040503050406030204" pitchFamily="18" charset="0"/>
+                            </a:rPr>
+                          </m:ctrlPr>
+                        </m:sSupPr>
+                        <m:e>
+                          <m:r>
+                            <a:rPr sz="1850" i="1">
+                              <a:solidFill>
+                                <a:srgbClr val="000000"/>
+                              </a:solidFill>
+                              <a:latin typeface="Cambria Math" panose="02040503050406030204" pitchFamily="18" charset="0"/>
+                            </a:rPr>
+                            <m:t>𝛾</m:t>
+                          </m:r>
+                        </m:e>
+                        <m:sup>
+                          <m:r>
+                            <a:rPr sz="1850" i="1">
+                              <a:solidFill>
+                                <a:srgbClr val="000000"/>
+                              </a:solidFill>
+                              <a:latin typeface="Cambria Math" panose="02040503050406030204" pitchFamily="18" charset="0"/>
+                            </a:rPr>
+                            <m:t>𝑇</m:t>
+                          </m:r>
+                          <m:r>
+                            <a:rPr sz="1850" i="1">
+                              <a:solidFill>
+                                <a:srgbClr val="000000"/>
+                              </a:solidFill>
+                              <a:latin typeface="Cambria Math" panose="02040503050406030204" pitchFamily="18" charset="0"/>
+                            </a:rPr>
+                            <m:t>−</m:t>
+                          </m:r>
+                          <m:r>
+                            <a:rPr sz="1850" i="1">
+                              <a:solidFill>
+                                <a:srgbClr val="000000"/>
+                              </a:solidFill>
+                              <a:latin typeface="Cambria Math" panose="02040503050406030204" pitchFamily="18" charset="0"/>
+                            </a:rPr>
+                            <m:t>𝑡</m:t>
+                          </m:r>
+                        </m:sup>
+                      </m:sSup>
+                      <m:sSub>
+                        <m:sSubPr>
+                          <m:ctrlPr>
+                            <a:rPr sz="1850" i="1">
+                              <a:solidFill>
+                                <a:srgbClr val="000000"/>
+                              </a:solidFill>
+                              <a:latin typeface="Cambria Math" panose="02040503050406030204" pitchFamily="18" charset="0"/>
+                            </a:rPr>
+                          </m:ctrlPr>
+                        </m:sSubPr>
+                        <m:e>
+                          <m:r>
+                            <a:rPr sz="1850" i="1">
+                              <a:solidFill>
+                                <a:srgbClr val="000000"/>
+                              </a:solidFill>
+                              <a:latin typeface="Cambria Math" panose="02040503050406030204" pitchFamily="18" charset="0"/>
+                            </a:rPr>
+                            <m:t>𝑅</m:t>
                           </m:r>
                         </m:e>
                         <m:sub>
                           <m:r>
-                            <a:rPr xmlns:a="http://schemas.openxmlformats.org/drawingml/2006/main" sz="1850" i="1">
+                            <a:rPr sz="1850" i="1">
+                              <a:solidFill>
+                                <a:srgbClr val="000000"/>
+                              </a:solidFill>
+                              <a:latin typeface="Cambria Math" panose="02040503050406030204" pitchFamily="18" charset="0"/>
+                            </a:rPr>
+                            <m:t>𝑇</m:t>
+                          </m:r>
+                        </m:sub>
+                      </m:sSub>
+                    </m:oMath>
+                  </m:oMathPara>
+                </a14:m>
+                <a:endParaRPr sz="1683"/>
+              </a:p>
+              <a:p>
+                <a:pPr defTabSz="552206">
+                  <a:lnSpc>
+                    <a:spcPct val="90000"/>
+                  </a:lnSpc>
+                  <a:spcBef>
+                    <a:spcPts val="500"/>
+                  </a:spcBef>
+                  <a:defRPr sz="1683">
+                    <a:latin typeface="+mn-lt"/>
+                    <a:ea typeface="+mn-ea"/>
+                    <a:cs typeface="+mn-cs"/>
+                    <a:sym typeface="Calibri"/>
+                  </a:defRPr>
+                </a:pPr>
+                <a:r>
+                  <a:t>Where </a:t>
+                </a:r>
+                <a14:m>
+                  <m:oMath xmlns:m="http://schemas.openxmlformats.org/officeDocument/2006/math">
+                    <m:r>
+                      <a:rPr sz="1550" i="1">
+                        <a:solidFill>
+                          <a:srgbClr val="000000"/>
+                        </a:solidFill>
+                        <a:latin typeface="Cambria Math" panose="02040503050406030204" pitchFamily="18" charset="0"/>
+                      </a:rPr>
+                      <m:t>𝑇</m:t>
+                    </m:r>
+                  </m:oMath>
+                </a14:m>
+                <a:r>
+                  <a:t> is the time at the end of the game, </a:t>
+                </a:r>
+                <a14:m>
+                  <m:oMath xmlns:m="http://schemas.openxmlformats.org/officeDocument/2006/math">
+                    <m:r>
+                      <a:rPr sz="1800" i="1">
+                        <a:solidFill>
+                          <a:srgbClr val="000000"/>
+                        </a:solidFill>
+                        <a:latin typeface="Cambria Math" panose="02040503050406030204" pitchFamily="18" charset="0"/>
+                      </a:rPr>
+                      <m:t>𝛾</m:t>
+                    </m:r>
+                  </m:oMath>
+                </a14:m>
+                <a:r>
+                  <a:t> is a discount factor, and </a:t>
+                </a:r>
+                <a14:m>
+                  <m:oMath xmlns:m="http://schemas.openxmlformats.org/officeDocument/2006/math">
+                    <m:sSub>
+                      <m:sSubPr>
+                        <m:ctrlPr>
+                          <a:rPr sz="1700">
+                            <a:solidFill>
+                              <a:srgbClr val="000000"/>
+                            </a:solidFill>
+                            <a:latin typeface="Cambria Math" panose="02040503050406030204" pitchFamily="18" charset="0"/>
+                          </a:rPr>
+                        </m:ctrlPr>
+                      </m:sSubPr>
+                      <m:e>
+                        <m:r>
+                          <a:rPr sz="1700" i="1">
+                            <a:solidFill>
+                              <a:srgbClr val="000000"/>
+                            </a:solidFill>
+                            <a:latin typeface="Cambria Math" panose="02040503050406030204" pitchFamily="18" charset="0"/>
+                          </a:rPr>
+                          <m:t>𝑅</m:t>
+                        </m:r>
+                      </m:e>
+                      <m:sub>
+                        <m:r>
+                          <a:rPr sz="1700" i="1">
+                            <a:solidFill>
+                              <a:srgbClr val="000000"/>
+                            </a:solidFill>
+                            <a:latin typeface="Cambria Math" panose="02040503050406030204" pitchFamily="18" charset="0"/>
+                          </a:rPr>
+                          <m:t>𝑇</m:t>
+                        </m:r>
+                      </m:sub>
+                    </m:sSub>
+                  </m:oMath>
+                </a14:m>
+                <a:r>
+                  <a:t> is the terminal reward. </a:t>
+                </a:r>
+              </a:p>
+              <a:p>
+                <a:pPr defTabSz="552206">
+                  <a:lnSpc>
+                    <a:spcPct val="90000"/>
+                  </a:lnSpc>
+                  <a:spcBef>
+                    <a:spcPts val="500"/>
+                  </a:spcBef>
+                  <a:defRPr sz="1683">
+                    <a:latin typeface="+mn-lt"/>
+                    <a:ea typeface="+mn-ea"/>
+                    <a:cs typeface="+mn-cs"/>
+                    <a:sym typeface="Calibri"/>
+                  </a:defRPr>
+                </a:pPr>
+                <a:endParaRPr/>
+              </a:p>
+              <a:p>
+                <a:pPr defTabSz="552206">
+                  <a:lnSpc>
+                    <a:spcPct val="90000"/>
+                  </a:lnSpc>
+                  <a:spcBef>
+                    <a:spcPts val="500"/>
+                  </a:spcBef>
+                  <a:defRPr sz="1683">
+                    <a:latin typeface="+mn-lt"/>
+                    <a:ea typeface="+mn-ea"/>
+                    <a:cs typeface="+mn-cs"/>
+                    <a:sym typeface="Calibri"/>
+                  </a:defRPr>
+                </a:pPr>
+                <a:r>
+                  <a:t>We estimate </a:t>
+                </a:r>
+                <a14:m>
+                  <m:oMath xmlns:m="http://schemas.openxmlformats.org/officeDocument/2006/math">
+                    <m:r>
+                      <a:rPr sz="1900" i="1">
+                        <a:solidFill>
+                          <a:srgbClr val="000000"/>
+                        </a:solidFill>
+                        <a:latin typeface="Cambria Math" panose="02040503050406030204" pitchFamily="18" charset="0"/>
+                      </a:rPr>
+                      <m:t>𝑄</m:t>
+                    </m:r>
+                    <m:d>
+                      <m:dPr>
+                        <m:ctrlPr>
+                          <a:rPr sz="1900" i="1">
+                            <a:solidFill>
+                              <a:srgbClr val="000000"/>
+                            </a:solidFill>
+                            <a:latin typeface="Cambria Math" panose="02040503050406030204" pitchFamily="18" charset="0"/>
+                          </a:rPr>
+                        </m:ctrlPr>
+                      </m:dPr>
+                      <m:e>
+                        <m:sSub>
+                          <m:sSubPr>
+                            <m:ctrlPr>
+                              <a:rPr sz="1900" i="1">
+                                <a:solidFill>
+                                  <a:srgbClr val="000000"/>
+                                </a:solidFill>
+                                <a:latin typeface="Cambria Math" panose="02040503050406030204" pitchFamily="18" charset="0"/>
+                              </a:rPr>
+                            </m:ctrlPr>
+                          </m:sSubPr>
+                          <m:e>
+                            <m:r>
+                              <a:rPr sz="1900" i="1">
+                                <a:solidFill>
+                                  <a:srgbClr val="000000"/>
+                                </a:solidFill>
+                                <a:latin typeface="Cambria Math" panose="02040503050406030204" pitchFamily="18" charset="0"/>
+                              </a:rPr>
+                              <m:t>𝜎</m:t>
+                            </m:r>
+                          </m:e>
+                          <m:sub>
+                            <m:r>
+                              <a:rPr sz="1900" i="1">
+                                <a:solidFill>
+                                  <a:srgbClr val="000000"/>
+                                </a:solidFill>
+                                <a:latin typeface="Cambria Math" panose="02040503050406030204" pitchFamily="18" charset="0"/>
+                              </a:rPr>
+                              <m:t>𝑡</m:t>
+                            </m:r>
+                          </m:sub>
+                        </m:sSub>
+                        <m:r>
+                          <a:rPr sz="1900" i="1">
+                            <a:solidFill>
+                              <a:srgbClr val="000000"/>
+                            </a:solidFill>
+                            <a:latin typeface="Cambria Math" panose="02040503050406030204" pitchFamily="18" charset="0"/>
+                          </a:rPr>
+                          <m:t>,</m:t>
+                        </m:r>
+                        <m:r>
+                          <a:rPr sz="1900" i="1">
+                            <a:solidFill>
+                              <a:srgbClr val="000000"/>
+                            </a:solidFill>
+                            <a:latin typeface="Cambria Math" panose="02040503050406030204" pitchFamily="18" charset="0"/>
+                          </a:rPr>
+                          <m:t>𝑎</m:t>
+                        </m:r>
+                      </m:e>
+                    </m:d>
+                  </m:oMath>
+                </a14:m>
+                <a:r>
+                  <a:t> by a neural network.</a:t>
+                </a:r>
+              </a:p>
+              <a:p>
+                <a:pPr defTabSz="552206">
+                  <a:lnSpc>
+                    <a:spcPct val="90000"/>
+                  </a:lnSpc>
+                  <a:spcBef>
+                    <a:spcPts val="500"/>
+                  </a:spcBef>
+                  <a:defRPr sz="1683">
+                    <a:latin typeface="+mn-lt"/>
+                    <a:ea typeface="+mn-ea"/>
+                    <a:cs typeface="+mn-cs"/>
+                    <a:sym typeface="Calibri"/>
+                  </a:defRPr>
+                </a:pPr>
+                <a:endParaRPr/>
+              </a:p>
+              <a:p>
+                <a:pPr defTabSz="552206">
+                  <a:lnSpc>
+                    <a:spcPct val="90000"/>
+                  </a:lnSpc>
+                  <a:spcBef>
+                    <a:spcPts val="500"/>
+                  </a:spcBef>
+                  <a:defRPr sz="1683">
+                    <a:latin typeface="+mn-lt"/>
+                    <a:ea typeface="+mn-ea"/>
+                    <a:cs typeface="+mn-cs"/>
+                    <a:sym typeface="Calibri"/>
+                  </a:defRPr>
+                </a:pPr>
+                <a:r>
+                  <a:t>Didn’t use</a:t>
+                </a:r>
+              </a:p>
+              <a:p>
+                <a:pPr defTabSz="552206">
+                  <a:lnSpc>
+                    <a:spcPct val="90000"/>
+                  </a:lnSpc>
+                  <a:spcBef>
+                    <a:spcPts val="500"/>
+                  </a:spcBef>
+                  <a:defRPr sz="1782">
+                    <a:latin typeface="Cambria Math"/>
+                    <a:ea typeface="Cambria Math"/>
+                    <a:cs typeface="Cambria Math"/>
+                    <a:sym typeface="Cambria Math"/>
+                  </a:defRPr>
+                </a:pPr>
+                <a14:m>
+                  <m:oMathPara xmlns:m="http://schemas.openxmlformats.org/officeDocument/2006/math">
+                    <m:oMathParaPr>
+                      <m:jc m:val="left"/>
+                    </m:oMathParaPr>
+                    <m:oMath xmlns:m="http://schemas.openxmlformats.org/officeDocument/2006/math">
+                      <m:r>
+                        <a:rPr sz="1800" i="1">
+                          <a:solidFill>
+                            <a:srgbClr val="000000"/>
+                          </a:solidFill>
+                          <a:latin typeface="Cambria Math" panose="02040503050406030204" pitchFamily="18" charset="0"/>
+                        </a:rPr>
+                        <m:t>𝑇𝑎𝑟𝑔𝑒𝑡</m:t>
+                      </m:r>
+                      <m:r>
+                        <a:rPr sz="1800" i="1">
+                          <a:solidFill>
+                            <a:srgbClr val="000000"/>
+                          </a:solidFill>
+                          <a:latin typeface="Cambria Math" panose="02040503050406030204" pitchFamily="18" charset="0"/>
+                        </a:rPr>
+                        <m:t>=</m:t>
+                      </m:r>
+                      <m:sSub>
+                        <m:sSubPr>
+                          <m:ctrlPr>
+                            <a:rPr sz="1800" i="1">
+                              <a:solidFill>
+                                <a:srgbClr val="000000"/>
+                              </a:solidFill>
+                              <a:latin typeface="Cambria Math" panose="02040503050406030204" pitchFamily="18" charset="0"/>
+                            </a:rPr>
+                          </m:ctrlPr>
+                        </m:sSubPr>
+                        <m:e>
+                          <m:r>
+                            <a:rPr sz="1800" i="1">
+                              <a:solidFill>
+                                <a:srgbClr val="000000"/>
+                              </a:solidFill>
+                              <a:latin typeface="Cambria Math" panose="02040503050406030204" pitchFamily="18" charset="0"/>
+                            </a:rPr>
+                            <m:t>𝑅</m:t>
+                          </m:r>
+                        </m:e>
+                        <m:sub>
+                          <m:r>
+                            <a:rPr sz="1800" i="1">
                               <a:solidFill>
                                 <a:srgbClr val="000000"/>
                               </a:solidFill>
@@ -5077,38 +5671,16 @@
                         </m:sub>
                       </m:sSub>
                       <m:r>
-                        <a:rPr xmlns:a="http://schemas.openxmlformats.org/drawingml/2006/main" sz="1850" i="1">
+                        <a:rPr sz="1800" i="1">
                           <a:solidFill>
                             <a:srgbClr val="000000"/>
                           </a:solidFill>
                           <a:latin typeface="Cambria Math" panose="02040503050406030204" pitchFamily="18" charset="0"/>
                         </a:rPr>
-                        <m:t>,</m:t>
+                        <m:t>+</m:t>
                       </m:r>
                       <m:r>
-                        <a:rPr xmlns:a="http://schemas.openxmlformats.org/drawingml/2006/main" sz="1850" i="1">
-                          <a:solidFill>
-                            <a:srgbClr val="000000"/>
-                          </a:solidFill>
-                          <a:latin typeface="Cambria Math" panose="02040503050406030204" pitchFamily="18" charset="0"/>
-                        </a:rPr>
-                        <m:t>𝑎</m:t>
-                      </m:r>
-                    </m:e>
-                  </m:d>
-                  <m:r>
-                    <a:rPr xmlns:a="http://schemas.openxmlformats.org/drawingml/2006/main" sz="1850" i="1">
-                      <a:solidFill>
-                        <a:srgbClr val="000000"/>
-                      </a:solidFill>
-                      <a:latin typeface="Cambria Math" panose="02040503050406030204" pitchFamily="18" charset="0"/>
-                    </a:rPr>
-                    <m:t>=</m:t>
-                  </m:r>
-                  <m:sSup>
-                    <m:e>
-                      <m:r>
-                        <a:rPr xmlns:a="http://schemas.openxmlformats.org/drawingml/2006/main" sz="1850" i="1">
+                        <a:rPr sz="1800" i="1">
                           <a:solidFill>
                             <a:srgbClr val="000000"/>
                           </a:solidFill>
@@ -5116,577 +5688,236 @@
                         </a:rPr>
                         <m:t>𝛾</m:t>
                       </m:r>
-                    </m:e>
-                    <m:sup>
-                      <m:r>
-                        <a:rPr xmlns:a="http://schemas.openxmlformats.org/drawingml/2006/main" sz="1850" i="1">
-                          <a:solidFill>
-                            <a:srgbClr val="000000"/>
-                          </a:solidFill>
-                          <a:latin typeface="Cambria Math" panose="02040503050406030204" pitchFamily="18" charset="0"/>
-                        </a:rPr>
-                        <m:t>𝑇</m:t>
-                      </m:r>
-                      <m:r>
-                        <a:rPr xmlns:a="http://schemas.openxmlformats.org/drawingml/2006/main" sz="1850" i="1">
-                          <a:solidFill>
-                            <a:srgbClr val="000000"/>
-                          </a:solidFill>
-                          <a:latin typeface="Cambria Math" panose="02040503050406030204" pitchFamily="18" charset="0"/>
-                        </a:rPr>
-                        <m:t>−</m:t>
-                      </m:r>
-                      <m:r>
-                        <a:rPr xmlns:a="http://schemas.openxmlformats.org/drawingml/2006/main" sz="1850" i="1">
-                          <a:solidFill>
-                            <a:srgbClr val="000000"/>
-                          </a:solidFill>
-                          <a:latin typeface="Cambria Math" panose="02040503050406030204" pitchFamily="18" charset="0"/>
-                        </a:rPr>
-                        <m:t>𝑡</m:t>
-                      </m:r>
-                    </m:sup>
-                  </m:sSup>
-                  <m:sSub>
-                    <m:e>
-                      <m:r>
-                        <a:rPr xmlns:a="http://schemas.openxmlformats.org/drawingml/2006/main" sz="1850" i="1">
-                          <a:solidFill>
-                            <a:srgbClr val="000000"/>
-                          </a:solidFill>
-                          <a:latin typeface="Cambria Math" panose="02040503050406030204" pitchFamily="18" charset="0"/>
-                        </a:rPr>
-                        <m:t>𝑅</m:t>
-                      </m:r>
-                    </m:e>
-                    <m:sub>
-                      <m:r>
-                        <a:rPr xmlns:a="http://schemas.openxmlformats.org/drawingml/2006/main" sz="1850" i="1">
-                          <a:solidFill>
-                            <a:srgbClr val="000000"/>
-                          </a:solidFill>
-                          <a:latin typeface="Cambria Math" panose="02040503050406030204" pitchFamily="18" charset="0"/>
-                        </a:rPr>
-                        <m:t>𝑇</m:t>
-                      </m:r>
-                    </m:sub>
-                  </m:sSub>
-                </m:oMath>
-              </m:oMathPara>
-            </a14:m>
-            <a:endParaRPr sz="1683"/>
-          </a:p>
-          <a:p>
-            <a:pPr defTabSz="552206">
-              <a:lnSpc>
-                <a:spcPct val="90000"/>
-              </a:lnSpc>
-              <a:spcBef>
-                <a:spcPts val="500"/>
-              </a:spcBef>
-              <a:defRPr sz="1683">
-                <a:latin typeface="+mn-lt"/>
-                <a:ea typeface="+mn-ea"/>
-                <a:cs typeface="+mn-cs"/>
-                <a:sym typeface="Calibri"/>
-              </a:defRPr>
-            </a:pPr>
-            <a:r>
-              <a:t>Where </a:t>
-            </a:r>
-            <a14:m>
-              <m:oMath>
-                <m:r>
-                  <a:rPr xmlns:a="http://schemas.openxmlformats.org/drawingml/2006/main" sz="1550" i="1">
-                    <a:solidFill>
-                      <a:srgbClr val="000000"/>
-                    </a:solidFill>
-                    <a:latin typeface="Cambria Math" panose="02040503050406030204" pitchFamily="18" charset="0"/>
-                  </a:rPr>
-                  <m:t>𝑇</m:t>
-                </m:r>
-              </m:oMath>
-            </a14:m>
-            <a:r>
-              <a:t> is the time at the end of the game, </a:t>
-            </a:r>
-            <a14:m>
-              <m:oMath>
-                <m:r>
-                  <a:rPr xmlns:a="http://schemas.openxmlformats.org/drawingml/2006/main" sz="1800" i="1">
-                    <a:solidFill>
-                      <a:srgbClr val="000000"/>
-                    </a:solidFill>
-                    <a:latin typeface="Cambria Math" panose="02040503050406030204" pitchFamily="18" charset="0"/>
-                  </a:rPr>
-                  <m:t>𝛾</m:t>
-                </m:r>
-              </m:oMath>
-            </a14:m>
-            <a:r>
-              <a:t> is a discount factor, and </a:t>
-            </a:r>
-            <a14:m>
-              <m:oMath>
-                <m:sSub>
-                  <m:e>
-                    <m:r>
-                      <a:rPr xmlns:a="http://schemas.openxmlformats.org/drawingml/2006/main" sz="1700" i="1">
-                        <a:solidFill>
-                          <a:srgbClr val="000000"/>
-                        </a:solidFill>
-                        <a:latin typeface="Cambria Math" panose="02040503050406030204" pitchFamily="18" charset="0"/>
-                      </a:rPr>
-                      <m:t>𝑅</m:t>
-                    </m:r>
-                  </m:e>
-                  <m:sub>
-                    <m:r>
-                      <a:rPr xmlns:a="http://schemas.openxmlformats.org/drawingml/2006/main" sz="1700" i="1">
-                        <a:solidFill>
-                          <a:srgbClr val="000000"/>
-                        </a:solidFill>
-                        <a:latin typeface="Cambria Math" panose="02040503050406030204" pitchFamily="18" charset="0"/>
-                      </a:rPr>
-                      <m:t>𝑇</m:t>
-                    </m:r>
-                  </m:sub>
-                </m:sSub>
-              </m:oMath>
-            </a14:m>
-            <a:r>
-              <a:t> is the terminal reward. </a:t>
-            </a:r>
-          </a:p>
-          <a:p>
-            <a:pPr defTabSz="552206">
-              <a:lnSpc>
-                <a:spcPct val="90000"/>
-              </a:lnSpc>
-              <a:spcBef>
-                <a:spcPts val="500"/>
-              </a:spcBef>
-              <a:defRPr sz="1683">
-                <a:latin typeface="+mn-lt"/>
-                <a:ea typeface="+mn-ea"/>
-                <a:cs typeface="+mn-cs"/>
-                <a:sym typeface="Calibri"/>
-              </a:defRPr>
-            </a:pPr>
-          </a:p>
-          <a:p>
-            <a:pPr defTabSz="552206">
-              <a:lnSpc>
-                <a:spcPct val="90000"/>
-              </a:lnSpc>
-              <a:spcBef>
-                <a:spcPts val="500"/>
-              </a:spcBef>
-              <a:defRPr sz="1683">
-                <a:latin typeface="+mn-lt"/>
-                <a:ea typeface="+mn-ea"/>
-                <a:cs typeface="+mn-cs"/>
-                <a:sym typeface="Calibri"/>
-              </a:defRPr>
-            </a:pPr>
-            <a:r>
-              <a:t>We estimate </a:t>
-            </a:r>
-            <a14:m>
-              <m:oMath>
-                <m:r>
-                  <a:rPr xmlns:a="http://schemas.openxmlformats.org/drawingml/2006/main" sz="1900" i="1">
-                    <a:solidFill>
-                      <a:srgbClr val="000000"/>
-                    </a:solidFill>
-                    <a:latin typeface="Cambria Math" panose="02040503050406030204" pitchFamily="18" charset="0"/>
-                  </a:rPr>
-                  <m:t>𝑄</m:t>
-                </m:r>
-                <m:d>
-                  <m:dPr>
-                    <m:ctrlPr>
-                      <a:rPr xmlns:a="http://schemas.openxmlformats.org/drawingml/2006/main" sz="1900" i="1">
-                        <a:solidFill>
-                          <a:srgbClr val="000000"/>
-                        </a:solidFill>
-                        <a:latin typeface="Cambria Math" panose="02040503050406030204" pitchFamily="18" charset="0"/>
-                      </a:rPr>
-                    </m:ctrlPr>
-                  </m:dPr>
-                  <m:e>
-                    <m:sSub>
-                      <m:e>
-                        <m:r>
-                          <a:rPr xmlns:a="http://schemas.openxmlformats.org/drawingml/2006/main" sz="1900" i="1">
-                            <a:solidFill>
-                              <a:srgbClr val="000000"/>
-                            </a:solidFill>
-                            <a:latin typeface="Cambria Math" panose="02040503050406030204" pitchFamily="18" charset="0"/>
-                          </a:rPr>
-                          <m:t>𝜎</m:t>
-                        </m:r>
-                      </m:e>
-                      <m:sub>
-                        <m:r>
-                          <a:rPr xmlns:a="http://schemas.openxmlformats.org/drawingml/2006/main" sz="1900" i="1">
-                            <a:solidFill>
-                              <a:srgbClr val="000000"/>
-                            </a:solidFill>
-                            <a:latin typeface="Cambria Math" panose="02040503050406030204" pitchFamily="18" charset="0"/>
-                          </a:rPr>
-                          <m:t>𝑡</m:t>
-                        </m:r>
-                      </m:sub>
-                    </m:sSub>
-                    <m:r>
-                      <a:rPr xmlns:a="http://schemas.openxmlformats.org/drawingml/2006/main" sz="1900" i="1">
-                        <a:solidFill>
-                          <a:srgbClr val="000000"/>
-                        </a:solidFill>
-                        <a:latin typeface="Cambria Math" panose="02040503050406030204" pitchFamily="18" charset="0"/>
-                      </a:rPr>
-                      <m:t>,</m:t>
-                    </m:r>
-                    <m:r>
-                      <a:rPr xmlns:a="http://schemas.openxmlformats.org/drawingml/2006/main" sz="1900" i="1">
-                        <a:solidFill>
-                          <a:srgbClr val="000000"/>
-                        </a:solidFill>
-                        <a:latin typeface="Cambria Math" panose="02040503050406030204" pitchFamily="18" charset="0"/>
-                      </a:rPr>
-                      <m:t>𝑎</m:t>
-                    </m:r>
-                  </m:e>
-                </m:d>
-              </m:oMath>
-            </a14:m>
-            <a:r>
-              <a:t> by a neural network.</a:t>
-            </a:r>
-          </a:p>
-          <a:p>
-            <a:pPr defTabSz="552206">
-              <a:lnSpc>
-                <a:spcPct val="90000"/>
-              </a:lnSpc>
-              <a:spcBef>
-                <a:spcPts val="500"/>
-              </a:spcBef>
-              <a:defRPr sz="1683">
-                <a:latin typeface="+mn-lt"/>
-                <a:ea typeface="+mn-ea"/>
-                <a:cs typeface="+mn-cs"/>
-                <a:sym typeface="Calibri"/>
-              </a:defRPr>
-            </a:pPr>
-          </a:p>
-          <a:p>
-            <a:pPr defTabSz="552206">
-              <a:lnSpc>
-                <a:spcPct val="90000"/>
-              </a:lnSpc>
-              <a:spcBef>
-                <a:spcPts val="500"/>
-              </a:spcBef>
-              <a:defRPr sz="1683">
-                <a:latin typeface="+mn-lt"/>
-                <a:ea typeface="+mn-ea"/>
-                <a:cs typeface="+mn-cs"/>
-                <a:sym typeface="Calibri"/>
-              </a:defRPr>
-            </a:pPr>
-            <a:r>
-              <a:t>Didn’t use</a:t>
-            </a:r>
-          </a:p>
-          <a:p>
-            <a:pPr defTabSz="552206">
-              <a:lnSpc>
-                <a:spcPct val="90000"/>
-              </a:lnSpc>
-              <a:spcBef>
-                <a:spcPts val="500"/>
-              </a:spcBef>
-              <a:defRPr sz="1782">
-                <a:latin typeface="Cambria Math"/>
-                <a:ea typeface="Cambria Math"/>
-                <a:cs typeface="Cambria Math"/>
-                <a:sym typeface="Cambria Math"/>
-              </a:defRPr>
-            </a:pPr>
-            <a14:m>
-              <m:oMathPara>
-                <m:oMathParaPr>
-                  <m:jc m:val="left"/>
-                </m:oMathParaPr>
-                <m:oMath>
-                  <m:r>
-                    <a:rPr xmlns:a="http://schemas.openxmlformats.org/drawingml/2006/main" sz="1800" i="1">
-                      <a:solidFill>
-                        <a:srgbClr val="000000"/>
-                      </a:solidFill>
-                      <a:latin typeface="Cambria Math" panose="02040503050406030204" pitchFamily="18" charset="0"/>
-                    </a:rPr>
-                    <m:t>𝑇</m:t>
-                  </m:r>
-                  <m:r>
-                    <a:rPr xmlns:a="http://schemas.openxmlformats.org/drawingml/2006/main" sz="1800" i="1">
-                      <a:solidFill>
-                        <a:srgbClr val="000000"/>
-                      </a:solidFill>
-                      <a:latin typeface="Cambria Math" panose="02040503050406030204" pitchFamily="18" charset="0"/>
-                    </a:rPr>
-                    <m:t>𝑎</m:t>
-                  </m:r>
-                  <m:r>
-                    <a:rPr xmlns:a="http://schemas.openxmlformats.org/drawingml/2006/main" sz="1800" i="1">
-                      <a:solidFill>
-                        <a:srgbClr val="000000"/>
-                      </a:solidFill>
-                      <a:latin typeface="Cambria Math" panose="02040503050406030204" pitchFamily="18" charset="0"/>
-                    </a:rPr>
-                    <m:t>𝑟</m:t>
-                  </m:r>
-                  <m:r>
-                    <a:rPr xmlns:a="http://schemas.openxmlformats.org/drawingml/2006/main" sz="1800" i="1">
-                      <a:solidFill>
-                        <a:srgbClr val="000000"/>
-                      </a:solidFill>
-                      <a:latin typeface="Cambria Math" panose="02040503050406030204" pitchFamily="18" charset="0"/>
-                    </a:rPr>
-                    <m:t>𝑔</m:t>
-                  </m:r>
-                  <m:r>
-                    <a:rPr xmlns:a="http://schemas.openxmlformats.org/drawingml/2006/main" sz="1800" i="1">
-                      <a:solidFill>
-                        <a:srgbClr val="000000"/>
-                      </a:solidFill>
-                      <a:latin typeface="Cambria Math" panose="02040503050406030204" pitchFamily="18" charset="0"/>
-                    </a:rPr>
-                    <m:t>𝑒</m:t>
-                  </m:r>
-                  <m:r>
-                    <a:rPr xmlns:a="http://schemas.openxmlformats.org/drawingml/2006/main" sz="1800" i="1">
-                      <a:solidFill>
-                        <a:srgbClr val="000000"/>
-                      </a:solidFill>
-                      <a:latin typeface="Cambria Math" panose="02040503050406030204" pitchFamily="18" charset="0"/>
-                    </a:rPr>
-                    <m:t>𝑡</m:t>
-                  </m:r>
-                  <m:r>
-                    <a:rPr xmlns:a="http://schemas.openxmlformats.org/drawingml/2006/main" sz="1800" i="1">
-                      <a:solidFill>
-                        <a:srgbClr val="000000"/>
-                      </a:solidFill>
-                      <a:latin typeface="Cambria Math" panose="02040503050406030204" pitchFamily="18" charset="0"/>
-                    </a:rPr>
-                    <m:t>=</m:t>
-                  </m:r>
-                  <m:sSub>
-                    <m:e>
-                      <m:r>
-                        <a:rPr xmlns:a="http://schemas.openxmlformats.org/drawingml/2006/main" sz="1800" i="1">
-                          <a:solidFill>
-                            <a:srgbClr val="000000"/>
-                          </a:solidFill>
-                          <a:latin typeface="Cambria Math" panose="02040503050406030204" pitchFamily="18" charset="0"/>
-                        </a:rPr>
-                        <m:t>𝑅</m:t>
-                      </m:r>
-                    </m:e>
-                    <m:sub>
-                      <m:r>
-                        <a:rPr xmlns:a="http://schemas.openxmlformats.org/drawingml/2006/main" sz="1800" i="1">
-                          <a:solidFill>
-                            <a:srgbClr val="000000"/>
-                          </a:solidFill>
-                          <a:latin typeface="Cambria Math" panose="02040503050406030204" pitchFamily="18" charset="0"/>
-                        </a:rPr>
-                        <m:t>𝑡</m:t>
-                      </m:r>
-                    </m:sub>
-                  </m:sSub>
-                  <m:r>
-                    <a:rPr xmlns:a="http://schemas.openxmlformats.org/drawingml/2006/main" sz="1800" i="1">
-                      <a:solidFill>
-                        <a:srgbClr val="000000"/>
-                      </a:solidFill>
-                      <a:latin typeface="Cambria Math" panose="02040503050406030204" pitchFamily="18" charset="0"/>
-                    </a:rPr>
-                    <m:t>+</m:t>
-                  </m:r>
-                  <m:r>
-                    <a:rPr xmlns:a="http://schemas.openxmlformats.org/drawingml/2006/main" sz="1800" i="1">
-                      <a:solidFill>
-                        <a:srgbClr val="000000"/>
-                      </a:solidFill>
-                      <a:latin typeface="Cambria Math" panose="02040503050406030204" pitchFamily="18" charset="0"/>
-                    </a:rPr>
-                    <m:t>𝛾</m:t>
-                  </m:r>
-                  <m:func>
-                    <m:funcPr>
-                      <m:ctrlPr>
-                        <a:rPr xmlns:a="http://schemas.openxmlformats.org/drawingml/2006/main" sz="1800" i="1">
-                          <a:solidFill>
-                            <a:srgbClr val="000000"/>
-                          </a:solidFill>
-                          <a:latin typeface="Cambria Math" panose="02040503050406030204" pitchFamily="18" charset="0"/>
-                        </a:rPr>
-                      </m:ctrlPr>
-                    </m:funcPr>
-                    <m:fName>
-                      <m:limLow>
-                        <m:e>
-                          <m:r>
-                            <m:rPr>
-                              <m:sty m:val="p"/>
-                            </m:rPr>
-                            <a:rPr xmlns:a="http://schemas.openxmlformats.org/drawingml/2006/main" sz="1800" i="1">
+                      <m:func>
+                        <m:funcPr>
+                          <m:ctrlPr>
+                            <a:rPr sz="1800" i="1">
                               <a:solidFill>
                                 <a:srgbClr val="000000"/>
                               </a:solidFill>
                               <a:latin typeface="Cambria Math" panose="02040503050406030204" pitchFamily="18" charset="0"/>
                             </a:rPr>
-                            <m:t>max</m:t>
-                          </m:r>
-                        </m:e>
-                        <m:lim>
+                          </m:ctrlPr>
+                        </m:funcPr>
+                        <m:fName>
+                          <m:limLow>
+                            <m:limLowPr>
+                              <m:ctrlPr>
+                                <a:rPr sz="1800" i="1">
+                                  <a:solidFill>
+                                    <a:srgbClr val="000000"/>
+                                  </a:solidFill>
+                                  <a:latin typeface="Cambria Math" panose="02040503050406030204" pitchFamily="18" charset="0"/>
+                                </a:rPr>
+                              </m:ctrlPr>
+                            </m:limLowPr>
+                            <m:e>
+                              <m:r>
+                                <m:rPr>
+                                  <m:sty m:val="p"/>
+                                </m:rPr>
+                                <a:rPr sz="1800" i="1">
+                                  <a:solidFill>
+                                    <a:srgbClr val="000000"/>
+                                  </a:solidFill>
+                                  <a:latin typeface="Cambria Math" panose="02040503050406030204" pitchFamily="18" charset="0"/>
+                                </a:rPr>
+                                <m:t>max</m:t>
+                              </m:r>
+                            </m:e>
+                            <m:lim>
+                              <m:r>
+                                <a:rPr sz="1800" i="1">
+                                  <a:solidFill>
+                                    <a:srgbClr val="000000"/>
+                                  </a:solidFill>
+                                  <a:latin typeface="Cambria Math" panose="02040503050406030204" pitchFamily="18" charset="0"/>
+                                </a:rPr>
+                                <m:t>𝑎</m:t>
+                              </m:r>
+                              <m:r>
+                                <a:rPr sz="1800" i="1">
+                                  <a:solidFill>
+                                    <a:srgbClr val="000000"/>
+                                  </a:solidFill>
+                                  <a:latin typeface="Cambria Math" panose="02040503050406030204" pitchFamily="18" charset="0"/>
+                                </a:rPr>
+                                <m:t>′</m:t>
+                              </m:r>
+                            </m:lim>
+                          </m:limLow>
+                        </m:fName>
+                        <m:e>
                           <m:r>
-                            <a:rPr xmlns:a="http://schemas.openxmlformats.org/drawingml/2006/main" sz="1800" i="1">
+                            <a:rPr sz="1800" i="1">
                               <a:solidFill>
                                 <a:srgbClr val="000000"/>
                               </a:solidFill>
                               <a:latin typeface="Cambria Math" panose="02040503050406030204" pitchFamily="18" charset="0"/>
                             </a:rPr>
-                            <m:t>𝑎</m:t>
+                            <m:t>𝑄</m:t>
                           </m:r>
                           <m:r>
-                            <a:rPr xmlns:a="http://schemas.openxmlformats.org/drawingml/2006/main" sz="1800" i="1">
+                            <a:rPr sz="1800" i="1">
                               <a:solidFill>
                                 <a:srgbClr val="000000"/>
                               </a:solidFill>
                               <a:latin typeface="Cambria Math" panose="02040503050406030204" pitchFamily="18" charset="0"/>
                             </a:rPr>
-                            <m:t>′</m:t>
+                            <m:t>(</m:t>
                           </m:r>
-                        </m:lim>
-                      </m:limLow>
-                    </m:fName>
-                    <m:e>
-                      <m:r>
-                        <a:rPr xmlns:a="http://schemas.openxmlformats.org/drawingml/2006/main" sz="1800" i="1">
-                          <a:solidFill>
-                            <a:srgbClr val="000000"/>
-                          </a:solidFill>
-                          <a:latin typeface="Cambria Math" panose="02040503050406030204" pitchFamily="18" charset="0"/>
-                        </a:rPr>
-                        <m:t>𝑄</m:t>
-                      </m:r>
-                      <m:r>
-                        <a:rPr xmlns:a="http://schemas.openxmlformats.org/drawingml/2006/main" sz="1800" i="1">
-                          <a:solidFill>
-                            <a:srgbClr val="000000"/>
-                          </a:solidFill>
-                          <a:latin typeface="Cambria Math" panose="02040503050406030204" pitchFamily="18" charset="0"/>
-                        </a:rPr>
-                        <m:t>(</m:t>
-                      </m:r>
-                      <m:sSub>
-                        <m:e>
+                          <m:sSub>
+                            <m:sSubPr>
+                              <m:ctrlPr>
+                                <a:rPr sz="1800" i="1">
+                                  <a:solidFill>
+                                    <a:srgbClr val="000000"/>
+                                  </a:solidFill>
+                                  <a:latin typeface="Cambria Math" panose="02040503050406030204" pitchFamily="18" charset="0"/>
+                                </a:rPr>
+                              </m:ctrlPr>
+                            </m:sSubPr>
+                            <m:e>
+                              <m:r>
+                                <a:rPr sz="1800" i="1">
+                                  <a:solidFill>
+                                    <a:srgbClr val="000000"/>
+                                  </a:solidFill>
+                                  <a:latin typeface="Cambria Math" panose="02040503050406030204" pitchFamily="18" charset="0"/>
+                                </a:rPr>
+                                <m:t>𝜎</m:t>
+                              </m:r>
+                            </m:e>
+                            <m:sub>
+                              <m:r>
+                                <a:rPr sz="1800" i="1">
+                                  <a:solidFill>
+                                    <a:srgbClr val="000000"/>
+                                  </a:solidFill>
+                                  <a:latin typeface="Cambria Math" panose="02040503050406030204" pitchFamily="18" charset="0"/>
+                                </a:rPr>
+                                <m:t>𝑡</m:t>
+                              </m:r>
+                              <m:r>
+                                <a:rPr sz="1800" i="1">
+                                  <a:solidFill>
+                                    <a:srgbClr val="000000"/>
+                                  </a:solidFill>
+                                  <a:latin typeface="Cambria Math" panose="02040503050406030204" pitchFamily="18" charset="0"/>
+                                </a:rPr>
+                                <m:t>+1</m:t>
+                              </m:r>
+                            </m:sub>
+                          </m:sSub>
                           <m:r>
-                            <a:rPr xmlns:a="http://schemas.openxmlformats.org/drawingml/2006/main" sz="1800" i="1">
+                            <a:rPr sz="1800" i="1">
                               <a:solidFill>
                                 <a:srgbClr val="000000"/>
                               </a:solidFill>
                               <a:latin typeface="Cambria Math" panose="02040503050406030204" pitchFamily="18" charset="0"/>
                             </a:rPr>
-                            <m:t>𝜎</m:t>
+                            <m:t>,</m:t>
                           </m:r>
-                        </m:e>
-                        <m:sub>
+                          <m:sSup>
+                            <m:sSupPr>
+                              <m:ctrlPr>
+                                <a:rPr sz="1800" i="1">
+                                  <a:solidFill>
+                                    <a:srgbClr val="000000"/>
+                                  </a:solidFill>
+                                  <a:latin typeface="Cambria Math" panose="02040503050406030204" pitchFamily="18" charset="0"/>
+                                </a:rPr>
+                              </m:ctrlPr>
+                            </m:sSupPr>
+                            <m:e>
+                              <m:r>
+                                <a:rPr sz="1800" i="1">
+                                  <a:solidFill>
+                                    <a:srgbClr val="000000"/>
+                                  </a:solidFill>
+                                  <a:latin typeface="Cambria Math" panose="02040503050406030204" pitchFamily="18" charset="0"/>
+                                </a:rPr>
+                                <m:t>𝑎</m:t>
+                              </m:r>
+                            </m:e>
+                            <m:sup>
+                              <m:r>
+                                <a:rPr sz="1800" i="1">
+                                  <a:solidFill>
+                                    <a:srgbClr val="000000"/>
+                                  </a:solidFill>
+                                  <a:latin typeface="Cambria Math" panose="02040503050406030204" pitchFamily="18" charset="0"/>
+                                </a:rPr>
+                                <m:t>′</m:t>
+                              </m:r>
+                            </m:sup>
+                          </m:sSup>
                           <m:r>
-                            <a:rPr xmlns:a="http://schemas.openxmlformats.org/drawingml/2006/main" sz="1800" i="1">
+                            <a:rPr sz="1800" i="1">
                               <a:solidFill>
                                 <a:srgbClr val="000000"/>
                               </a:solidFill>
                               <a:latin typeface="Cambria Math" panose="02040503050406030204" pitchFamily="18" charset="0"/>
                             </a:rPr>
-                            <m:t>𝑡</m:t>
-                          </m:r>
-                          <m:r>
-                            <a:rPr xmlns:a="http://schemas.openxmlformats.org/drawingml/2006/main" sz="1800" i="1">
-                              <a:solidFill>
-                                <a:srgbClr val="000000"/>
-                              </a:solidFill>
-                              <a:latin typeface="Cambria Math" panose="02040503050406030204" pitchFamily="18" charset="0"/>
-                            </a:rPr>
-                            <m:t>+</m:t>
-                          </m:r>
-                          <m:r>
-                            <a:rPr xmlns:a="http://schemas.openxmlformats.org/drawingml/2006/main" sz="1800" i="1">
-                              <a:solidFill>
-                                <a:srgbClr val="000000"/>
-                              </a:solidFill>
-                              <a:latin typeface="Cambria Math" panose="02040503050406030204" pitchFamily="18" charset="0"/>
-                            </a:rPr>
-                            <m:t>1</m:t>
-                          </m:r>
-                        </m:sub>
-                      </m:sSub>
-                      <m:r>
-                        <a:rPr xmlns:a="http://schemas.openxmlformats.org/drawingml/2006/main" sz="1800" i="1">
-                          <a:solidFill>
-                            <a:srgbClr val="000000"/>
-                          </a:solidFill>
-                          <a:latin typeface="Cambria Math" panose="02040503050406030204" pitchFamily="18" charset="0"/>
-                        </a:rPr>
-                        <m:t>,</m:t>
-                      </m:r>
-                      <m:sSup>
-                        <m:e>
-                          <m:r>
-                            <a:rPr xmlns:a="http://schemas.openxmlformats.org/drawingml/2006/main" sz="1800" i="1">
-                              <a:solidFill>
-                                <a:srgbClr val="000000"/>
-                              </a:solidFill>
-                              <a:latin typeface="Cambria Math" panose="02040503050406030204" pitchFamily="18" charset="0"/>
-                            </a:rPr>
-                            <m:t>𝑎</m:t>
+                            <m:t>)</m:t>
                           </m:r>
                         </m:e>
-                        <m:sup>
-                          <m:r>
-                            <a:rPr xmlns:a="http://schemas.openxmlformats.org/drawingml/2006/main" sz="1800" i="1">
-                              <a:solidFill>
-                                <a:srgbClr val="000000"/>
-                              </a:solidFill>
-                              <a:latin typeface="Cambria Math" panose="02040503050406030204" pitchFamily="18" charset="0"/>
-                            </a:rPr>
-                            <m:t>′</m:t>
-                          </m:r>
-                        </m:sup>
-                      </m:sSup>
-                      <m:r>
-                        <a:rPr xmlns:a="http://schemas.openxmlformats.org/drawingml/2006/main" sz="1800" i="1">
-                          <a:solidFill>
-                            <a:srgbClr val="000000"/>
-                          </a:solidFill>
-                          <a:latin typeface="Cambria Math" panose="02040503050406030204" pitchFamily="18" charset="0"/>
-                        </a:rPr>
-                        <m:t>)</m:t>
-                      </m:r>
-                    </m:e>
-                  </m:func>
-                </m:oMath>
-              </m:oMathPara>
-            </a14:m>
-            <a:endParaRPr sz="1700"/>
-          </a:p>
-        </p:txBody>
-      </p:sp>
+                      </m:func>
+                    </m:oMath>
+                  </m:oMathPara>
+                </a14:m>
+                <a:endParaRPr sz="1700"/>
+              </a:p>
+            </p:txBody>
+          </p:sp>
+        </mc:Choice>
+        <mc:Fallback>
+          <p:sp>
+            <p:nvSpPr>
+              <p:cNvPr id="139" name="Content Placeholder 3"/>
+              <p:cNvSpPr txBox="1">
+                <a:spLocks noRot="1" noChangeAspect="1" noMove="1" noResize="1" noEditPoints="1" noAdjustHandles="1" noChangeArrowheads="1" noChangeShapeType="1" noTextEdit="1"/>
+              </p:cNvSpPr>
+              <p:nvPr/>
+            </p:nvSpPr>
+            <p:spPr>
+              <a:xfrm>
+                <a:off x="564544" y="1629404"/>
+                <a:ext cx="7924153" cy="2810634"/>
+              </a:xfrm>
+              <a:prstGeom prst="rect">
+                <a:avLst/>
+              </a:prstGeom>
+              <a:blipFill>
+                <a:blip r:embed="rId2"/>
+                <a:stretch>
+                  <a:fillRect l="-1077"/>
+                </a:stretch>
+              </a:blipFill>
+              <a:ln w="12700">
+                <a:miter lim="400000"/>
+              </a:ln>
+              <a:extLst>
+                <a:ext uri="{C572A759-6A51-4108-AA02-DFA0A04FC94B}">
+                  <ma14:wrappingTextBoxFlag xmlns:ma14="http://schemas.microsoft.com/office/mac/drawingml/2011/main" xmlns:a14="http://schemas.microsoft.com/office/drawing/2010/main" xmlns:m="http://schemas.openxmlformats.org/officeDocument/2006/math" xmlns="" val="1"/>
+                </a:ext>
+              </a:extLst>
+            </p:spPr>
+            <p:txBody>
+              <a:bodyPr/>
+              <a:lstStyle/>
+              <a:p>
+                <a:r>
+                  <a:rPr lang="en-US">
+                    <a:noFill/>
+                  </a:rPr>
+                  <a:t> </a:t>
+                </a:r>
+              </a:p>
+            </p:txBody>
+          </p:sp>
+        </mc:Fallback>
+      </mc:AlternateContent>
       <p:pic>
         <p:nvPicPr>
           <p:cNvPr id="140" name="Screenshot 2023-12-10 at 8.12.35 PM.png" descr="Screenshot 2023-12-10 at 8.12.35 PM.png"/>
@@ -5696,9 +5927,7 @@
           <p:nvPr/>
         </p:nvPicPr>
         <p:blipFill>
-          <a:blip r:embed="rId2">
-            <a:extLst/>
-          </a:blip>
+          <a:blip r:embed="rId3"/>
           <a:stretch>
             <a:fillRect/>
           </a:stretch>
@@ -5721,12 +5950,12 @@
   <p:clrMapOvr>
     <a:masterClrMapping/>
   </p:clrMapOvr>
-  <p:transition xmlns:p14="http://schemas.microsoft.com/office/powerpoint/2010/main" spd="med" advClick="1"/>
+  <p:transition spd="med"/>
 </p:sld>
 </file>
 
 <file path=ppt/slides/slide5.xml><?xml version="1.0" encoding="utf-8"?>
-<p:sld xmlns:a="http://schemas.openxmlformats.org/drawingml/2006/main" xmlns:r="http://schemas.openxmlformats.org/officeDocument/2006/relationships" xmlns:p="http://schemas.openxmlformats.org/presentationml/2006/main" xmlns:m="http://schemas.openxmlformats.org/officeDocument/2006/math" xmlns:a14="http://schemas.microsoft.com/office/drawing/2010/main" showMasterSp="1" showMasterPhAnim="1">
+<p:sld xmlns:a="http://schemas.openxmlformats.org/drawingml/2006/main" xmlns:r="http://schemas.openxmlformats.org/officeDocument/2006/relationships" xmlns:p="http://schemas.openxmlformats.org/presentationml/2006/main">
   <p:cSld>
     <p:spTree>
       <p:nvGrpSpPr>
@@ -5745,7 +5974,9 @@
       <p:sp>
         <p:nvSpPr>
           <p:cNvPr id="142" name="Title 1"/>
-          <p:cNvSpPr txBox="1"/>
+          <p:cNvSpPr txBox="1">
+            <a:spLocks noGrp="1"/>
+          </p:cNvSpPr>
           <p:nvPr>
             <p:ph type="title"/>
           </p:nvPr>
@@ -5763,352 +5994,374 @@
           <a:bodyPr/>
           <a:lstStyle/>
           <a:p>
-            <a:pPr/>
             <a:r>
               <a:t>Models</a:t>
             </a:r>
           </a:p>
         </p:txBody>
       </p:sp>
-      <p:sp>
-        <p:nvSpPr>
-          <p:cNvPr id="143" name="Content Placeholder 3"/>
-          <p:cNvSpPr txBox="1"/>
-          <p:nvPr/>
-        </p:nvSpPr>
-        <p:spPr>
-          <a:xfrm>
-            <a:off x="564544" y="1629404"/>
-            <a:ext cx="7924153" cy="2810634"/>
-          </a:xfrm>
-          <a:prstGeom prst="rect">
-            <a:avLst/>
-          </a:prstGeom>
-          <a:ln w="12700">
-            <a:miter lim="400000"/>
-          </a:ln>
-          <a:extLst>
-            <a:ext uri="{C572A759-6A51-4108-AA02-DFA0A04FC94B}">
-              <ma14:wrappingTextBoxFlag xmlns:ma14="http://schemas.microsoft.com/office/mac/drawingml/2011/main" val="1"/>
-            </a:ext>
-          </a:extLst>
-        </p:spPr>
-        <p:txBody>
-          <a:bodyPr lIns="45718" tIns="45718" rIns="45718" bIns="45718">
-            <a:normAutofit fontScale="100000" lnSpcReduction="0"/>
-          </a:bodyPr>
-          <a:lstStyle/>
-          <a:p>
-            <a:pPr marL="157734" indent="-157734" defTabSz="630936">
-              <a:lnSpc>
-                <a:spcPct val="90000"/>
-              </a:lnSpc>
-              <a:spcBef>
-                <a:spcPts val="600"/>
-              </a:spcBef>
-              <a:buSzPct val="100000"/>
-              <a:buFont typeface="Arial"/>
-              <a:buChar char="•"/>
-              <a:defRPr sz="1900">
-                <a:latin typeface="+mn-lt"/>
-                <a:ea typeface="+mn-ea"/>
-                <a:cs typeface="+mn-cs"/>
-                <a:sym typeface="Calibri"/>
-              </a:defRPr>
-            </a:pPr>
-            <a:r>
-              <a:t>CNN – Input is [3x10x10]. The layers of input were:</a:t>
-            </a:r>
-          </a:p>
-          <a:p>
-            <a:pPr lvl="1" marL="473201" indent="-157734" defTabSz="630936">
-              <a:lnSpc>
-                <a:spcPct val="90000"/>
-              </a:lnSpc>
-              <a:spcBef>
-                <a:spcPts val="300"/>
-              </a:spcBef>
-              <a:buSzPct val="100000"/>
-              <a:buFont typeface="Arial"/>
-              <a:buChar char="•"/>
-              <a:defRPr sz="1600">
-                <a:latin typeface="+mn-lt"/>
-                <a:ea typeface="+mn-ea"/>
-                <a:cs typeface="+mn-cs"/>
-                <a:sym typeface="Calibri"/>
-              </a:defRPr>
-            </a:pPr>
-            <a:r>
-              <a:t>Locations of agent’s potential future tokens.</a:t>
-            </a:r>
-          </a:p>
-          <a:p>
-            <a:pPr lvl="1" marL="473201" indent="-157734" defTabSz="630936">
-              <a:lnSpc>
-                <a:spcPct val="90000"/>
-              </a:lnSpc>
-              <a:spcBef>
-                <a:spcPts val="300"/>
-              </a:spcBef>
-              <a:buSzPct val="100000"/>
-              <a:buFont typeface="Arial"/>
-              <a:buChar char="•"/>
-              <a:defRPr sz="1600">
-                <a:latin typeface="+mn-lt"/>
-                <a:ea typeface="+mn-ea"/>
-                <a:cs typeface="+mn-cs"/>
-                <a:sym typeface="Calibri"/>
-              </a:defRPr>
-            </a:pPr>
-            <a:r>
-              <a:t>Locations of agent’s tokens (assuming the action a is taken).</a:t>
-            </a:r>
-          </a:p>
-          <a:p>
-            <a:pPr lvl="1" marL="473201" indent="-157734" defTabSz="630936">
-              <a:lnSpc>
-                <a:spcPct val="90000"/>
-              </a:lnSpc>
-              <a:spcBef>
-                <a:spcPts val="300"/>
-              </a:spcBef>
-              <a:buSzPct val="100000"/>
-              <a:buFont typeface="Arial"/>
-              <a:buChar char="•"/>
-              <a:defRPr sz="1600">
-                <a:latin typeface="+mn-lt"/>
-                <a:ea typeface="+mn-ea"/>
-                <a:cs typeface="+mn-cs"/>
-                <a:sym typeface="Calibri"/>
-              </a:defRPr>
-            </a:pPr>
-            <a:r>
-              <a:t>Locations of opponent's tokens.</a:t>
-            </a:r>
-          </a:p>
-          <a:p>
-            <a:pPr marL="157734" indent="-157734" defTabSz="630936">
-              <a:lnSpc>
-                <a:spcPct val="90000"/>
-              </a:lnSpc>
-              <a:spcBef>
-                <a:spcPts val="600"/>
-              </a:spcBef>
-              <a:buSzPct val="100000"/>
-              <a:buFont typeface="Arial"/>
-              <a:buChar char="•"/>
-              <a:defRPr sz="1900">
-                <a:latin typeface="+mn-lt"/>
-                <a:ea typeface="+mn-ea"/>
-                <a:cs typeface="+mn-cs"/>
-                <a:sym typeface="Calibri"/>
-              </a:defRPr>
-            </a:pPr>
-            <a:r>
-              <a:t>DNN – input is [14]. Engineered features for </a:t>
-            </a:r>
-            <a14:m>
-              <m:oMath>
-                <m:r>
-                  <a:rPr xmlns:a="http://schemas.openxmlformats.org/drawingml/2006/main" sz="2100" i="1">
-                    <a:solidFill>
-                      <a:srgbClr val="000000"/>
-                    </a:solidFill>
-                    <a:latin typeface="Cambria Math" panose="02040503050406030204" pitchFamily="18" charset="0"/>
+      <mc:AlternateContent xmlns:mc="http://schemas.openxmlformats.org/markup-compatibility/2006">
+        <mc:Choice xmlns:a14="http://schemas.microsoft.com/office/drawing/2010/main" Requires="a14">
+          <p:sp>
+            <p:nvSpPr>
+              <p:cNvPr id="143" name="Content Placeholder 3"/>
+              <p:cNvSpPr txBox="1"/>
+              <p:nvPr/>
+            </p:nvSpPr>
+            <p:spPr>
+              <a:xfrm>
+                <a:off x="564544" y="1629404"/>
+                <a:ext cx="7924153" cy="2810634"/>
+              </a:xfrm>
+              <a:prstGeom prst="rect">
+                <a:avLst/>
+              </a:prstGeom>
+              <a:ln w="12700">
+                <a:miter lim="400000"/>
+              </a:ln>
+              <a:extLst>
+                <a:ext uri="{C572A759-6A51-4108-AA02-DFA0A04FC94B}">
+                  <ma14:wrappingTextBoxFlag xmlns:ma14="http://schemas.microsoft.com/office/mac/drawingml/2011/main" xmlns:m="http://schemas.openxmlformats.org/officeDocument/2006/math" xmlns="" val="1"/>
+                </a:ext>
+              </a:extLst>
+            </p:spPr>
+            <p:txBody>
+              <a:bodyPr lIns="45718" tIns="45718" rIns="45718" bIns="45718">
+                <a:normAutofit/>
+              </a:bodyPr>
+              <a:lstStyle/>
+              <a:p>
+                <a:pPr marL="157734" indent="-157734" defTabSz="630936">
+                  <a:lnSpc>
+                    <a:spcPct val="90000"/>
+                  </a:lnSpc>
+                  <a:spcBef>
+                    <a:spcPts val="600"/>
+                  </a:spcBef>
+                  <a:buSzPct val="100000"/>
+                  <a:buFont typeface="Arial"/>
+                  <a:buChar char="•"/>
+                  <a:defRPr sz="1900">
+                    <a:latin typeface="+mn-lt"/>
+                    <a:ea typeface="+mn-ea"/>
+                    <a:cs typeface="+mn-cs"/>
+                    <a:sym typeface="Calibri"/>
+                  </a:defRPr>
+                </a:pPr>
+                <a:r>
+                  <a:t>CNN – Input is [3x10x10]. The layers of input were:</a:t>
+                </a:r>
+              </a:p>
+              <a:p>
+                <a:pPr marL="473201" lvl="1" indent="-157734" defTabSz="630936">
+                  <a:lnSpc>
+                    <a:spcPct val="90000"/>
+                  </a:lnSpc>
+                  <a:spcBef>
+                    <a:spcPts val="300"/>
+                  </a:spcBef>
+                  <a:buSzPct val="100000"/>
+                  <a:buFont typeface="Arial"/>
+                  <a:buChar char="•"/>
+                  <a:defRPr sz="1600">
+                    <a:latin typeface="+mn-lt"/>
+                    <a:ea typeface="+mn-ea"/>
+                    <a:cs typeface="+mn-cs"/>
+                    <a:sym typeface="Calibri"/>
+                  </a:defRPr>
+                </a:pPr>
+                <a:r>
+                  <a:t>Locations of agent’s potential future tokens.</a:t>
+                </a:r>
+              </a:p>
+              <a:p>
+                <a:pPr marL="473201" lvl="1" indent="-157734" defTabSz="630936">
+                  <a:lnSpc>
+                    <a:spcPct val="90000"/>
+                  </a:lnSpc>
+                  <a:spcBef>
+                    <a:spcPts val="300"/>
+                  </a:spcBef>
+                  <a:buSzPct val="100000"/>
+                  <a:buFont typeface="Arial"/>
+                  <a:buChar char="•"/>
+                  <a:defRPr sz="1600">
+                    <a:latin typeface="+mn-lt"/>
+                    <a:ea typeface="+mn-ea"/>
+                    <a:cs typeface="+mn-cs"/>
+                    <a:sym typeface="Calibri"/>
+                  </a:defRPr>
+                </a:pPr>
+                <a:r>
+                  <a:t>Locations of agent’s tokens (assuming the action a is taken).</a:t>
+                </a:r>
+              </a:p>
+              <a:p>
+                <a:pPr marL="473201" lvl="1" indent="-157734" defTabSz="630936">
+                  <a:lnSpc>
+                    <a:spcPct val="90000"/>
+                  </a:lnSpc>
+                  <a:spcBef>
+                    <a:spcPts val="300"/>
+                  </a:spcBef>
+                  <a:buSzPct val="100000"/>
+                  <a:buFont typeface="Arial"/>
+                  <a:buChar char="•"/>
+                  <a:defRPr sz="1600">
+                    <a:latin typeface="+mn-lt"/>
+                    <a:ea typeface="+mn-ea"/>
+                    <a:cs typeface="+mn-cs"/>
+                    <a:sym typeface="Calibri"/>
+                  </a:defRPr>
+                </a:pPr>
+                <a:r>
+                  <a:t>Locations of opponent's tokens.</a:t>
+                </a:r>
+              </a:p>
+              <a:p>
+                <a:pPr marL="157734" indent="-157734" defTabSz="630936">
+                  <a:lnSpc>
+                    <a:spcPct val="90000"/>
+                  </a:lnSpc>
+                  <a:spcBef>
+                    <a:spcPts val="600"/>
+                  </a:spcBef>
+                  <a:buSzPct val="100000"/>
+                  <a:buFont typeface="Arial"/>
+                  <a:buChar char="•"/>
+                  <a:defRPr sz="1900">
+                    <a:latin typeface="+mn-lt"/>
+                    <a:ea typeface="+mn-ea"/>
+                    <a:cs typeface="+mn-cs"/>
+                    <a:sym typeface="Calibri"/>
+                  </a:defRPr>
+                </a:pPr>
+                <a:r>
+                  <a:t>DNN – input is [14]. Engineered features for </a:t>
+                </a:r>
+                <a14:m>
+                  <m:oMath xmlns:m="http://schemas.openxmlformats.org/officeDocument/2006/math">
+                    <m:r>
+                      <a:rPr sz="2100" i="1">
+                        <a:solidFill>
+                          <a:srgbClr val="000000"/>
+                        </a:solidFill>
+                        <a:latin typeface="Cambria Math" panose="02040503050406030204" pitchFamily="18" charset="0"/>
+                      </a:rPr>
+                      <m:t>𝑙</m:t>
+                    </m:r>
+                    <m:r>
+                      <a:rPr sz="2100" i="1">
+                        <a:solidFill>
+                          <a:srgbClr val="000000"/>
+                        </a:solidFill>
+                        <a:latin typeface="Cambria Math" panose="02040503050406030204" pitchFamily="18" charset="0"/>
+                      </a:rPr>
+                      <m:t>=2,3,4,5</m:t>
+                    </m:r>
+                  </m:oMath>
+                </a14:m>
+                <a:r>
+                  <a:t>:</a:t>
+                </a:r>
+              </a:p>
+              <a:p>
+                <a:pPr marL="473201" lvl="1" indent="-157734" defTabSz="630936">
+                  <a:lnSpc>
+                    <a:spcPct val="90000"/>
+                  </a:lnSpc>
+                  <a:spcBef>
+                    <a:spcPts val="300"/>
+                  </a:spcBef>
+                  <a:buSzPct val="100000"/>
+                  <a:buFont typeface="Arial"/>
+                  <a:buChar char="•"/>
+                  <a:defRPr sz="1600">
+                    <a:latin typeface="+mn-lt"/>
+                    <a:ea typeface="+mn-ea"/>
+                    <a:cs typeface="+mn-cs"/>
+                    <a:sym typeface="Calibri"/>
+                  </a:defRPr>
+                </a:pPr>
+                <a:r>
+                  <a:t>Agent’s number of sequences of length </a:t>
+                </a:r>
+                <a14:m>
+                  <m:oMath xmlns:m="http://schemas.openxmlformats.org/officeDocument/2006/math">
+                    <m:r>
+                      <a:rPr sz="2350" i="1">
+                        <a:solidFill>
+                          <a:srgbClr val="000000"/>
+                        </a:solidFill>
+                        <a:latin typeface="Cambria Math" panose="02040503050406030204" pitchFamily="18" charset="0"/>
+                      </a:rPr>
+                      <m:t>𝑙</m:t>
+                    </m:r>
+                  </m:oMath>
+                </a14:m>
+                <a:r>
+                  <a:t>.</a:t>
+                </a:r>
+              </a:p>
+              <a:p>
+                <a:pPr marL="473201" lvl="1" indent="-157734" defTabSz="630936">
+                  <a:lnSpc>
+                    <a:spcPct val="90000"/>
+                  </a:lnSpc>
+                  <a:spcBef>
+                    <a:spcPts val="300"/>
+                  </a:spcBef>
+                  <a:buSzPct val="100000"/>
+                  <a:buFont typeface="Arial"/>
+                  <a:buChar char="•"/>
+                  <a:defRPr sz="1600">
+                    <a:latin typeface="+mn-lt"/>
+                    <a:ea typeface="+mn-ea"/>
+                    <a:cs typeface="+mn-cs"/>
+                    <a:sym typeface="Calibri"/>
+                  </a:defRPr>
+                </a:pPr>
+                <a:r>
+                  <a:t>Opponent’s number of sequences of length </a:t>
+                </a:r>
+                <a14:m>
+                  <m:oMath xmlns:m="http://schemas.openxmlformats.org/officeDocument/2006/math">
+                    <m:r>
+                      <a:rPr sz="2350" i="1">
+                        <a:solidFill>
+                          <a:srgbClr val="000000"/>
+                        </a:solidFill>
+                        <a:latin typeface="Cambria Math" panose="02040503050406030204" pitchFamily="18" charset="0"/>
+                      </a:rPr>
+                      <m:t>𝑙</m:t>
+                    </m:r>
+                  </m:oMath>
+                </a14:m>
+                <a:r>
+                  <a:t>.</a:t>
+                </a:r>
+              </a:p>
+              <a:p>
+                <a:pPr marL="473201" lvl="1" indent="-157734" defTabSz="630936">
+                  <a:lnSpc>
+                    <a:spcPct val="90000"/>
+                  </a:lnSpc>
+                  <a:spcBef>
+                    <a:spcPts val="300"/>
+                  </a:spcBef>
+                  <a:buSzPct val="100000"/>
+                  <a:buFont typeface="Arial"/>
+                  <a:buChar char="•"/>
+                  <a:defRPr sz="1600">
+                    <a:latin typeface="+mn-lt"/>
+                    <a:ea typeface="+mn-ea"/>
+                    <a:cs typeface="+mn-cs"/>
+                    <a:sym typeface="Calibri"/>
+                  </a:defRPr>
+                </a:pPr>
+                <a:r>
+                  <a:t>Number of sequences of length </a:t>
+                </a:r>
+                <a14:m>
+                  <m:oMath xmlns:m="http://schemas.openxmlformats.org/officeDocument/2006/math">
+                    <m:r>
+                      <a:rPr sz="2350" i="1">
+                        <a:solidFill>
+                          <a:srgbClr val="000000"/>
+                        </a:solidFill>
+                        <a:latin typeface="Cambria Math" panose="02040503050406030204" pitchFamily="18" charset="0"/>
+                      </a:rPr>
+                      <m:t>𝑙</m:t>
+                    </m:r>
+                  </m:oMath>
+                </a14:m>
+                <a:r>
+                  <a:t> formed from tokens and cards in agent’s hand.</a:t>
+                </a:r>
+              </a:p>
+              <a:p>
+                <a:pPr marL="473201" lvl="1" indent="-157734" defTabSz="630936">
+                  <a:lnSpc>
+                    <a:spcPct val="90000"/>
+                  </a:lnSpc>
+                  <a:spcBef>
+                    <a:spcPts val="300"/>
+                  </a:spcBef>
+                  <a:buSzPct val="100000"/>
+                  <a:buFont typeface="Arial"/>
+                  <a:buChar char="•"/>
+                  <a:defRPr sz="1600">
+                    <a:latin typeface="+mn-lt"/>
+                    <a:ea typeface="+mn-ea"/>
+                    <a:cs typeface="+mn-cs"/>
+                    <a:sym typeface="Calibri"/>
+                  </a:defRPr>
+                </a:pPr>
+                <a:r>
+                  <a:t>Number of 1-eyed and 2-eyed jacks in agent’s hand.</a:t>
+                </a:r>
+              </a:p>
+            </p:txBody>
+          </p:sp>
+        </mc:Choice>
+        <mc:Fallback>
+          <p:sp>
+            <p:nvSpPr>
+              <p:cNvPr id="143" name="Content Placeholder 3"/>
+              <p:cNvSpPr txBox="1">
+                <a:spLocks noRot="1" noChangeAspect="1" noMove="1" noResize="1" noEditPoints="1" noAdjustHandles="1" noChangeArrowheads="1" noChangeShapeType="1" noTextEdit="1"/>
+              </p:cNvSpPr>
+              <p:nvPr/>
+            </p:nvSpPr>
+            <p:spPr>
+              <a:xfrm>
+                <a:off x="564544" y="1629404"/>
+                <a:ext cx="7924153" cy="2810634"/>
+              </a:xfrm>
+              <a:prstGeom prst="rect">
+                <a:avLst/>
+              </a:prstGeom>
+              <a:blipFill>
+                <a:blip r:embed="rId2"/>
+                <a:stretch>
+                  <a:fillRect l="-1154" t="-2169" b="-2386"/>
+                </a:stretch>
+              </a:blipFill>
+              <a:ln w="12700">
+                <a:miter lim="400000"/>
+              </a:ln>
+              <a:extLst>
+                <a:ext uri="{C572A759-6A51-4108-AA02-DFA0A04FC94B}">
+                  <ma14:wrappingTextBoxFlag xmlns:ma14="http://schemas.microsoft.com/office/mac/drawingml/2011/main" xmlns:a14="http://schemas.microsoft.com/office/drawing/2010/main" xmlns:m="http://schemas.openxmlformats.org/officeDocument/2006/math" xmlns="" val="1"/>
+                </a:ext>
+              </a:extLst>
+            </p:spPr>
+            <p:txBody>
+              <a:bodyPr/>
+              <a:lstStyle/>
+              <a:p>
+                <a:r>
+                  <a:rPr lang="en-US">
+                    <a:noFill/>
                   </a:rPr>
-                  <m:t>𝑙</m:t>
-                </m:r>
-                <m:r>
-                  <a:rPr xmlns:a="http://schemas.openxmlformats.org/drawingml/2006/main" sz="2100" i="1">
-                    <a:solidFill>
-                      <a:srgbClr val="000000"/>
-                    </a:solidFill>
-                    <a:latin typeface="Cambria Math" panose="02040503050406030204" pitchFamily="18" charset="0"/>
-                  </a:rPr>
-                  <m:t>=</m:t>
-                </m:r>
-                <m:r>
-                  <a:rPr xmlns:a="http://schemas.openxmlformats.org/drawingml/2006/main" sz="2100" i="1">
-                    <a:solidFill>
-                      <a:srgbClr val="000000"/>
-                    </a:solidFill>
-                    <a:latin typeface="Cambria Math" panose="02040503050406030204" pitchFamily="18" charset="0"/>
-                  </a:rPr>
-                  <m:t>2,3</m:t>
-                </m:r>
-                <m:r>
-                  <a:rPr xmlns:a="http://schemas.openxmlformats.org/drawingml/2006/main" sz="2100" i="1">
-                    <a:solidFill>
-                      <a:srgbClr val="000000"/>
-                    </a:solidFill>
-                    <a:latin typeface="Cambria Math" panose="02040503050406030204" pitchFamily="18" charset="0"/>
-                  </a:rPr>
-                  <m:t>,</m:t>
-                </m:r>
-                <m:r>
-                  <a:rPr xmlns:a="http://schemas.openxmlformats.org/drawingml/2006/main" sz="2100" i="1">
-                    <a:solidFill>
-                      <a:srgbClr val="000000"/>
-                    </a:solidFill>
-                    <a:latin typeface="Cambria Math" panose="02040503050406030204" pitchFamily="18" charset="0"/>
-                  </a:rPr>
-                  <m:t>4,5</m:t>
-                </m:r>
-              </m:oMath>
-            </a14:m>
-            <a:r>
-              <a:t>:</a:t>
-            </a:r>
-          </a:p>
-          <a:p>
-            <a:pPr lvl="1" marL="473201" indent="-157734" defTabSz="630936">
-              <a:lnSpc>
-                <a:spcPct val="90000"/>
-              </a:lnSpc>
-              <a:spcBef>
-                <a:spcPts val="300"/>
-              </a:spcBef>
-              <a:buSzPct val="100000"/>
-              <a:buFont typeface="Arial"/>
-              <a:buChar char="•"/>
-              <a:defRPr sz="1600">
-                <a:latin typeface="+mn-lt"/>
-                <a:ea typeface="+mn-ea"/>
-                <a:cs typeface="+mn-cs"/>
-                <a:sym typeface="Calibri"/>
-              </a:defRPr>
-            </a:pPr>
-            <a:r>
-              <a:t>Agent’s number of sequences of length </a:t>
-            </a:r>
-            <a14:m>
-              <m:oMath>
-                <m:r>
-                  <a:rPr xmlns:a="http://schemas.openxmlformats.org/drawingml/2006/main" sz="2350" i="1">
-                    <a:solidFill>
-                      <a:srgbClr val="000000"/>
-                    </a:solidFill>
-                    <a:latin typeface="Cambria Math" panose="02040503050406030204" pitchFamily="18" charset="0"/>
-                  </a:rPr>
-                  <m:t>𝑙</m:t>
-                </m:r>
-              </m:oMath>
-            </a14:m>
-            <a:r>
-              <a:t>.</a:t>
-            </a:r>
-          </a:p>
-          <a:p>
-            <a:pPr lvl="1" marL="473201" indent="-157734" defTabSz="630936">
-              <a:lnSpc>
-                <a:spcPct val="90000"/>
-              </a:lnSpc>
-              <a:spcBef>
-                <a:spcPts val="300"/>
-              </a:spcBef>
-              <a:buSzPct val="100000"/>
-              <a:buFont typeface="Arial"/>
-              <a:buChar char="•"/>
-              <a:defRPr sz="1600">
-                <a:latin typeface="+mn-lt"/>
-                <a:ea typeface="+mn-ea"/>
-                <a:cs typeface="+mn-cs"/>
-                <a:sym typeface="Calibri"/>
-              </a:defRPr>
-            </a:pPr>
-            <a:r>
-              <a:t>Opponent’s number of sequences of length </a:t>
-            </a:r>
-            <a14:m>
-              <m:oMath>
-                <m:r>
-                  <a:rPr xmlns:a="http://schemas.openxmlformats.org/drawingml/2006/main" sz="2350" i="1">
-                    <a:solidFill>
-                      <a:srgbClr val="000000"/>
-                    </a:solidFill>
-                    <a:latin typeface="Cambria Math" panose="02040503050406030204" pitchFamily="18" charset="0"/>
-                  </a:rPr>
-                  <m:t>𝑙</m:t>
-                </m:r>
-              </m:oMath>
-            </a14:m>
-            <a:r>
-              <a:t>.</a:t>
-            </a:r>
-          </a:p>
-          <a:p>
-            <a:pPr lvl="1" marL="473201" indent="-157734" defTabSz="630936">
-              <a:lnSpc>
-                <a:spcPct val="90000"/>
-              </a:lnSpc>
-              <a:spcBef>
-                <a:spcPts val="300"/>
-              </a:spcBef>
-              <a:buSzPct val="100000"/>
-              <a:buFont typeface="Arial"/>
-              <a:buChar char="•"/>
-              <a:defRPr sz="1600">
-                <a:latin typeface="+mn-lt"/>
-                <a:ea typeface="+mn-ea"/>
-                <a:cs typeface="+mn-cs"/>
-                <a:sym typeface="Calibri"/>
-              </a:defRPr>
-            </a:pPr>
-            <a:r>
-              <a:t>Number of sequences of length </a:t>
-            </a:r>
-            <a14:m>
-              <m:oMath>
-                <m:r>
-                  <a:rPr xmlns:a="http://schemas.openxmlformats.org/drawingml/2006/main" sz="2350" i="1">
-                    <a:solidFill>
-                      <a:srgbClr val="000000"/>
-                    </a:solidFill>
-                    <a:latin typeface="Cambria Math" panose="02040503050406030204" pitchFamily="18" charset="0"/>
-                  </a:rPr>
-                  <m:t>𝑙</m:t>
-                </m:r>
-              </m:oMath>
-            </a14:m>
-            <a:r>
-              <a:t> formed from tokens and cards in agent’s hand.</a:t>
-            </a:r>
-          </a:p>
-          <a:p>
-            <a:pPr lvl="1" marL="473201" indent="-157734" defTabSz="630936">
-              <a:lnSpc>
-                <a:spcPct val="90000"/>
-              </a:lnSpc>
-              <a:spcBef>
-                <a:spcPts val="300"/>
-              </a:spcBef>
-              <a:buSzPct val="100000"/>
-              <a:buFont typeface="Arial"/>
-              <a:buChar char="•"/>
-              <a:defRPr sz="1600">
-                <a:latin typeface="+mn-lt"/>
-                <a:ea typeface="+mn-ea"/>
-                <a:cs typeface="+mn-cs"/>
-                <a:sym typeface="Calibri"/>
-              </a:defRPr>
-            </a:pPr>
-            <a:r>
-              <a:t>Number of 1-eyed and 2-eyed jacks in agent’s hand.</a:t>
-            </a:r>
-          </a:p>
-        </p:txBody>
-      </p:sp>
+                  <a:t> </a:t>
+                </a:r>
+              </a:p>
+            </p:txBody>
+          </p:sp>
+        </mc:Fallback>
+      </mc:AlternateContent>
     </p:spTree>
   </p:cSld>
   <p:clrMapOvr>
     <a:masterClrMapping/>
   </p:clrMapOvr>
-  <p:transition xmlns:p14="http://schemas.microsoft.com/office/powerpoint/2010/main" spd="med" advClick="1"/>
+  <p:transition spd="med"/>
 </p:sld>
 </file>
 
 <file path=ppt/slides/slide6.xml><?xml version="1.0" encoding="utf-8"?>
-<p:sld xmlns:a="http://schemas.openxmlformats.org/drawingml/2006/main" xmlns:r="http://schemas.openxmlformats.org/officeDocument/2006/relationships" xmlns:p="http://schemas.openxmlformats.org/presentationml/2006/main" xmlns:m="http://schemas.openxmlformats.org/officeDocument/2006/math" xmlns:a14="http://schemas.microsoft.com/office/drawing/2010/main" showMasterSp="1" showMasterPhAnim="1">
+<p:sld xmlns:a="http://schemas.openxmlformats.org/drawingml/2006/main" xmlns:r="http://schemas.openxmlformats.org/officeDocument/2006/relationships" xmlns:p="http://schemas.openxmlformats.org/presentationml/2006/main">
   <p:cSld>
     <p:spTree>
       <p:nvGrpSpPr>
@@ -6127,7 +6380,9 @@
       <p:sp>
         <p:nvSpPr>
           <p:cNvPr id="145" name="Title 1"/>
-          <p:cNvSpPr txBox="1"/>
+          <p:cNvSpPr txBox="1">
+            <a:spLocks noGrp="1"/>
+          </p:cNvSpPr>
           <p:nvPr>
             <p:ph type="title"/>
           </p:nvPr>
@@ -6145,7 +6400,6 @@
           <a:bodyPr/>
           <a:lstStyle/>
           <a:p>
-            <a:pPr/>
             <a:r>
               <a:t>Experiments</a:t>
             </a:r>
@@ -6171,13 +6425,13 @@
           </a:ln>
           <a:extLst>
             <a:ext uri="{C572A759-6A51-4108-AA02-DFA0A04FC94B}">
-              <ma14:wrappingTextBoxFlag xmlns:ma14="http://schemas.microsoft.com/office/mac/drawingml/2011/main" val="1"/>
+              <ma14:wrappingTextBoxFlag xmlns:ma14="http://schemas.microsoft.com/office/mac/drawingml/2011/main" xmlns:a14="http://schemas.microsoft.com/office/drawing/2010/main" xmlns:m="http://schemas.openxmlformats.org/officeDocument/2006/math" xmlns="" val="1"/>
             </a:ext>
           </a:extLst>
         </p:spPr>
         <p:txBody>
           <a:bodyPr lIns="45718" tIns="45718" rIns="45718" bIns="45718">
-            <a:normAutofit fontScale="100000" lnSpcReduction="0"/>
+            <a:normAutofit/>
           </a:bodyPr>
           <a:lstStyle/>
           <a:p>
@@ -6324,6 +6578,7 @@
                 <a:sym typeface="Calibri"/>
               </a:defRPr>
             </a:pPr>
+            <a:endParaRPr/>
           </a:p>
           <a:p>
             <a:pPr defTabSz="621791">
@@ -6355,9 +6610,7 @@
           <p:nvPr/>
         </p:nvPicPr>
         <p:blipFill>
-          <a:blip r:embed="rId2">
-            <a:extLst/>
-          </a:blip>
+          <a:blip r:embed="rId2"/>
           <a:srcRect l="9961" t="10176" r="15075" b="9465"/>
           <a:stretch>
             <a:fillRect/>
@@ -6381,12 +6634,12 @@
   <p:clrMapOvr>
     <a:masterClrMapping/>
   </p:clrMapOvr>
-  <p:transition xmlns:p14="http://schemas.microsoft.com/office/powerpoint/2010/main" spd="med" advClick="1"/>
+  <p:transition spd="med"/>
 </p:sld>
 </file>
 
 <file path=ppt/slides/slide7.xml><?xml version="1.0" encoding="utf-8"?>
-<p:sld xmlns:a="http://schemas.openxmlformats.org/drawingml/2006/main" xmlns:r="http://schemas.openxmlformats.org/officeDocument/2006/relationships" xmlns:p="http://schemas.openxmlformats.org/presentationml/2006/main" xmlns:m="http://schemas.openxmlformats.org/officeDocument/2006/math" xmlns:a14="http://schemas.microsoft.com/office/drawing/2010/main" showMasterSp="1" showMasterPhAnim="1">
+<p:sld xmlns:a="http://schemas.openxmlformats.org/drawingml/2006/main" xmlns:r="http://schemas.openxmlformats.org/officeDocument/2006/relationships" xmlns:p="http://schemas.openxmlformats.org/presentationml/2006/main">
   <p:cSld>
     <p:spTree>
       <p:nvGrpSpPr>
@@ -6405,7 +6658,9 @@
       <p:sp>
         <p:nvSpPr>
           <p:cNvPr id="149" name="Title 1"/>
-          <p:cNvSpPr txBox="1"/>
+          <p:cNvSpPr txBox="1">
+            <a:spLocks noGrp="1"/>
+          </p:cNvSpPr>
           <p:nvPr>
             <p:ph type="title"/>
           </p:nvPr>
@@ -6423,837 +6678,1923 @@
           <a:bodyPr/>
           <a:lstStyle/>
           <a:p>
-            <a:pPr/>
             <a:r>
               <a:t>Results</a:t>
             </a:r>
           </a:p>
         </p:txBody>
       </p:sp>
-      <p:graphicFrame>
-        <p:nvGraphicFramePr>
-          <p:cNvPr id="150" name="Content Placeholder 3"/>
-          <p:cNvGraphicFramePr/>
-          <p:nvPr/>
-        </p:nvGraphicFramePr>
-        <p:xfrm>
-          <a:off x="313907" y="1947304"/>
-          <a:ext cx="10515602" cy="2225042"/>
-        </p:xfrm>
-        <a:graphic xmlns:a="http://schemas.openxmlformats.org/drawingml/2006/main">
-          <a:graphicData uri="http://schemas.openxmlformats.org/drawingml/2006/table">
-            <a:tbl>
-              <a:tblPr firstCol="0" firstRow="1" lastCol="0" lastRow="0" bandCol="0" bandRow="1" rtl="0">
-                <a:tableStyleId>{4C3C2611-4C71-4FC5-86AE-919BDF0F9419}</a:tableStyleId>
-              </a:tblPr>
-              <a:tblGrid>
-                <a:gridCol w="1046926"/>
-                <a:gridCol w="1089256"/>
-                <a:gridCol w="1070394"/>
-                <a:gridCol w="2807207"/>
-                <a:gridCol w="4501816"/>
-              </a:tblGrid>
-              <a:tr h="370840">
-                <a:tc>
-                  <a:txBody>
-                    <a:bodyPr/>
-                    <a:lstStyle/>
-                    <a:p>
-                      <a:pPr algn="l" defTabSz="914400">
-                        <a:defRPr b="0" sz="1800">
-                          <a:solidFill>
-                            <a:srgbClr val="000000"/>
-                          </a:solidFill>
-                        </a:defRPr>
-                      </a:pPr>
-                      <a:r>
-                        <a:rPr b="1">
-                          <a:solidFill>
-                            <a:srgbClr val="FFFFFF"/>
-                          </a:solidFill>
-                          <a:latin typeface="+mn-lt"/>
-                          <a:ea typeface="+mn-ea"/>
-                          <a:cs typeface="+mn-cs"/>
-                          <a:sym typeface="Calibri"/>
-                        </a:rPr>
-                        <a:t>Player 1</a:t>
-                      </a:r>
-                    </a:p>
-                  </a:txBody>
-                  <a:tcPr marL="45720" marR="45720" marT="45720" marB="45720" anchor="t" anchorCtr="0" horzOverflow="overflow">
-                    <a:solidFill>
-                      <a:srgbClr val="4472C4"/>
-                    </a:solidFill>
-                  </a:tcPr>
-                </a:tc>
-                <a:tc>
-                  <a:txBody>
-                    <a:bodyPr/>
-                    <a:lstStyle/>
-                    <a:p>
-                      <a:pPr algn="l" defTabSz="914400">
-                        <a:defRPr b="0" sz="1800">
-                          <a:solidFill>
-                            <a:srgbClr val="000000"/>
-                          </a:solidFill>
-                        </a:defRPr>
-                      </a:pPr>
-                      <a:r>
-                        <a:rPr b="1">
-                          <a:solidFill>
-                            <a:srgbClr val="FFFFFF"/>
-                          </a:solidFill>
-                          <a:latin typeface="+mn-lt"/>
-                          <a:ea typeface="+mn-ea"/>
-                          <a:cs typeface="+mn-cs"/>
-                          <a:sym typeface="Calibri"/>
-                        </a:rPr>
-                        <a:t>Player 2</a:t>
-                      </a:r>
-                    </a:p>
-                  </a:txBody>
-                  <a:tcPr marL="45720" marR="45720" marT="45720" marB="45720" anchor="t" anchorCtr="0" horzOverflow="overflow">
-                    <a:solidFill>
-                      <a:srgbClr val="4472C4"/>
-                    </a:solidFill>
-                  </a:tcPr>
-                </a:tc>
-                <a:tc>
-                  <a:txBody>
-                    <a:bodyPr/>
-                    <a:lstStyle/>
-                    <a:p>
-                      <a:pPr algn="l" defTabSz="914400">
-                        <a:defRPr b="0" sz="1800">
-                          <a:solidFill>
-                            <a:srgbClr val="000000"/>
-                          </a:solidFill>
-                        </a:defRPr>
-                      </a:pPr>
-                      <a:r>
-                        <a:rPr b="1">
-                          <a:solidFill>
-                            <a:srgbClr val="FFFFFF"/>
-                          </a:solidFill>
-                          <a:latin typeface="+mn-lt"/>
-                          <a:ea typeface="+mn-ea"/>
-                          <a:cs typeface="+mn-cs"/>
-                          <a:sym typeface="Calibri"/>
-                        </a:rPr>
-                        <a:t>% Win</a:t>
-                      </a:r>
-                    </a:p>
-                  </a:txBody>
-                  <a:tcPr marL="45720" marR="45720" marT="45720" marB="45720" anchor="t" anchorCtr="0" horzOverflow="overflow">
-                    <a:solidFill>
-                      <a:srgbClr val="4472C4"/>
-                    </a:solidFill>
-                  </a:tcPr>
-                </a:tc>
-                <a:tc>
-                  <a:txBody>
-                    <a:bodyPr/>
-                    <a:lstStyle/>
-                    <a:p>
-                      <a:pPr algn="l" defTabSz="914400">
-                        <a:defRPr b="0" sz="1800">
-                          <a:solidFill>
-                            <a:srgbClr val="000000"/>
-                          </a:solidFill>
-                        </a:defRPr>
-                      </a:pPr>
-                      <a:r>
-                        <a:rPr b="1">
-                          <a:solidFill>
-                            <a:srgbClr val="FFFFFF"/>
-                          </a:solidFill>
-                          <a:latin typeface="+mn-lt"/>
-                          <a:ea typeface="+mn-ea"/>
-                          <a:cs typeface="+mn-cs"/>
-                          <a:sym typeface="Calibri"/>
-                        </a:rPr>
-                        <a:t>z-score ()</a:t>
-                      </a:r>
-                    </a:p>
-                  </a:txBody>
-                  <a:tcPr marL="45720" marR="45720" marT="45720" marB="45720" anchor="t" anchorCtr="0" horzOverflow="overflow">
-                    <a:solidFill>
-                      <a:srgbClr val="4472C4"/>
-                    </a:solidFill>
-                  </a:tcPr>
-                </a:tc>
-                <a:tc>
-                  <a:txBody>
-                    <a:bodyPr/>
-                    <a:lstStyle/>
-                    <a:p>
-                      <a:pPr algn="l" defTabSz="914400">
-                        <a:defRPr b="0" sz="1800">
-                          <a:solidFill>
-                            <a:srgbClr val="000000"/>
-                          </a:solidFill>
-                        </a:defRPr>
-                      </a:pPr>
-                      <a:r>
-                        <a:rPr b="1">
-                          <a:solidFill>
-                            <a:srgbClr val="FFFFFF"/>
-                          </a:solidFill>
-                          <a:latin typeface="+mn-lt"/>
-                          <a:ea typeface="+mn-ea"/>
-                          <a:cs typeface="+mn-cs"/>
-                          <a:sym typeface="Calibri"/>
-                        </a:rPr>
-                        <a:t>Number of Trials</a:t>
-                      </a:r>
-                    </a:p>
-                  </a:txBody>
-                  <a:tcPr marL="45720" marR="45720" marT="45720" marB="45720" anchor="t" anchorCtr="0" horzOverflow="overflow">
-                    <a:solidFill>
-                      <a:srgbClr val="4472C4"/>
-                    </a:solidFill>
-                  </a:tcPr>
-                </a:tc>
-              </a:tr>
-              <a:tr h="370840">
-                <a:tc>
-                  <a:txBody>
-                    <a:bodyPr/>
-                    <a:lstStyle/>
-                    <a:p>
-                      <a:pPr algn="l" defTabSz="914400">
-                        <a:defRPr sz="1800"/>
-                      </a:pPr>
-                      <a:r>
-                        <a:rPr>
-                          <a:latin typeface="+mn-lt"/>
-                          <a:ea typeface="+mn-ea"/>
-                          <a:cs typeface="+mn-cs"/>
-                          <a:sym typeface="Calibri"/>
-                        </a:rPr>
-                        <a:t>E</a:t>
-                      </a:r>
-                    </a:p>
-                  </a:txBody>
-                  <a:tcPr marL="45720" marR="45720" marT="45720" marB="45720" anchor="t" anchorCtr="0" horzOverflow="overflow">
-                    <a:solidFill>
-                      <a:srgbClr val="CDD4EA"/>
-                    </a:solidFill>
-                  </a:tcPr>
-                </a:tc>
-                <a:tc>
-                  <a:txBody>
-                    <a:bodyPr/>
-                    <a:lstStyle/>
-                    <a:p>
-                      <a:pPr algn="l" defTabSz="914400">
-                        <a:defRPr sz="1800"/>
-                      </a:pPr>
-                      <a:r>
-                        <a:rPr>
-                          <a:latin typeface="+mn-lt"/>
-                          <a:ea typeface="+mn-ea"/>
-                          <a:cs typeface="+mn-cs"/>
-                          <a:sym typeface="Calibri"/>
-                        </a:rPr>
-                        <a:t>R</a:t>
-                      </a:r>
-                    </a:p>
-                  </a:txBody>
-                  <a:tcPr marL="45720" marR="45720" marT="45720" marB="45720" anchor="t" anchorCtr="0" horzOverflow="overflow">
-                    <a:solidFill>
-                      <a:srgbClr val="CDD4EA"/>
-                    </a:solidFill>
-                  </a:tcPr>
-                </a:tc>
-                <a:tc>
-                  <a:txBody>
-                    <a:bodyPr/>
-                    <a:lstStyle/>
-                    <a:p>
-                      <a:pPr algn="l" defTabSz="914400">
-                        <a:defRPr sz="1800"/>
-                      </a:pPr>
-                      <a:r>
-                        <a:rPr>
-                          <a:latin typeface="+mn-lt"/>
-                          <a:ea typeface="+mn-ea"/>
-                          <a:cs typeface="+mn-cs"/>
-                          <a:sym typeface="Calibri"/>
-                        </a:rPr>
-                        <a:t>77.4</a:t>
-                      </a:r>
-                    </a:p>
-                  </a:txBody>
-                  <a:tcPr marL="45720" marR="45720" marT="45720" marB="45720" anchor="t" anchorCtr="0" horzOverflow="overflow">
-                    <a:solidFill>
-                      <a:srgbClr val="CDD4EA"/>
-                    </a:solidFill>
-                  </a:tcPr>
-                </a:tc>
-                <a:tc>
-                  <a:txBody>
-                    <a:bodyPr/>
-                    <a:lstStyle/>
-                    <a:p>
-                      <a:pPr algn="l" defTabSz="914400">
-                        <a:defRPr sz="1800"/>
-                      </a:pPr>
-                      <a:r>
-                        <a:rPr>
-                          <a:latin typeface="+mn-lt"/>
-                          <a:ea typeface="+mn-ea"/>
-                          <a:cs typeface="+mn-cs"/>
-                          <a:sym typeface="Calibri"/>
-                        </a:rPr>
-                        <a:t>5.29</a:t>
-                      </a:r>
-                    </a:p>
-                  </a:txBody>
-                  <a:tcPr marL="45720" marR="45720" marT="45720" marB="45720" anchor="t" anchorCtr="0" horzOverflow="overflow">
-                    <a:solidFill>
-                      <a:srgbClr val="CDD4EA"/>
-                    </a:solidFill>
-                  </a:tcPr>
-                </a:tc>
-                <a:tc>
-                  <a:txBody>
-                    <a:bodyPr/>
-                    <a:lstStyle/>
-                    <a:p>
-                      <a:pPr algn="l" defTabSz="914400">
-                        <a:defRPr sz="1800"/>
-                      </a:pPr>
-                      <a:r>
-                        <a:rPr>
-                          <a:latin typeface="+mn-lt"/>
-                          <a:ea typeface="+mn-ea"/>
-                          <a:cs typeface="+mn-cs"/>
-                          <a:sym typeface="Calibri"/>
-                        </a:rPr>
-                        <a:t>97</a:t>
-                      </a:r>
-                    </a:p>
-                  </a:txBody>
-                  <a:tcPr marL="45720" marR="45720" marT="45720" marB="45720" anchor="t" anchorCtr="0" horzOverflow="overflow">
-                    <a:solidFill>
-                      <a:srgbClr val="CDD4EA"/>
-                    </a:solidFill>
-                  </a:tcPr>
-                </a:tc>
-              </a:tr>
-              <a:tr h="370840">
-                <a:tc>
-                  <a:txBody>
-                    <a:bodyPr/>
-                    <a:lstStyle/>
-                    <a:p>
-                      <a:pPr algn="l" defTabSz="914400">
-                        <a:defRPr sz="1800"/>
-                      </a:pPr>
-                      <a:r>
-                        <a:rPr>
-                          <a:latin typeface="+mn-lt"/>
-                          <a:ea typeface="+mn-ea"/>
-                          <a:cs typeface="+mn-cs"/>
-                          <a:sym typeface="Calibri"/>
-                        </a:rPr>
-                        <a:t>QD</a:t>
-                      </a:r>
-                    </a:p>
-                  </a:txBody>
-                  <a:tcPr marL="45720" marR="45720" marT="45720" marB="45720" anchor="t" anchorCtr="0" horzOverflow="overflow">
-                    <a:solidFill>
-                      <a:srgbClr val="E8EBF5"/>
-                    </a:solidFill>
-                  </a:tcPr>
-                </a:tc>
-                <a:tc>
-                  <a:txBody>
-                    <a:bodyPr/>
-                    <a:lstStyle/>
-                    <a:p>
-                      <a:pPr algn="l" defTabSz="914400">
-                        <a:defRPr sz="1800"/>
-                      </a:pPr>
-                      <a:r>
-                        <a:rPr>
-                          <a:latin typeface="+mn-lt"/>
-                          <a:ea typeface="+mn-ea"/>
-                          <a:cs typeface="+mn-cs"/>
-                          <a:sym typeface="Calibri"/>
-                        </a:rPr>
-                        <a:t>R</a:t>
-                      </a:r>
-                    </a:p>
-                  </a:txBody>
-                  <a:tcPr marL="45720" marR="45720" marT="45720" marB="45720" anchor="t" anchorCtr="0" horzOverflow="overflow">
-                    <a:solidFill>
-                      <a:srgbClr val="E8EBF5"/>
-                    </a:solidFill>
-                  </a:tcPr>
-                </a:tc>
-                <a:tc>
-                  <a:txBody>
-                    <a:bodyPr/>
-                    <a:lstStyle/>
-                    <a:p>
-                      <a:pPr algn="l" defTabSz="914400">
-                        <a:defRPr sz="1800"/>
-                      </a:pPr>
-                      <a:r>
-                        <a:rPr>
-                          <a:latin typeface="+mn-lt"/>
-                          <a:ea typeface="+mn-ea"/>
-                          <a:cs typeface="+mn-cs"/>
-                          <a:sym typeface="Calibri"/>
-                        </a:rPr>
-                        <a:t>95.9</a:t>
-                      </a:r>
-                    </a:p>
-                  </a:txBody>
-                  <a:tcPr marL="45720" marR="45720" marT="45720" marB="45720" anchor="t" anchorCtr="0" horzOverflow="overflow">
-                    <a:solidFill>
-                      <a:srgbClr val="E8EBF5"/>
-                    </a:solidFill>
-                  </a:tcPr>
-                </a:tc>
-                <a:tc>
-                  <a:txBody>
-                    <a:bodyPr/>
-                    <a:lstStyle/>
-                    <a:p>
-                      <a:pPr algn="l" defTabSz="914400">
-                        <a:defRPr sz="1800"/>
-                      </a:pPr>
-                      <a:r>
-                        <a:rPr>
-                          <a:latin typeface="+mn-lt"/>
-                          <a:ea typeface="+mn-ea"/>
-                          <a:cs typeface="+mn-cs"/>
-                          <a:sym typeface="Calibri"/>
-                        </a:rPr>
-                        <a:t>9.04</a:t>
-                      </a:r>
-                    </a:p>
-                  </a:txBody>
-                  <a:tcPr marL="45720" marR="45720" marT="45720" marB="45720" anchor="t" anchorCtr="0" horzOverflow="overflow">
-                    <a:solidFill>
-                      <a:srgbClr val="E8EBF5"/>
-                    </a:solidFill>
-                  </a:tcPr>
-                </a:tc>
-                <a:tc>
-                  <a:txBody>
-                    <a:bodyPr/>
-                    <a:lstStyle/>
-                    <a:p>
-                      <a:pPr algn="l" defTabSz="914400">
-                        <a:defRPr sz="1800"/>
-                      </a:pPr>
-                      <a:r>
-                        <a:rPr>
-                          <a:latin typeface="+mn-lt"/>
-                          <a:ea typeface="+mn-ea"/>
-                          <a:cs typeface="+mn-cs"/>
-                          <a:sym typeface="Calibri"/>
-                        </a:rPr>
-                        <a:t>97</a:t>
-                      </a:r>
-                    </a:p>
-                  </a:txBody>
-                  <a:tcPr marL="45720" marR="45720" marT="45720" marB="45720" anchor="t" anchorCtr="0" horzOverflow="overflow">
-                    <a:solidFill>
-                      <a:srgbClr val="E8EBF5"/>
-                    </a:solidFill>
-                  </a:tcPr>
-                </a:tc>
-              </a:tr>
-              <a:tr h="370840">
-                <a:tc>
-                  <a:txBody>
-                    <a:bodyPr/>
-                    <a:lstStyle/>
-                    <a:p>
-                      <a:pPr algn="l" defTabSz="914400">
-                        <a:defRPr sz="1800"/>
-                      </a:pPr>
-                      <a:r>
-                        <a:rPr>
-                          <a:latin typeface="+mn-lt"/>
-                          <a:ea typeface="+mn-ea"/>
-                          <a:cs typeface="+mn-cs"/>
-                          <a:sym typeface="Calibri"/>
-                        </a:rPr>
-                        <a:t>QC</a:t>
-                      </a:r>
-                    </a:p>
-                  </a:txBody>
-                  <a:tcPr marL="45720" marR="45720" marT="45720" marB="45720" anchor="t" anchorCtr="0" horzOverflow="overflow">
-                    <a:solidFill>
-                      <a:srgbClr val="CDD4EA"/>
-                    </a:solidFill>
-                  </a:tcPr>
-                </a:tc>
-                <a:tc>
-                  <a:txBody>
-                    <a:bodyPr/>
-                    <a:lstStyle/>
-                    <a:p>
-                      <a:pPr algn="l" defTabSz="914400">
-                        <a:defRPr sz="1800"/>
-                      </a:pPr>
-                      <a:r>
-                        <a:rPr>
-                          <a:latin typeface="+mn-lt"/>
-                          <a:ea typeface="+mn-ea"/>
-                          <a:cs typeface="+mn-cs"/>
-                          <a:sym typeface="Calibri"/>
-                        </a:rPr>
-                        <a:t>R</a:t>
-                      </a:r>
-                    </a:p>
-                  </a:txBody>
-                  <a:tcPr marL="45720" marR="45720" marT="45720" marB="45720" anchor="t" anchorCtr="0" horzOverflow="overflow">
-                    <a:solidFill>
-                      <a:srgbClr val="CDD4EA"/>
-                    </a:solidFill>
-                  </a:tcPr>
-                </a:tc>
-                <a:tc>
-                  <a:txBody>
-                    <a:bodyPr/>
-                    <a:lstStyle/>
-                    <a:p>
-                      <a:pPr algn="l" defTabSz="914400">
-                        <a:defRPr sz="1800"/>
-                      </a:pPr>
-                      <a:r>
-                        <a:rPr>
-                          <a:latin typeface="+mn-lt"/>
-                          <a:ea typeface="+mn-ea"/>
-                          <a:cs typeface="+mn-cs"/>
-                          <a:sym typeface="Calibri"/>
-                        </a:rPr>
-                        <a:t>63.0</a:t>
-                      </a:r>
-                    </a:p>
-                  </a:txBody>
-                  <a:tcPr marL="45720" marR="45720" marT="45720" marB="45720" anchor="t" anchorCtr="0" horzOverflow="overflow">
-                    <a:solidFill>
-                      <a:srgbClr val="CDD4EA"/>
-                    </a:solidFill>
-                  </a:tcPr>
-                </a:tc>
-                <a:tc>
-                  <a:txBody>
-                    <a:bodyPr/>
-                    <a:lstStyle/>
-                    <a:p>
-                      <a:pPr algn="l" defTabSz="914400">
-                        <a:defRPr sz="1800"/>
-                      </a:pPr>
-                      <a:r>
-                        <a:rPr>
-                          <a:latin typeface="+mn-lt"/>
-                          <a:ea typeface="+mn-ea"/>
-                          <a:cs typeface="+mn-cs"/>
-                          <a:sym typeface="Calibri"/>
-                        </a:rPr>
-                        <a:t>2.22</a:t>
-                      </a:r>
-                    </a:p>
-                  </a:txBody>
-                  <a:tcPr marL="45720" marR="45720" marT="45720" marB="45720" anchor="t" anchorCtr="0" horzOverflow="overflow">
-                    <a:solidFill>
-                      <a:srgbClr val="CDD4EA"/>
-                    </a:solidFill>
-                  </a:tcPr>
-                </a:tc>
-                <a:tc>
-                  <a:txBody>
-                    <a:bodyPr/>
-                    <a:lstStyle/>
-                    <a:p>
-                      <a:pPr algn="l" defTabSz="914400">
-                        <a:defRPr sz="1800"/>
-                      </a:pPr>
-                      <a:r>
-                        <a:rPr>
-                          <a:latin typeface="+mn-lt"/>
-                          <a:ea typeface="+mn-ea"/>
-                          <a:cs typeface="+mn-cs"/>
-                          <a:sym typeface="Calibri"/>
-                        </a:rPr>
-                        <a:t>73</a:t>
-                      </a:r>
-                    </a:p>
-                  </a:txBody>
-                  <a:tcPr marL="45720" marR="45720" marT="45720" marB="45720" anchor="t" anchorCtr="0" horzOverflow="overflow">
-                    <a:solidFill>
-                      <a:srgbClr val="CDD4EA"/>
-                    </a:solidFill>
-                  </a:tcPr>
-                </a:tc>
-              </a:tr>
-              <a:tr h="370840">
-                <a:tc>
-                  <a:txBody>
-                    <a:bodyPr/>
-                    <a:lstStyle/>
-                    <a:p>
-                      <a:pPr algn="l" defTabSz="914400">
-                        <a:defRPr sz="1800"/>
-                      </a:pPr>
-                      <a:r>
-                        <a:rPr>
-                          <a:latin typeface="+mn-lt"/>
-                          <a:ea typeface="+mn-ea"/>
-                          <a:cs typeface="+mn-cs"/>
-                          <a:sym typeface="Calibri"/>
-                        </a:rPr>
-                        <a:t>QD</a:t>
-                      </a:r>
-                    </a:p>
-                  </a:txBody>
-                  <a:tcPr marL="45720" marR="45720" marT="45720" marB="45720" anchor="t" anchorCtr="0" horzOverflow="overflow">
-                    <a:solidFill>
-                      <a:srgbClr val="E8EBF5"/>
-                    </a:solidFill>
-                  </a:tcPr>
-                </a:tc>
-                <a:tc>
-                  <a:txBody>
-                    <a:bodyPr/>
-                    <a:lstStyle/>
-                    <a:p>
-                      <a:pPr algn="l" defTabSz="914400">
-                        <a:defRPr sz="1800"/>
-                      </a:pPr>
-                      <a:r>
-                        <a:rPr>
-                          <a:latin typeface="+mn-lt"/>
-                          <a:ea typeface="+mn-ea"/>
-                          <a:cs typeface="+mn-cs"/>
-                          <a:sym typeface="Calibri"/>
-                        </a:rPr>
-                        <a:t>E</a:t>
-                      </a:r>
-                    </a:p>
-                  </a:txBody>
-                  <a:tcPr marL="45720" marR="45720" marT="45720" marB="45720" anchor="t" anchorCtr="0" horzOverflow="overflow">
-                    <a:solidFill>
-                      <a:srgbClr val="E8EBF5"/>
-                    </a:solidFill>
-                  </a:tcPr>
-                </a:tc>
-                <a:tc>
-                  <a:txBody>
-                    <a:bodyPr/>
-                    <a:lstStyle/>
-                    <a:p>
-                      <a:pPr algn="l" defTabSz="914400">
-                        <a:defRPr sz="1800"/>
-                      </a:pPr>
-                      <a:r>
-                        <a:rPr>
-                          <a:latin typeface="+mn-lt"/>
-                          <a:ea typeface="+mn-ea"/>
-                          <a:cs typeface="+mn-cs"/>
-                          <a:sym typeface="Calibri"/>
-                        </a:rPr>
-                        <a:t>83.5</a:t>
-                      </a:r>
-                    </a:p>
-                  </a:txBody>
-                  <a:tcPr marL="45720" marR="45720" marT="45720" marB="45720" anchor="t" anchorCtr="0" horzOverflow="overflow">
-                    <a:solidFill>
-                      <a:srgbClr val="E8EBF5"/>
-                    </a:solidFill>
-                  </a:tcPr>
-                </a:tc>
-                <a:tc>
-                  <a:txBody>
-                    <a:bodyPr/>
-                    <a:lstStyle/>
-                    <a:p>
-                      <a:pPr algn="l" defTabSz="914400">
-                        <a:defRPr sz="1800"/>
-                      </a:pPr>
-                      <a:r>
-                        <a:rPr>
-                          <a:latin typeface="+mn-lt"/>
-                          <a:ea typeface="+mn-ea"/>
-                          <a:cs typeface="+mn-cs"/>
-                          <a:sym typeface="Calibri"/>
-                        </a:rPr>
-                        <a:t>13.17</a:t>
-                      </a:r>
-                    </a:p>
-                  </a:txBody>
-                  <a:tcPr marL="45720" marR="45720" marT="45720" marB="45720" anchor="t" anchorCtr="0" horzOverflow="overflow">
-                    <a:solidFill>
-                      <a:srgbClr val="E8EBF5"/>
-                    </a:solidFill>
-                  </a:tcPr>
-                </a:tc>
-                <a:tc>
-                  <a:txBody>
-                    <a:bodyPr/>
-                    <a:lstStyle/>
-                    <a:p>
-                      <a:pPr algn="l" defTabSz="914400">
-                        <a:defRPr sz="1800"/>
-                      </a:pPr>
-                      <a:r>
-                        <a:rPr>
-                          <a:latin typeface="+mn-lt"/>
-                          <a:ea typeface="+mn-ea"/>
-                          <a:cs typeface="+mn-cs"/>
-                          <a:sym typeface="Calibri"/>
-                        </a:rPr>
-                        <a:t>385</a:t>
-                      </a:r>
-                    </a:p>
-                  </a:txBody>
-                  <a:tcPr marL="45720" marR="45720" marT="45720" marB="45720" anchor="t" anchorCtr="0" horzOverflow="overflow">
-                    <a:solidFill>
-                      <a:srgbClr val="E8EBF5"/>
-                    </a:solidFill>
-                  </a:tcPr>
-                </a:tc>
-              </a:tr>
-              <a:tr h="370840">
-                <a:tc>
-                  <a:txBody>
-                    <a:bodyPr/>
-                    <a:lstStyle/>
-                    <a:p>
-                      <a:pPr algn="l" defTabSz="914400">
-                        <a:defRPr sz="1800"/>
-                      </a:pPr>
-                      <a:r>
-                        <a:rPr>
-                          <a:latin typeface="+mn-lt"/>
-                          <a:ea typeface="+mn-ea"/>
-                          <a:cs typeface="+mn-cs"/>
-                          <a:sym typeface="Calibri"/>
-                        </a:rPr>
-                        <a:t>QD</a:t>
-                      </a:r>
-                    </a:p>
-                  </a:txBody>
-                  <a:tcPr marL="45720" marR="45720" marT="45720" marB="45720" anchor="t" anchorCtr="0" horzOverflow="overflow">
-                    <a:solidFill>
-                      <a:srgbClr val="CDD4EA"/>
-                    </a:solidFill>
-                  </a:tcPr>
-                </a:tc>
-                <a:tc>
-                  <a:txBody>
-                    <a:bodyPr/>
-                    <a:lstStyle/>
-                    <a:p>
-                      <a:pPr algn="l" defTabSz="914400">
-                        <a:defRPr sz="1800"/>
-                      </a:pPr>
-                      <a:r>
-                        <a:rPr>
-                          <a:latin typeface="+mn-lt"/>
-                          <a:ea typeface="+mn-ea"/>
-                          <a:cs typeface="+mn-cs"/>
-                          <a:sym typeface="Calibri"/>
-                        </a:rPr>
-                        <a:t>H</a:t>
-                      </a:r>
-                    </a:p>
-                  </a:txBody>
-                  <a:tcPr marL="45720" marR="45720" marT="45720" marB="45720" anchor="t" anchorCtr="0" horzOverflow="overflow">
-                    <a:solidFill>
-                      <a:srgbClr val="CDD4EA"/>
-                    </a:solidFill>
-                  </a:tcPr>
-                </a:tc>
-                <a:tc>
-                  <a:txBody>
-                    <a:bodyPr/>
-                    <a:lstStyle/>
-                    <a:p>
-                      <a:pPr algn="l" defTabSz="914400">
-                        <a:defRPr sz="1800"/>
-                      </a:pPr>
-                      <a:r>
-                        <a:rPr>
-                          <a:latin typeface="+mn-lt"/>
-                          <a:ea typeface="+mn-ea"/>
-                          <a:cs typeface="+mn-cs"/>
-                          <a:sym typeface="Calibri"/>
-                        </a:rPr>
-                        <a:t>53.1</a:t>
-                      </a:r>
-                    </a:p>
-                  </a:txBody>
-                  <a:tcPr marL="45720" marR="45720" marT="45720" marB="45720" anchor="t" anchorCtr="0" horzOverflow="overflow">
-                    <a:solidFill>
-                      <a:srgbClr val="CDD4EA"/>
-                    </a:solidFill>
-                  </a:tcPr>
-                </a:tc>
-                <a:tc>
-                  <a:txBody>
-                    <a:bodyPr/>
-                    <a:lstStyle/>
-                    <a:p>
-                      <a:pPr algn="l" defTabSz="914400">
-                        <a:defRPr sz="1800"/>
-                      </a:pPr>
-                      <a:r>
-                        <a:rPr>
-                          <a:latin typeface="+mn-lt"/>
-                          <a:ea typeface="+mn-ea"/>
-                          <a:cs typeface="+mn-cs"/>
-                          <a:sym typeface="Calibri"/>
-                        </a:rPr>
-                        <a:t>0.38</a:t>
-                      </a:r>
-                    </a:p>
-                  </a:txBody>
-                  <a:tcPr marL="45720" marR="45720" marT="45720" marB="45720" anchor="t" anchorCtr="0" horzOverflow="overflow">
-                    <a:solidFill>
-                      <a:srgbClr val="CDD4EA"/>
-                    </a:solidFill>
-                  </a:tcPr>
-                </a:tc>
-                <a:tc>
-                  <a:txBody>
-                    <a:bodyPr/>
-                    <a:lstStyle/>
-                    <a:p>
-                      <a:pPr algn="l" defTabSz="914400">
-                        <a:defRPr sz="1800"/>
-                      </a:pPr>
-                      <a:r>
-                        <a:rPr>
-                          <a:latin typeface="+mn-lt"/>
-                          <a:ea typeface="+mn-ea"/>
-                          <a:cs typeface="+mn-cs"/>
-                          <a:sym typeface="Calibri"/>
-                        </a:rPr>
-                        <a:t>49</a:t>
-                      </a:r>
-                    </a:p>
-                  </a:txBody>
-                  <a:tcPr marL="45720" marR="45720" marT="45720" marB="45720" anchor="t" anchorCtr="0" horzOverflow="overflow">
-                    <a:solidFill>
-                      <a:srgbClr val="CDD4EA"/>
-                    </a:solidFill>
-                  </a:tcPr>
-                </a:tc>
-              </a:tr>
-            </a:tbl>
-          </a:graphicData>
-        </a:graphic>
-      </p:graphicFrame>
+      <mc:AlternateContent xmlns:mc="http://schemas.openxmlformats.org/markup-compatibility/2006">
+        <mc:Choice xmlns:a14="http://schemas.microsoft.com/office/drawing/2010/main" Requires="a14">
+          <p:graphicFrame>
+            <p:nvGraphicFramePr>
+              <p:cNvPr id="150" name="Content Placeholder 3"/>
+              <p:cNvGraphicFramePr/>
+              <p:nvPr>
+                <p:extLst>
+                  <p:ext uri="{D42A27DB-BD31-4B8C-83A1-F6EECF244321}">
+                    <p14:modId xmlns:p14="http://schemas.microsoft.com/office/powerpoint/2010/main" val="4282548831"/>
+                  </p:ext>
+                </p:extLst>
+              </p:nvPr>
+            </p:nvGraphicFramePr>
+            <p:xfrm>
+              <a:off x="313907" y="1947304"/>
+              <a:ext cx="7744243" cy="2225040"/>
+            </p:xfrm>
+            <a:graphic>
+              <a:graphicData uri="http://schemas.openxmlformats.org/drawingml/2006/table">
+                <a:tbl>
+                  <a:tblPr firstRow="1" bandRow="1">
+                    <a:tableStyleId>{4C3C2611-4C71-4FC5-86AE-919BDF0F9419}</a:tableStyleId>
+                  </a:tblPr>
+                  <a:tblGrid>
+                    <a:gridCol w="1046926">
+                      <a:extLst>
+                        <a:ext uri="{9D8B030D-6E8A-4147-A177-3AD203B41FA5}">
+                          <a16:colId xmlns:a16="http://schemas.microsoft.com/office/drawing/2014/main" val="20000"/>
+                        </a:ext>
+                      </a:extLst>
+                    </a:gridCol>
+                    <a:gridCol w="1089256">
+                      <a:extLst>
+                        <a:ext uri="{9D8B030D-6E8A-4147-A177-3AD203B41FA5}">
+                          <a16:colId xmlns:a16="http://schemas.microsoft.com/office/drawing/2014/main" val="20001"/>
+                        </a:ext>
+                      </a:extLst>
+                    </a:gridCol>
+                    <a:gridCol w="1070394">
+                      <a:extLst>
+                        <a:ext uri="{9D8B030D-6E8A-4147-A177-3AD203B41FA5}">
+                          <a16:colId xmlns:a16="http://schemas.microsoft.com/office/drawing/2014/main" val="20002"/>
+                        </a:ext>
+                      </a:extLst>
+                    </a:gridCol>
+                    <a:gridCol w="2447610">
+                      <a:extLst>
+                        <a:ext uri="{9D8B030D-6E8A-4147-A177-3AD203B41FA5}">
+                          <a16:colId xmlns:a16="http://schemas.microsoft.com/office/drawing/2014/main" val="20003"/>
+                        </a:ext>
+                      </a:extLst>
+                    </a:gridCol>
+                    <a:gridCol w="2090057">
+                      <a:extLst>
+                        <a:ext uri="{9D8B030D-6E8A-4147-A177-3AD203B41FA5}">
+                          <a16:colId xmlns:a16="http://schemas.microsoft.com/office/drawing/2014/main" val="20004"/>
+                        </a:ext>
+                      </a:extLst>
+                    </a:gridCol>
+                  </a:tblGrid>
+                  <a:tr h="370840">
+                    <a:tc>
+                      <a:txBody>
+                        <a:bodyPr/>
+                        <a:lstStyle/>
+                        <a:p>
+                          <a:pPr algn="l" defTabSz="914400">
+                            <a:defRPr sz="1800" b="0">
+                              <a:solidFill>
+                                <a:srgbClr val="000000"/>
+                              </a:solidFill>
+                            </a:defRPr>
+                          </a:pPr>
+                          <a:r>
+                            <a:rPr b="1">
+                              <a:solidFill>
+                                <a:srgbClr val="FFFFFF"/>
+                              </a:solidFill>
+                              <a:latin typeface="+mn-lt"/>
+                              <a:ea typeface="+mn-ea"/>
+                              <a:cs typeface="+mn-cs"/>
+                              <a:sym typeface="Calibri"/>
+                            </a:rPr>
+                            <a:t>Player 1</a:t>
+                          </a:r>
+                        </a:p>
+                      </a:txBody>
+                      <a:tcPr marL="45720" marR="45720" horzOverflow="overflow">
+                        <a:solidFill>
+                          <a:srgbClr val="4472C4"/>
+                        </a:solidFill>
+                      </a:tcPr>
+                    </a:tc>
+                    <a:tc>
+                      <a:txBody>
+                        <a:bodyPr/>
+                        <a:lstStyle/>
+                        <a:p>
+                          <a:pPr algn="l" defTabSz="914400">
+                            <a:defRPr sz="1800" b="0">
+                              <a:solidFill>
+                                <a:srgbClr val="000000"/>
+                              </a:solidFill>
+                            </a:defRPr>
+                          </a:pPr>
+                          <a:r>
+                            <a:rPr b="1">
+                              <a:solidFill>
+                                <a:srgbClr val="FFFFFF"/>
+                              </a:solidFill>
+                              <a:latin typeface="+mn-lt"/>
+                              <a:ea typeface="+mn-ea"/>
+                              <a:cs typeface="+mn-cs"/>
+                              <a:sym typeface="Calibri"/>
+                            </a:rPr>
+                            <a:t>Player 2</a:t>
+                          </a:r>
+                        </a:p>
+                      </a:txBody>
+                      <a:tcPr marL="45720" marR="45720" horzOverflow="overflow">
+                        <a:solidFill>
+                          <a:srgbClr val="4472C4"/>
+                        </a:solidFill>
+                      </a:tcPr>
+                    </a:tc>
+                    <a:tc>
+                      <a:txBody>
+                        <a:bodyPr/>
+                        <a:lstStyle/>
+                        <a:p>
+                          <a:pPr algn="l" defTabSz="914400">
+                            <a:defRPr sz="1800" b="0">
+                              <a:solidFill>
+                                <a:srgbClr val="000000"/>
+                              </a:solidFill>
+                            </a:defRPr>
+                          </a:pPr>
+                          <a:r>
+                            <a:rPr b="1">
+                              <a:solidFill>
+                                <a:srgbClr val="FFFFFF"/>
+                              </a:solidFill>
+                              <a:latin typeface="+mn-lt"/>
+                              <a:ea typeface="+mn-ea"/>
+                              <a:cs typeface="+mn-cs"/>
+                              <a:sym typeface="Calibri"/>
+                            </a:rPr>
+                            <a:t>% Win</a:t>
+                          </a:r>
+                        </a:p>
+                      </a:txBody>
+                      <a:tcPr marL="45720" marR="45720" horzOverflow="overflow">
+                        <a:solidFill>
+                          <a:srgbClr val="4472C4"/>
+                        </a:solidFill>
+                      </a:tcPr>
+                    </a:tc>
+                    <a:tc>
+                      <a:txBody>
+                        <a:bodyPr/>
+                        <a:lstStyle/>
+                        <a:p>
+                          <a:pPr algn="l" defTabSz="914400">
+                            <a:defRPr sz="1800" b="0">
+                              <a:solidFill>
+                                <a:srgbClr val="000000"/>
+                              </a:solidFill>
+                            </a:defRPr>
+                          </a:pPr>
+                          <a:r>
+                            <a:rPr lang="en-US" b="1" dirty="0">
+                              <a:solidFill>
+                                <a:srgbClr val="FFFFFF"/>
+                              </a:solidFill>
+                              <a:latin typeface="+mn-lt"/>
+                              <a:ea typeface="+mn-ea"/>
+                              <a:cs typeface="+mn-cs"/>
+                              <a:sym typeface="Calibri"/>
+                            </a:rPr>
+                            <a:t>z-score (</a:t>
+                          </a:r>
+                          <a14:m>
+                            <m:oMath xmlns:m="http://schemas.openxmlformats.org/officeDocument/2006/math">
+                              <m:sSub>
+                                <m:sSubPr>
+                                  <m:ctrlPr>
+                                    <a:rPr lang="en-US" b="1" i="1" smtClean="0">
+                                      <a:solidFill>
+                                        <a:srgbClr val="FFFFFF"/>
+                                      </a:solidFill>
+                                      <a:latin typeface="Cambria Math" panose="02040503050406030204" pitchFamily="18" charset="0"/>
+                                      <a:ea typeface="+mn-ea"/>
+                                      <a:cs typeface="+mn-cs"/>
+                                      <a:sym typeface="Calibri"/>
+                                    </a:rPr>
+                                  </m:ctrlPr>
+                                </m:sSubPr>
+                                <m:e>
+                                  <m:r>
+                                    <a:rPr lang="en-US" b="1" i="1" smtClean="0">
+                                      <a:solidFill>
+                                        <a:srgbClr val="FFFFFF"/>
+                                      </a:solidFill>
+                                      <a:latin typeface="Cambria Math" panose="02040503050406030204" pitchFamily="18" charset="0"/>
+                                      <a:ea typeface="+mn-ea"/>
+                                      <a:cs typeface="+mn-cs"/>
+                                      <a:sym typeface="Calibri"/>
+                                    </a:rPr>
+                                    <m:t>𝑯</m:t>
+                                  </m:r>
+                                </m:e>
+                                <m:sub>
+                                  <m:r>
+                                    <a:rPr lang="en-US" b="1" i="1" smtClean="0">
+                                      <a:solidFill>
+                                        <a:srgbClr val="FFFFFF"/>
+                                      </a:solidFill>
+                                      <a:latin typeface="Cambria Math" panose="02040503050406030204" pitchFamily="18" charset="0"/>
+                                      <a:ea typeface="+mn-ea"/>
+                                      <a:cs typeface="+mn-cs"/>
+                                      <a:sym typeface="Calibri"/>
+                                    </a:rPr>
+                                    <m:t>𝟎</m:t>
+                                  </m:r>
+                                </m:sub>
+                              </m:sSub>
+                              <m:r>
+                                <a:rPr lang="en-US" b="1" i="1" smtClean="0">
+                                  <a:solidFill>
+                                    <a:srgbClr val="FFFFFF"/>
+                                  </a:solidFill>
+                                  <a:latin typeface="Cambria Math" panose="02040503050406030204" pitchFamily="18" charset="0"/>
+                                  <a:ea typeface="+mn-ea"/>
+                                  <a:cs typeface="+mn-cs"/>
+                                  <a:sym typeface="Calibri"/>
+                                </a:rPr>
+                                <m:t>:</m:t>
+                              </m:r>
+                              <m:r>
+                                <a:rPr lang="en-US" b="1" i="1" smtClean="0">
+                                  <a:solidFill>
+                                    <a:srgbClr val="FFFFFF"/>
+                                  </a:solidFill>
+                                  <a:latin typeface="Cambria Math" panose="02040503050406030204" pitchFamily="18" charset="0"/>
+                                  <a:ea typeface="+mn-ea"/>
+                                  <a:cs typeface="+mn-cs"/>
+                                  <a:sym typeface="Calibri"/>
+                                </a:rPr>
+                                <m:t>𝒑</m:t>
+                              </m:r>
+                              <m:r>
+                                <a:rPr lang="en-US" b="1" i="1" smtClean="0">
+                                  <a:solidFill>
+                                    <a:srgbClr val="FFFFFF"/>
+                                  </a:solidFill>
+                                  <a:latin typeface="Cambria Math" panose="02040503050406030204" pitchFamily="18" charset="0"/>
+                                  <a:ea typeface="+mn-ea"/>
+                                  <a:cs typeface="+mn-cs"/>
+                                  <a:sym typeface="Calibri"/>
+                                </a:rPr>
+                                <m:t>=</m:t>
+                              </m:r>
+                              <m:r>
+                                <a:rPr lang="en-US" b="1" i="1" smtClean="0">
+                                  <a:solidFill>
+                                    <a:srgbClr val="FFFFFF"/>
+                                  </a:solidFill>
+                                  <a:latin typeface="Cambria Math" panose="02040503050406030204" pitchFamily="18" charset="0"/>
+                                  <a:ea typeface="+mn-ea"/>
+                                  <a:cs typeface="+mn-cs"/>
+                                  <a:sym typeface="Calibri"/>
+                                </a:rPr>
+                                <m:t>𝟎</m:t>
+                              </m:r>
+                              <m:r>
+                                <a:rPr lang="en-US" b="1" i="1" smtClean="0">
+                                  <a:solidFill>
+                                    <a:srgbClr val="FFFFFF"/>
+                                  </a:solidFill>
+                                  <a:latin typeface="Cambria Math" panose="02040503050406030204" pitchFamily="18" charset="0"/>
+                                  <a:ea typeface="+mn-ea"/>
+                                  <a:cs typeface="+mn-cs"/>
+                                  <a:sym typeface="Calibri"/>
+                                </a:rPr>
+                                <m:t>.</m:t>
+                              </m:r>
+                              <m:r>
+                                <a:rPr lang="en-US" b="1" i="1" smtClean="0">
+                                  <a:solidFill>
+                                    <a:srgbClr val="FFFFFF"/>
+                                  </a:solidFill>
+                                  <a:latin typeface="Cambria Math" panose="02040503050406030204" pitchFamily="18" charset="0"/>
+                                  <a:ea typeface="+mn-ea"/>
+                                  <a:cs typeface="+mn-cs"/>
+                                  <a:sym typeface="Calibri"/>
+                                </a:rPr>
+                                <m:t>𝟓</m:t>
+                              </m:r>
+                            </m:oMath>
+                          </a14:m>
+                          <a:r>
+                            <a:rPr lang="en-US" b="1" dirty="0">
+                              <a:solidFill>
+                                <a:srgbClr val="FFFFFF"/>
+                              </a:solidFill>
+                              <a:latin typeface="+mn-lt"/>
+                              <a:ea typeface="+mn-ea"/>
+                              <a:cs typeface="+mn-cs"/>
+                              <a:sym typeface="Calibri"/>
+                            </a:rPr>
+                            <a:t>)</a:t>
+                          </a:r>
+                          <a:endParaRPr b="1" dirty="0">
+                            <a:solidFill>
+                              <a:srgbClr val="FFFFFF"/>
+                            </a:solidFill>
+                            <a:latin typeface="+mn-lt"/>
+                            <a:ea typeface="+mn-ea"/>
+                            <a:cs typeface="+mn-cs"/>
+                            <a:sym typeface="Calibri"/>
+                          </a:endParaRPr>
+                        </a:p>
+                      </a:txBody>
+                      <a:tcPr marL="45720" marR="45720" horzOverflow="overflow">
+                        <a:solidFill>
+                          <a:srgbClr val="4472C4"/>
+                        </a:solidFill>
+                      </a:tcPr>
+                    </a:tc>
+                    <a:tc>
+                      <a:txBody>
+                        <a:bodyPr/>
+                        <a:lstStyle/>
+                        <a:p>
+                          <a:pPr algn="l" defTabSz="914400">
+                            <a:defRPr sz="1800" b="0">
+                              <a:solidFill>
+                                <a:srgbClr val="000000"/>
+                              </a:solidFill>
+                            </a:defRPr>
+                          </a:pPr>
+                          <a:r>
+                            <a:rPr b="1">
+                              <a:solidFill>
+                                <a:srgbClr val="FFFFFF"/>
+                              </a:solidFill>
+                              <a:latin typeface="+mn-lt"/>
+                              <a:ea typeface="+mn-ea"/>
+                              <a:cs typeface="+mn-cs"/>
+                              <a:sym typeface="Calibri"/>
+                            </a:rPr>
+                            <a:t>Number of Trials</a:t>
+                          </a:r>
+                        </a:p>
+                      </a:txBody>
+                      <a:tcPr marL="45720" marR="45720" horzOverflow="overflow">
+                        <a:solidFill>
+                          <a:srgbClr val="4472C4"/>
+                        </a:solidFill>
+                      </a:tcPr>
+                    </a:tc>
+                    <a:extLst>
+                      <a:ext uri="{0D108BD9-81ED-4DB2-BD59-A6C34878D82A}">
+                        <a16:rowId xmlns:a16="http://schemas.microsoft.com/office/drawing/2014/main" val="10000"/>
+                      </a:ext>
+                    </a:extLst>
+                  </a:tr>
+                  <a:tr h="370840">
+                    <a:tc>
+                      <a:txBody>
+                        <a:bodyPr/>
+                        <a:lstStyle/>
+                        <a:p>
+                          <a:pPr algn="l" defTabSz="914400">
+                            <a:defRPr sz="1800"/>
+                          </a:pPr>
+                          <a:r>
+                            <a:rPr>
+                              <a:latin typeface="+mn-lt"/>
+                              <a:ea typeface="+mn-ea"/>
+                              <a:cs typeface="+mn-cs"/>
+                              <a:sym typeface="Calibri"/>
+                            </a:rPr>
+                            <a:t>E</a:t>
+                          </a:r>
+                        </a:p>
+                      </a:txBody>
+                      <a:tcPr marL="45720" marR="45720" horzOverflow="overflow">
+                        <a:solidFill>
+                          <a:srgbClr val="CDD4EA"/>
+                        </a:solidFill>
+                      </a:tcPr>
+                    </a:tc>
+                    <a:tc>
+                      <a:txBody>
+                        <a:bodyPr/>
+                        <a:lstStyle/>
+                        <a:p>
+                          <a:pPr algn="l" defTabSz="914400">
+                            <a:defRPr sz="1800"/>
+                          </a:pPr>
+                          <a:r>
+                            <a:rPr>
+                              <a:latin typeface="+mn-lt"/>
+                              <a:ea typeface="+mn-ea"/>
+                              <a:cs typeface="+mn-cs"/>
+                              <a:sym typeface="Calibri"/>
+                            </a:rPr>
+                            <a:t>R</a:t>
+                          </a:r>
+                        </a:p>
+                      </a:txBody>
+                      <a:tcPr marL="45720" marR="45720" horzOverflow="overflow">
+                        <a:solidFill>
+                          <a:srgbClr val="CDD4EA"/>
+                        </a:solidFill>
+                      </a:tcPr>
+                    </a:tc>
+                    <a:tc>
+                      <a:txBody>
+                        <a:bodyPr/>
+                        <a:lstStyle/>
+                        <a:p>
+                          <a:pPr algn="l" defTabSz="914400">
+                            <a:defRPr sz="1800"/>
+                          </a:pPr>
+                          <a:r>
+                            <a:rPr>
+                              <a:latin typeface="+mn-lt"/>
+                              <a:ea typeface="+mn-ea"/>
+                              <a:cs typeface="+mn-cs"/>
+                              <a:sym typeface="Calibri"/>
+                            </a:rPr>
+                            <a:t>77.4</a:t>
+                          </a:r>
+                        </a:p>
+                      </a:txBody>
+                      <a:tcPr marL="45720" marR="45720" horzOverflow="overflow">
+                        <a:solidFill>
+                          <a:srgbClr val="CDD4EA"/>
+                        </a:solidFill>
+                      </a:tcPr>
+                    </a:tc>
+                    <a:tc>
+                      <a:txBody>
+                        <a:bodyPr/>
+                        <a:lstStyle/>
+                        <a:p>
+                          <a:pPr algn="l" defTabSz="914400">
+                            <a:defRPr sz="1800"/>
+                          </a:pPr>
+                          <a:r>
+                            <a:rPr>
+                              <a:latin typeface="+mn-lt"/>
+                              <a:ea typeface="+mn-ea"/>
+                              <a:cs typeface="+mn-cs"/>
+                              <a:sym typeface="Calibri"/>
+                            </a:rPr>
+                            <a:t>5.29</a:t>
+                          </a:r>
+                        </a:p>
+                      </a:txBody>
+                      <a:tcPr marL="45720" marR="45720" horzOverflow="overflow">
+                        <a:solidFill>
+                          <a:srgbClr val="CDD4EA"/>
+                        </a:solidFill>
+                      </a:tcPr>
+                    </a:tc>
+                    <a:tc>
+                      <a:txBody>
+                        <a:bodyPr/>
+                        <a:lstStyle/>
+                        <a:p>
+                          <a:pPr algn="l" defTabSz="914400">
+                            <a:defRPr sz="1800"/>
+                          </a:pPr>
+                          <a:r>
+                            <a:rPr>
+                              <a:latin typeface="+mn-lt"/>
+                              <a:ea typeface="+mn-ea"/>
+                              <a:cs typeface="+mn-cs"/>
+                              <a:sym typeface="Calibri"/>
+                            </a:rPr>
+                            <a:t>97</a:t>
+                          </a:r>
+                        </a:p>
+                      </a:txBody>
+                      <a:tcPr marL="45720" marR="45720" horzOverflow="overflow">
+                        <a:solidFill>
+                          <a:srgbClr val="CDD4EA"/>
+                        </a:solidFill>
+                      </a:tcPr>
+                    </a:tc>
+                    <a:extLst>
+                      <a:ext uri="{0D108BD9-81ED-4DB2-BD59-A6C34878D82A}">
+                        <a16:rowId xmlns:a16="http://schemas.microsoft.com/office/drawing/2014/main" val="10001"/>
+                      </a:ext>
+                    </a:extLst>
+                  </a:tr>
+                  <a:tr h="370840">
+                    <a:tc>
+                      <a:txBody>
+                        <a:bodyPr/>
+                        <a:lstStyle/>
+                        <a:p>
+                          <a:pPr algn="l" defTabSz="914400">
+                            <a:defRPr sz="1800"/>
+                          </a:pPr>
+                          <a:r>
+                            <a:rPr>
+                              <a:latin typeface="+mn-lt"/>
+                              <a:ea typeface="+mn-ea"/>
+                              <a:cs typeface="+mn-cs"/>
+                              <a:sym typeface="Calibri"/>
+                            </a:rPr>
+                            <a:t>QD</a:t>
+                          </a:r>
+                        </a:p>
+                      </a:txBody>
+                      <a:tcPr marL="45720" marR="45720" horzOverflow="overflow">
+                        <a:solidFill>
+                          <a:srgbClr val="E8EBF5"/>
+                        </a:solidFill>
+                      </a:tcPr>
+                    </a:tc>
+                    <a:tc>
+                      <a:txBody>
+                        <a:bodyPr/>
+                        <a:lstStyle/>
+                        <a:p>
+                          <a:pPr algn="l" defTabSz="914400">
+                            <a:defRPr sz="1800"/>
+                          </a:pPr>
+                          <a:r>
+                            <a:rPr>
+                              <a:latin typeface="+mn-lt"/>
+                              <a:ea typeface="+mn-ea"/>
+                              <a:cs typeface="+mn-cs"/>
+                              <a:sym typeface="Calibri"/>
+                            </a:rPr>
+                            <a:t>R</a:t>
+                          </a:r>
+                        </a:p>
+                      </a:txBody>
+                      <a:tcPr marL="45720" marR="45720" horzOverflow="overflow">
+                        <a:solidFill>
+                          <a:srgbClr val="E8EBF5"/>
+                        </a:solidFill>
+                      </a:tcPr>
+                    </a:tc>
+                    <a:tc>
+                      <a:txBody>
+                        <a:bodyPr/>
+                        <a:lstStyle/>
+                        <a:p>
+                          <a:pPr algn="l" defTabSz="914400">
+                            <a:defRPr sz="1800"/>
+                          </a:pPr>
+                          <a:r>
+                            <a:rPr>
+                              <a:latin typeface="+mn-lt"/>
+                              <a:ea typeface="+mn-ea"/>
+                              <a:cs typeface="+mn-cs"/>
+                              <a:sym typeface="Calibri"/>
+                            </a:rPr>
+                            <a:t>95.9</a:t>
+                          </a:r>
+                        </a:p>
+                      </a:txBody>
+                      <a:tcPr marL="45720" marR="45720" horzOverflow="overflow">
+                        <a:solidFill>
+                          <a:srgbClr val="E8EBF5"/>
+                        </a:solidFill>
+                      </a:tcPr>
+                    </a:tc>
+                    <a:tc>
+                      <a:txBody>
+                        <a:bodyPr/>
+                        <a:lstStyle/>
+                        <a:p>
+                          <a:pPr algn="l" defTabSz="914400">
+                            <a:defRPr sz="1800"/>
+                          </a:pPr>
+                          <a:r>
+                            <a:rPr>
+                              <a:latin typeface="+mn-lt"/>
+                              <a:ea typeface="+mn-ea"/>
+                              <a:cs typeface="+mn-cs"/>
+                              <a:sym typeface="Calibri"/>
+                            </a:rPr>
+                            <a:t>9.04</a:t>
+                          </a:r>
+                        </a:p>
+                      </a:txBody>
+                      <a:tcPr marL="45720" marR="45720" horzOverflow="overflow">
+                        <a:solidFill>
+                          <a:srgbClr val="E8EBF5"/>
+                        </a:solidFill>
+                      </a:tcPr>
+                    </a:tc>
+                    <a:tc>
+                      <a:txBody>
+                        <a:bodyPr/>
+                        <a:lstStyle/>
+                        <a:p>
+                          <a:pPr algn="l" defTabSz="914400">
+                            <a:defRPr sz="1800"/>
+                          </a:pPr>
+                          <a:r>
+                            <a:rPr>
+                              <a:latin typeface="+mn-lt"/>
+                              <a:ea typeface="+mn-ea"/>
+                              <a:cs typeface="+mn-cs"/>
+                              <a:sym typeface="Calibri"/>
+                            </a:rPr>
+                            <a:t>97</a:t>
+                          </a:r>
+                        </a:p>
+                      </a:txBody>
+                      <a:tcPr marL="45720" marR="45720" horzOverflow="overflow">
+                        <a:solidFill>
+                          <a:srgbClr val="E8EBF5"/>
+                        </a:solidFill>
+                      </a:tcPr>
+                    </a:tc>
+                    <a:extLst>
+                      <a:ext uri="{0D108BD9-81ED-4DB2-BD59-A6C34878D82A}">
+                        <a16:rowId xmlns:a16="http://schemas.microsoft.com/office/drawing/2014/main" val="10002"/>
+                      </a:ext>
+                    </a:extLst>
+                  </a:tr>
+                  <a:tr h="370840">
+                    <a:tc>
+                      <a:txBody>
+                        <a:bodyPr/>
+                        <a:lstStyle/>
+                        <a:p>
+                          <a:pPr algn="l" defTabSz="914400">
+                            <a:defRPr sz="1800"/>
+                          </a:pPr>
+                          <a:r>
+                            <a:rPr>
+                              <a:latin typeface="+mn-lt"/>
+                              <a:ea typeface="+mn-ea"/>
+                              <a:cs typeface="+mn-cs"/>
+                              <a:sym typeface="Calibri"/>
+                            </a:rPr>
+                            <a:t>QC</a:t>
+                          </a:r>
+                        </a:p>
+                      </a:txBody>
+                      <a:tcPr marL="45720" marR="45720" horzOverflow="overflow">
+                        <a:solidFill>
+                          <a:srgbClr val="CDD4EA"/>
+                        </a:solidFill>
+                      </a:tcPr>
+                    </a:tc>
+                    <a:tc>
+                      <a:txBody>
+                        <a:bodyPr/>
+                        <a:lstStyle/>
+                        <a:p>
+                          <a:pPr algn="l" defTabSz="914400">
+                            <a:defRPr sz="1800"/>
+                          </a:pPr>
+                          <a:r>
+                            <a:rPr>
+                              <a:latin typeface="+mn-lt"/>
+                              <a:ea typeface="+mn-ea"/>
+                              <a:cs typeface="+mn-cs"/>
+                              <a:sym typeface="Calibri"/>
+                            </a:rPr>
+                            <a:t>R</a:t>
+                          </a:r>
+                        </a:p>
+                      </a:txBody>
+                      <a:tcPr marL="45720" marR="45720" horzOverflow="overflow">
+                        <a:solidFill>
+                          <a:srgbClr val="CDD4EA"/>
+                        </a:solidFill>
+                      </a:tcPr>
+                    </a:tc>
+                    <a:tc>
+                      <a:txBody>
+                        <a:bodyPr/>
+                        <a:lstStyle/>
+                        <a:p>
+                          <a:pPr algn="l" defTabSz="914400">
+                            <a:defRPr sz="1800"/>
+                          </a:pPr>
+                          <a:r>
+                            <a:rPr>
+                              <a:latin typeface="+mn-lt"/>
+                              <a:ea typeface="+mn-ea"/>
+                              <a:cs typeface="+mn-cs"/>
+                              <a:sym typeface="Calibri"/>
+                            </a:rPr>
+                            <a:t>63.0</a:t>
+                          </a:r>
+                        </a:p>
+                      </a:txBody>
+                      <a:tcPr marL="45720" marR="45720" horzOverflow="overflow">
+                        <a:solidFill>
+                          <a:srgbClr val="CDD4EA"/>
+                        </a:solidFill>
+                      </a:tcPr>
+                    </a:tc>
+                    <a:tc>
+                      <a:txBody>
+                        <a:bodyPr/>
+                        <a:lstStyle/>
+                        <a:p>
+                          <a:pPr algn="l" defTabSz="914400">
+                            <a:defRPr sz="1800"/>
+                          </a:pPr>
+                          <a:r>
+                            <a:rPr>
+                              <a:latin typeface="+mn-lt"/>
+                              <a:ea typeface="+mn-ea"/>
+                              <a:cs typeface="+mn-cs"/>
+                              <a:sym typeface="Calibri"/>
+                            </a:rPr>
+                            <a:t>2.22</a:t>
+                          </a:r>
+                        </a:p>
+                      </a:txBody>
+                      <a:tcPr marL="45720" marR="45720" horzOverflow="overflow">
+                        <a:solidFill>
+                          <a:srgbClr val="CDD4EA"/>
+                        </a:solidFill>
+                      </a:tcPr>
+                    </a:tc>
+                    <a:tc>
+                      <a:txBody>
+                        <a:bodyPr/>
+                        <a:lstStyle/>
+                        <a:p>
+                          <a:pPr algn="l" defTabSz="914400">
+                            <a:defRPr sz="1800"/>
+                          </a:pPr>
+                          <a:r>
+                            <a:rPr>
+                              <a:latin typeface="+mn-lt"/>
+                              <a:ea typeface="+mn-ea"/>
+                              <a:cs typeface="+mn-cs"/>
+                              <a:sym typeface="Calibri"/>
+                            </a:rPr>
+                            <a:t>73</a:t>
+                          </a:r>
+                        </a:p>
+                      </a:txBody>
+                      <a:tcPr marL="45720" marR="45720" horzOverflow="overflow">
+                        <a:solidFill>
+                          <a:srgbClr val="CDD4EA"/>
+                        </a:solidFill>
+                      </a:tcPr>
+                    </a:tc>
+                    <a:extLst>
+                      <a:ext uri="{0D108BD9-81ED-4DB2-BD59-A6C34878D82A}">
+                        <a16:rowId xmlns:a16="http://schemas.microsoft.com/office/drawing/2014/main" val="10003"/>
+                      </a:ext>
+                    </a:extLst>
+                  </a:tr>
+                  <a:tr h="370840">
+                    <a:tc>
+                      <a:txBody>
+                        <a:bodyPr/>
+                        <a:lstStyle/>
+                        <a:p>
+                          <a:pPr algn="l" defTabSz="914400">
+                            <a:defRPr sz="1800"/>
+                          </a:pPr>
+                          <a:r>
+                            <a:rPr>
+                              <a:latin typeface="+mn-lt"/>
+                              <a:ea typeface="+mn-ea"/>
+                              <a:cs typeface="+mn-cs"/>
+                              <a:sym typeface="Calibri"/>
+                            </a:rPr>
+                            <a:t>QD</a:t>
+                          </a:r>
+                        </a:p>
+                      </a:txBody>
+                      <a:tcPr marL="45720" marR="45720" horzOverflow="overflow">
+                        <a:solidFill>
+                          <a:srgbClr val="E8EBF5"/>
+                        </a:solidFill>
+                      </a:tcPr>
+                    </a:tc>
+                    <a:tc>
+                      <a:txBody>
+                        <a:bodyPr/>
+                        <a:lstStyle/>
+                        <a:p>
+                          <a:pPr algn="l" defTabSz="914400">
+                            <a:defRPr sz="1800"/>
+                          </a:pPr>
+                          <a:r>
+                            <a:rPr>
+                              <a:latin typeface="+mn-lt"/>
+                              <a:ea typeface="+mn-ea"/>
+                              <a:cs typeface="+mn-cs"/>
+                              <a:sym typeface="Calibri"/>
+                            </a:rPr>
+                            <a:t>E</a:t>
+                          </a:r>
+                        </a:p>
+                      </a:txBody>
+                      <a:tcPr marL="45720" marR="45720" horzOverflow="overflow">
+                        <a:solidFill>
+                          <a:srgbClr val="E8EBF5"/>
+                        </a:solidFill>
+                      </a:tcPr>
+                    </a:tc>
+                    <a:tc>
+                      <a:txBody>
+                        <a:bodyPr/>
+                        <a:lstStyle/>
+                        <a:p>
+                          <a:pPr algn="l" defTabSz="914400">
+                            <a:defRPr sz="1800"/>
+                          </a:pPr>
+                          <a:r>
+                            <a:rPr>
+                              <a:latin typeface="+mn-lt"/>
+                              <a:ea typeface="+mn-ea"/>
+                              <a:cs typeface="+mn-cs"/>
+                              <a:sym typeface="Calibri"/>
+                            </a:rPr>
+                            <a:t>83.5</a:t>
+                          </a:r>
+                        </a:p>
+                      </a:txBody>
+                      <a:tcPr marL="45720" marR="45720" horzOverflow="overflow">
+                        <a:solidFill>
+                          <a:srgbClr val="E8EBF5"/>
+                        </a:solidFill>
+                      </a:tcPr>
+                    </a:tc>
+                    <a:tc>
+                      <a:txBody>
+                        <a:bodyPr/>
+                        <a:lstStyle/>
+                        <a:p>
+                          <a:pPr algn="l" defTabSz="914400">
+                            <a:defRPr sz="1800"/>
+                          </a:pPr>
+                          <a:r>
+                            <a:rPr>
+                              <a:latin typeface="+mn-lt"/>
+                              <a:ea typeface="+mn-ea"/>
+                              <a:cs typeface="+mn-cs"/>
+                              <a:sym typeface="Calibri"/>
+                            </a:rPr>
+                            <a:t>13.17</a:t>
+                          </a:r>
+                        </a:p>
+                      </a:txBody>
+                      <a:tcPr marL="45720" marR="45720" horzOverflow="overflow">
+                        <a:solidFill>
+                          <a:srgbClr val="E8EBF5"/>
+                        </a:solidFill>
+                      </a:tcPr>
+                    </a:tc>
+                    <a:tc>
+                      <a:txBody>
+                        <a:bodyPr/>
+                        <a:lstStyle/>
+                        <a:p>
+                          <a:pPr algn="l" defTabSz="914400">
+                            <a:defRPr sz="1800"/>
+                          </a:pPr>
+                          <a:r>
+                            <a:rPr>
+                              <a:latin typeface="+mn-lt"/>
+                              <a:ea typeface="+mn-ea"/>
+                              <a:cs typeface="+mn-cs"/>
+                              <a:sym typeface="Calibri"/>
+                            </a:rPr>
+                            <a:t>385</a:t>
+                          </a:r>
+                        </a:p>
+                      </a:txBody>
+                      <a:tcPr marL="45720" marR="45720" horzOverflow="overflow">
+                        <a:solidFill>
+                          <a:srgbClr val="E8EBF5"/>
+                        </a:solidFill>
+                      </a:tcPr>
+                    </a:tc>
+                    <a:extLst>
+                      <a:ext uri="{0D108BD9-81ED-4DB2-BD59-A6C34878D82A}">
+                        <a16:rowId xmlns:a16="http://schemas.microsoft.com/office/drawing/2014/main" val="10004"/>
+                      </a:ext>
+                    </a:extLst>
+                  </a:tr>
+                  <a:tr h="370840">
+                    <a:tc>
+                      <a:txBody>
+                        <a:bodyPr/>
+                        <a:lstStyle/>
+                        <a:p>
+                          <a:pPr algn="l" defTabSz="914400">
+                            <a:defRPr sz="1800"/>
+                          </a:pPr>
+                          <a:r>
+                            <a:rPr>
+                              <a:latin typeface="+mn-lt"/>
+                              <a:ea typeface="+mn-ea"/>
+                              <a:cs typeface="+mn-cs"/>
+                              <a:sym typeface="Calibri"/>
+                            </a:rPr>
+                            <a:t>QD</a:t>
+                          </a:r>
+                        </a:p>
+                      </a:txBody>
+                      <a:tcPr marL="45720" marR="45720" horzOverflow="overflow">
+                        <a:solidFill>
+                          <a:srgbClr val="CDD4EA"/>
+                        </a:solidFill>
+                      </a:tcPr>
+                    </a:tc>
+                    <a:tc>
+                      <a:txBody>
+                        <a:bodyPr/>
+                        <a:lstStyle/>
+                        <a:p>
+                          <a:pPr algn="l" defTabSz="914400">
+                            <a:defRPr sz="1800"/>
+                          </a:pPr>
+                          <a:r>
+                            <a:rPr>
+                              <a:latin typeface="+mn-lt"/>
+                              <a:ea typeface="+mn-ea"/>
+                              <a:cs typeface="+mn-cs"/>
+                              <a:sym typeface="Calibri"/>
+                            </a:rPr>
+                            <a:t>H</a:t>
+                          </a:r>
+                        </a:p>
+                      </a:txBody>
+                      <a:tcPr marL="45720" marR="45720" horzOverflow="overflow">
+                        <a:solidFill>
+                          <a:srgbClr val="CDD4EA"/>
+                        </a:solidFill>
+                      </a:tcPr>
+                    </a:tc>
+                    <a:tc>
+                      <a:txBody>
+                        <a:bodyPr/>
+                        <a:lstStyle/>
+                        <a:p>
+                          <a:pPr algn="l" defTabSz="914400">
+                            <a:defRPr sz="1800"/>
+                          </a:pPr>
+                          <a:r>
+                            <a:rPr>
+                              <a:latin typeface="+mn-lt"/>
+                              <a:ea typeface="+mn-ea"/>
+                              <a:cs typeface="+mn-cs"/>
+                              <a:sym typeface="Calibri"/>
+                            </a:rPr>
+                            <a:t>53.1</a:t>
+                          </a:r>
+                        </a:p>
+                      </a:txBody>
+                      <a:tcPr marL="45720" marR="45720" horzOverflow="overflow">
+                        <a:solidFill>
+                          <a:srgbClr val="CDD4EA"/>
+                        </a:solidFill>
+                      </a:tcPr>
+                    </a:tc>
+                    <a:tc>
+                      <a:txBody>
+                        <a:bodyPr/>
+                        <a:lstStyle/>
+                        <a:p>
+                          <a:pPr algn="l" defTabSz="914400">
+                            <a:defRPr sz="1800"/>
+                          </a:pPr>
+                          <a:r>
+                            <a:rPr>
+                              <a:latin typeface="+mn-lt"/>
+                              <a:ea typeface="+mn-ea"/>
+                              <a:cs typeface="+mn-cs"/>
+                              <a:sym typeface="Calibri"/>
+                            </a:rPr>
+                            <a:t>0.38</a:t>
+                          </a:r>
+                        </a:p>
+                      </a:txBody>
+                      <a:tcPr marL="45720" marR="45720" horzOverflow="overflow">
+                        <a:solidFill>
+                          <a:srgbClr val="CDD4EA"/>
+                        </a:solidFill>
+                      </a:tcPr>
+                    </a:tc>
+                    <a:tc>
+                      <a:txBody>
+                        <a:bodyPr/>
+                        <a:lstStyle/>
+                        <a:p>
+                          <a:pPr algn="l" defTabSz="914400">
+                            <a:defRPr sz="1800"/>
+                          </a:pPr>
+                          <a:r>
+                            <a:rPr dirty="0">
+                              <a:latin typeface="+mn-lt"/>
+                              <a:ea typeface="+mn-ea"/>
+                              <a:cs typeface="+mn-cs"/>
+                              <a:sym typeface="Calibri"/>
+                            </a:rPr>
+                            <a:t>49</a:t>
+                          </a:r>
+                        </a:p>
+                      </a:txBody>
+                      <a:tcPr marL="45720" marR="45720" horzOverflow="overflow">
+                        <a:solidFill>
+                          <a:srgbClr val="CDD4EA"/>
+                        </a:solidFill>
+                      </a:tcPr>
+                    </a:tc>
+                    <a:extLst>
+                      <a:ext uri="{0D108BD9-81ED-4DB2-BD59-A6C34878D82A}">
+                        <a16:rowId xmlns:a16="http://schemas.microsoft.com/office/drawing/2014/main" val="10005"/>
+                      </a:ext>
+                    </a:extLst>
+                  </a:tr>
+                </a:tbl>
+              </a:graphicData>
+            </a:graphic>
+          </p:graphicFrame>
+        </mc:Choice>
+        <mc:Fallback>
+          <p:graphicFrame>
+            <p:nvGraphicFramePr>
+              <p:cNvPr id="150" name="Content Placeholder 3"/>
+              <p:cNvGraphicFramePr/>
+              <p:nvPr>
+                <p:extLst>
+                  <p:ext uri="{D42A27DB-BD31-4B8C-83A1-F6EECF244321}">
+                    <p14:modId xmlns:p14="http://schemas.microsoft.com/office/powerpoint/2010/main" val="4282548831"/>
+                  </p:ext>
+                </p:extLst>
+              </p:nvPr>
+            </p:nvGraphicFramePr>
+            <p:xfrm>
+              <a:off x="313907" y="1947304"/>
+              <a:ext cx="7744243" cy="2225040"/>
+            </p:xfrm>
+            <a:graphic>
+              <a:graphicData uri="http://schemas.openxmlformats.org/drawingml/2006/table">
+                <a:tbl>
+                  <a:tblPr firstRow="1" bandRow="1">
+                    <a:tableStyleId>{4C3C2611-4C71-4FC5-86AE-919BDF0F9419}</a:tableStyleId>
+                  </a:tblPr>
+                  <a:tblGrid>
+                    <a:gridCol w="1046926">
+                      <a:extLst>
+                        <a:ext uri="{9D8B030D-6E8A-4147-A177-3AD203B41FA5}">
+                          <a16:colId xmlns:a16="http://schemas.microsoft.com/office/drawing/2014/main" val="20000"/>
+                        </a:ext>
+                      </a:extLst>
+                    </a:gridCol>
+                    <a:gridCol w="1089256">
+                      <a:extLst>
+                        <a:ext uri="{9D8B030D-6E8A-4147-A177-3AD203B41FA5}">
+                          <a16:colId xmlns:a16="http://schemas.microsoft.com/office/drawing/2014/main" val="20001"/>
+                        </a:ext>
+                      </a:extLst>
+                    </a:gridCol>
+                    <a:gridCol w="1070394">
+                      <a:extLst>
+                        <a:ext uri="{9D8B030D-6E8A-4147-A177-3AD203B41FA5}">
+                          <a16:colId xmlns:a16="http://schemas.microsoft.com/office/drawing/2014/main" val="20002"/>
+                        </a:ext>
+                      </a:extLst>
+                    </a:gridCol>
+                    <a:gridCol w="2447610">
+                      <a:extLst>
+                        <a:ext uri="{9D8B030D-6E8A-4147-A177-3AD203B41FA5}">
+                          <a16:colId xmlns:a16="http://schemas.microsoft.com/office/drawing/2014/main" val="20003"/>
+                        </a:ext>
+                      </a:extLst>
+                    </a:gridCol>
+                    <a:gridCol w="2090057">
+                      <a:extLst>
+                        <a:ext uri="{9D8B030D-6E8A-4147-A177-3AD203B41FA5}">
+                          <a16:colId xmlns:a16="http://schemas.microsoft.com/office/drawing/2014/main" val="20004"/>
+                        </a:ext>
+                      </a:extLst>
+                    </a:gridCol>
+                  </a:tblGrid>
+                  <a:tr h="370840">
+                    <a:tc>
+                      <a:txBody>
+                        <a:bodyPr/>
+                        <a:lstStyle/>
+                        <a:p>
+                          <a:pPr algn="l" defTabSz="914400">
+                            <a:defRPr sz="1800" b="0">
+                              <a:solidFill>
+                                <a:srgbClr val="000000"/>
+                              </a:solidFill>
+                            </a:defRPr>
+                          </a:pPr>
+                          <a:r>
+                            <a:rPr b="1">
+                              <a:solidFill>
+                                <a:srgbClr val="FFFFFF"/>
+                              </a:solidFill>
+                              <a:latin typeface="+mn-lt"/>
+                              <a:ea typeface="+mn-ea"/>
+                              <a:cs typeface="+mn-cs"/>
+                              <a:sym typeface="Calibri"/>
+                            </a:rPr>
+                            <a:t>Player 1</a:t>
+                          </a:r>
+                        </a:p>
+                      </a:txBody>
+                      <a:tcPr marL="45720" marR="45720" horzOverflow="overflow">
+                        <a:solidFill>
+                          <a:srgbClr val="4472C4"/>
+                        </a:solidFill>
+                      </a:tcPr>
+                    </a:tc>
+                    <a:tc>
+                      <a:txBody>
+                        <a:bodyPr/>
+                        <a:lstStyle/>
+                        <a:p>
+                          <a:pPr algn="l" defTabSz="914400">
+                            <a:defRPr sz="1800" b="0">
+                              <a:solidFill>
+                                <a:srgbClr val="000000"/>
+                              </a:solidFill>
+                            </a:defRPr>
+                          </a:pPr>
+                          <a:r>
+                            <a:rPr b="1">
+                              <a:solidFill>
+                                <a:srgbClr val="FFFFFF"/>
+                              </a:solidFill>
+                              <a:latin typeface="+mn-lt"/>
+                              <a:ea typeface="+mn-ea"/>
+                              <a:cs typeface="+mn-cs"/>
+                              <a:sym typeface="Calibri"/>
+                            </a:rPr>
+                            <a:t>Player 2</a:t>
+                          </a:r>
+                        </a:p>
+                      </a:txBody>
+                      <a:tcPr marL="45720" marR="45720" horzOverflow="overflow">
+                        <a:solidFill>
+                          <a:srgbClr val="4472C4"/>
+                        </a:solidFill>
+                      </a:tcPr>
+                    </a:tc>
+                    <a:tc>
+                      <a:txBody>
+                        <a:bodyPr/>
+                        <a:lstStyle/>
+                        <a:p>
+                          <a:pPr algn="l" defTabSz="914400">
+                            <a:defRPr sz="1800" b="0">
+                              <a:solidFill>
+                                <a:srgbClr val="000000"/>
+                              </a:solidFill>
+                            </a:defRPr>
+                          </a:pPr>
+                          <a:r>
+                            <a:rPr b="1">
+                              <a:solidFill>
+                                <a:srgbClr val="FFFFFF"/>
+                              </a:solidFill>
+                              <a:latin typeface="+mn-lt"/>
+                              <a:ea typeface="+mn-ea"/>
+                              <a:cs typeface="+mn-cs"/>
+                              <a:sym typeface="Calibri"/>
+                            </a:rPr>
+                            <a:t>% Win</a:t>
+                          </a:r>
+                        </a:p>
+                      </a:txBody>
+                      <a:tcPr marL="45720" marR="45720" horzOverflow="overflow">
+                        <a:solidFill>
+                          <a:srgbClr val="4472C4"/>
+                        </a:solidFill>
+                      </a:tcPr>
+                    </a:tc>
+                    <a:tc>
+                      <a:txBody>
+                        <a:bodyPr/>
+                        <a:lstStyle/>
+                        <a:p>
+                          <a:endParaRPr lang="en-US"/>
+                        </a:p>
+                      </a:txBody>
+                      <a:tcPr marL="45720" marR="45720" horzOverflow="overflow">
+                        <a:blipFill>
+                          <a:blip r:embed="rId2"/>
+                          <a:stretch>
+                            <a:fillRect l="-134826" t="-8197" r="-86567" b="-524590"/>
+                          </a:stretch>
+                        </a:blipFill>
+                      </a:tcPr>
+                    </a:tc>
+                    <a:tc>
+                      <a:txBody>
+                        <a:bodyPr/>
+                        <a:lstStyle/>
+                        <a:p>
+                          <a:pPr algn="l" defTabSz="914400">
+                            <a:defRPr sz="1800" b="0">
+                              <a:solidFill>
+                                <a:srgbClr val="000000"/>
+                              </a:solidFill>
+                            </a:defRPr>
+                          </a:pPr>
+                          <a:r>
+                            <a:rPr b="1">
+                              <a:solidFill>
+                                <a:srgbClr val="FFFFFF"/>
+                              </a:solidFill>
+                              <a:latin typeface="+mn-lt"/>
+                              <a:ea typeface="+mn-ea"/>
+                              <a:cs typeface="+mn-cs"/>
+                              <a:sym typeface="Calibri"/>
+                            </a:rPr>
+                            <a:t>Number of Trials</a:t>
+                          </a:r>
+                        </a:p>
+                      </a:txBody>
+                      <a:tcPr marL="45720" marR="45720" horzOverflow="overflow">
+                        <a:solidFill>
+                          <a:srgbClr val="4472C4"/>
+                        </a:solidFill>
+                      </a:tcPr>
+                    </a:tc>
+                    <a:extLst>
+                      <a:ext uri="{0D108BD9-81ED-4DB2-BD59-A6C34878D82A}">
+                        <a16:rowId xmlns:a16="http://schemas.microsoft.com/office/drawing/2014/main" val="10000"/>
+                      </a:ext>
+                    </a:extLst>
+                  </a:tr>
+                  <a:tr h="370840">
+                    <a:tc>
+                      <a:txBody>
+                        <a:bodyPr/>
+                        <a:lstStyle/>
+                        <a:p>
+                          <a:pPr algn="l" defTabSz="914400">
+                            <a:defRPr sz="1800"/>
+                          </a:pPr>
+                          <a:r>
+                            <a:rPr>
+                              <a:latin typeface="+mn-lt"/>
+                              <a:ea typeface="+mn-ea"/>
+                              <a:cs typeface="+mn-cs"/>
+                              <a:sym typeface="Calibri"/>
+                            </a:rPr>
+                            <a:t>E</a:t>
+                          </a:r>
+                        </a:p>
+                      </a:txBody>
+                      <a:tcPr marL="45720" marR="45720" horzOverflow="overflow">
+                        <a:solidFill>
+                          <a:srgbClr val="CDD4EA"/>
+                        </a:solidFill>
+                      </a:tcPr>
+                    </a:tc>
+                    <a:tc>
+                      <a:txBody>
+                        <a:bodyPr/>
+                        <a:lstStyle/>
+                        <a:p>
+                          <a:pPr algn="l" defTabSz="914400">
+                            <a:defRPr sz="1800"/>
+                          </a:pPr>
+                          <a:r>
+                            <a:rPr>
+                              <a:latin typeface="+mn-lt"/>
+                              <a:ea typeface="+mn-ea"/>
+                              <a:cs typeface="+mn-cs"/>
+                              <a:sym typeface="Calibri"/>
+                            </a:rPr>
+                            <a:t>R</a:t>
+                          </a:r>
+                        </a:p>
+                      </a:txBody>
+                      <a:tcPr marL="45720" marR="45720" horzOverflow="overflow">
+                        <a:solidFill>
+                          <a:srgbClr val="CDD4EA"/>
+                        </a:solidFill>
+                      </a:tcPr>
+                    </a:tc>
+                    <a:tc>
+                      <a:txBody>
+                        <a:bodyPr/>
+                        <a:lstStyle/>
+                        <a:p>
+                          <a:pPr algn="l" defTabSz="914400">
+                            <a:defRPr sz="1800"/>
+                          </a:pPr>
+                          <a:r>
+                            <a:rPr>
+                              <a:latin typeface="+mn-lt"/>
+                              <a:ea typeface="+mn-ea"/>
+                              <a:cs typeface="+mn-cs"/>
+                              <a:sym typeface="Calibri"/>
+                            </a:rPr>
+                            <a:t>77.4</a:t>
+                          </a:r>
+                        </a:p>
+                      </a:txBody>
+                      <a:tcPr marL="45720" marR="45720" horzOverflow="overflow">
+                        <a:solidFill>
+                          <a:srgbClr val="CDD4EA"/>
+                        </a:solidFill>
+                      </a:tcPr>
+                    </a:tc>
+                    <a:tc>
+                      <a:txBody>
+                        <a:bodyPr/>
+                        <a:lstStyle/>
+                        <a:p>
+                          <a:pPr algn="l" defTabSz="914400">
+                            <a:defRPr sz="1800"/>
+                          </a:pPr>
+                          <a:r>
+                            <a:rPr>
+                              <a:latin typeface="+mn-lt"/>
+                              <a:ea typeface="+mn-ea"/>
+                              <a:cs typeface="+mn-cs"/>
+                              <a:sym typeface="Calibri"/>
+                            </a:rPr>
+                            <a:t>5.29</a:t>
+                          </a:r>
+                        </a:p>
+                      </a:txBody>
+                      <a:tcPr marL="45720" marR="45720" horzOverflow="overflow">
+                        <a:solidFill>
+                          <a:srgbClr val="CDD4EA"/>
+                        </a:solidFill>
+                      </a:tcPr>
+                    </a:tc>
+                    <a:tc>
+                      <a:txBody>
+                        <a:bodyPr/>
+                        <a:lstStyle/>
+                        <a:p>
+                          <a:pPr algn="l" defTabSz="914400">
+                            <a:defRPr sz="1800"/>
+                          </a:pPr>
+                          <a:r>
+                            <a:rPr>
+                              <a:latin typeface="+mn-lt"/>
+                              <a:ea typeface="+mn-ea"/>
+                              <a:cs typeface="+mn-cs"/>
+                              <a:sym typeface="Calibri"/>
+                            </a:rPr>
+                            <a:t>97</a:t>
+                          </a:r>
+                        </a:p>
+                      </a:txBody>
+                      <a:tcPr marL="45720" marR="45720" horzOverflow="overflow">
+                        <a:solidFill>
+                          <a:srgbClr val="CDD4EA"/>
+                        </a:solidFill>
+                      </a:tcPr>
+                    </a:tc>
+                    <a:extLst>
+                      <a:ext uri="{0D108BD9-81ED-4DB2-BD59-A6C34878D82A}">
+                        <a16:rowId xmlns:a16="http://schemas.microsoft.com/office/drawing/2014/main" val="10001"/>
+                      </a:ext>
+                    </a:extLst>
+                  </a:tr>
+                  <a:tr h="370840">
+                    <a:tc>
+                      <a:txBody>
+                        <a:bodyPr/>
+                        <a:lstStyle/>
+                        <a:p>
+                          <a:pPr algn="l" defTabSz="914400">
+                            <a:defRPr sz="1800"/>
+                          </a:pPr>
+                          <a:r>
+                            <a:rPr>
+                              <a:latin typeface="+mn-lt"/>
+                              <a:ea typeface="+mn-ea"/>
+                              <a:cs typeface="+mn-cs"/>
+                              <a:sym typeface="Calibri"/>
+                            </a:rPr>
+                            <a:t>QD</a:t>
+                          </a:r>
+                        </a:p>
+                      </a:txBody>
+                      <a:tcPr marL="45720" marR="45720" horzOverflow="overflow">
+                        <a:solidFill>
+                          <a:srgbClr val="E8EBF5"/>
+                        </a:solidFill>
+                      </a:tcPr>
+                    </a:tc>
+                    <a:tc>
+                      <a:txBody>
+                        <a:bodyPr/>
+                        <a:lstStyle/>
+                        <a:p>
+                          <a:pPr algn="l" defTabSz="914400">
+                            <a:defRPr sz="1800"/>
+                          </a:pPr>
+                          <a:r>
+                            <a:rPr>
+                              <a:latin typeface="+mn-lt"/>
+                              <a:ea typeface="+mn-ea"/>
+                              <a:cs typeface="+mn-cs"/>
+                              <a:sym typeface="Calibri"/>
+                            </a:rPr>
+                            <a:t>R</a:t>
+                          </a:r>
+                        </a:p>
+                      </a:txBody>
+                      <a:tcPr marL="45720" marR="45720" horzOverflow="overflow">
+                        <a:solidFill>
+                          <a:srgbClr val="E8EBF5"/>
+                        </a:solidFill>
+                      </a:tcPr>
+                    </a:tc>
+                    <a:tc>
+                      <a:txBody>
+                        <a:bodyPr/>
+                        <a:lstStyle/>
+                        <a:p>
+                          <a:pPr algn="l" defTabSz="914400">
+                            <a:defRPr sz="1800"/>
+                          </a:pPr>
+                          <a:r>
+                            <a:rPr>
+                              <a:latin typeface="+mn-lt"/>
+                              <a:ea typeface="+mn-ea"/>
+                              <a:cs typeface="+mn-cs"/>
+                              <a:sym typeface="Calibri"/>
+                            </a:rPr>
+                            <a:t>95.9</a:t>
+                          </a:r>
+                        </a:p>
+                      </a:txBody>
+                      <a:tcPr marL="45720" marR="45720" horzOverflow="overflow">
+                        <a:solidFill>
+                          <a:srgbClr val="E8EBF5"/>
+                        </a:solidFill>
+                      </a:tcPr>
+                    </a:tc>
+                    <a:tc>
+                      <a:txBody>
+                        <a:bodyPr/>
+                        <a:lstStyle/>
+                        <a:p>
+                          <a:pPr algn="l" defTabSz="914400">
+                            <a:defRPr sz="1800"/>
+                          </a:pPr>
+                          <a:r>
+                            <a:rPr>
+                              <a:latin typeface="+mn-lt"/>
+                              <a:ea typeface="+mn-ea"/>
+                              <a:cs typeface="+mn-cs"/>
+                              <a:sym typeface="Calibri"/>
+                            </a:rPr>
+                            <a:t>9.04</a:t>
+                          </a:r>
+                        </a:p>
+                      </a:txBody>
+                      <a:tcPr marL="45720" marR="45720" horzOverflow="overflow">
+                        <a:solidFill>
+                          <a:srgbClr val="E8EBF5"/>
+                        </a:solidFill>
+                      </a:tcPr>
+                    </a:tc>
+                    <a:tc>
+                      <a:txBody>
+                        <a:bodyPr/>
+                        <a:lstStyle/>
+                        <a:p>
+                          <a:pPr algn="l" defTabSz="914400">
+                            <a:defRPr sz="1800"/>
+                          </a:pPr>
+                          <a:r>
+                            <a:rPr>
+                              <a:latin typeface="+mn-lt"/>
+                              <a:ea typeface="+mn-ea"/>
+                              <a:cs typeface="+mn-cs"/>
+                              <a:sym typeface="Calibri"/>
+                            </a:rPr>
+                            <a:t>97</a:t>
+                          </a:r>
+                        </a:p>
+                      </a:txBody>
+                      <a:tcPr marL="45720" marR="45720" horzOverflow="overflow">
+                        <a:solidFill>
+                          <a:srgbClr val="E8EBF5"/>
+                        </a:solidFill>
+                      </a:tcPr>
+                    </a:tc>
+                    <a:extLst>
+                      <a:ext uri="{0D108BD9-81ED-4DB2-BD59-A6C34878D82A}">
+                        <a16:rowId xmlns:a16="http://schemas.microsoft.com/office/drawing/2014/main" val="10002"/>
+                      </a:ext>
+                    </a:extLst>
+                  </a:tr>
+                  <a:tr h="370840">
+                    <a:tc>
+                      <a:txBody>
+                        <a:bodyPr/>
+                        <a:lstStyle/>
+                        <a:p>
+                          <a:pPr algn="l" defTabSz="914400">
+                            <a:defRPr sz="1800"/>
+                          </a:pPr>
+                          <a:r>
+                            <a:rPr>
+                              <a:latin typeface="+mn-lt"/>
+                              <a:ea typeface="+mn-ea"/>
+                              <a:cs typeface="+mn-cs"/>
+                              <a:sym typeface="Calibri"/>
+                            </a:rPr>
+                            <a:t>QC</a:t>
+                          </a:r>
+                        </a:p>
+                      </a:txBody>
+                      <a:tcPr marL="45720" marR="45720" horzOverflow="overflow">
+                        <a:solidFill>
+                          <a:srgbClr val="CDD4EA"/>
+                        </a:solidFill>
+                      </a:tcPr>
+                    </a:tc>
+                    <a:tc>
+                      <a:txBody>
+                        <a:bodyPr/>
+                        <a:lstStyle/>
+                        <a:p>
+                          <a:pPr algn="l" defTabSz="914400">
+                            <a:defRPr sz="1800"/>
+                          </a:pPr>
+                          <a:r>
+                            <a:rPr>
+                              <a:latin typeface="+mn-lt"/>
+                              <a:ea typeface="+mn-ea"/>
+                              <a:cs typeface="+mn-cs"/>
+                              <a:sym typeface="Calibri"/>
+                            </a:rPr>
+                            <a:t>R</a:t>
+                          </a:r>
+                        </a:p>
+                      </a:txBody>
+                      <a:tcPr marL="45720" marR="45720" horzOverflow="overflow">
+                        <a:solidFill>
+                          <a:srgbClr val="CDD4EA"/>
+                        </a:solidFill>
+                      </a:tcPr>
+                    </a:tc>
+                    <a:tc>
+                      <a:txBody>
+                        <a:bodyPr/>
+                        <a:lstStyle/>
+                        <a:p>
+                          <a:pPr algn="l" defTabSz="914400">
+                            <a:defRPr sz="1800"/>
+                          </a:pPr>
+                          <a:r>
+                            <a:rPr>
+                              <a:latin typeface="+mn-lt"/>
+                              <a:ea typeface="+mn-ea"/>
+                              <a:cs typeface="+mn-cs"/>
+                              <a:sym typeface="Calibri"/>
+                            </a:rPr>
+                            <a:t>63.0</a:t>
+                          </a:r>
+                        </a:p>
+                      </a:txBody>
+                      <a:tcPr marL="45720" marR="45720" horzOverflow="overflow">
+                        <a:solidFill>
+                          <a:srgbClr val="CDD4EA"/>
+                        </a:solidFill>
+                      </a:tcPr>
+                    </a:tc>
+                    <a:tc>
+                      <a:txBody>
+                        <a:bodyPr/>
+                        <a:lstStyle/>
+                        <a:p>
+                          <a:pPr algn="l" defTabSz="914400">
+                            <a:defRPr sz="1800"/>
+                          </a:pPr>
+                          <a:r>
+                            <a:rPr>
+                              <a:latin typeface="+mn-lt"/>
+                              <a:ea typeface="+mn-ea"/>
+                              <a:cs typeface="+mn-cs"/>
+                              <a:sym typeface="Calibri"/>
+                            </a:rPr>
+                            <a:t>2.22</a:t>
+                          </a:r>
+                        </a:p>
+                      </a:txBody>
+                      <a:tcPr marL="45720" marR="45720" horzOverflow="overflow">
+                        <a:solidFill>
+                          <a:srgbClr val="CDD4EA"/>
+                        </a:solidFill>
+                      </a:tcPr>
+                    </a:tc>
+                    <a:tc>
+                      <a:txBody>
+                        <a:bodyPr/>
+                        <a:lstStyle/>
+                        <a:p>
+                          <a:pPr algn="l" defTabSz="914400">
+                            <a:defRPr sz="1800"/>
+                          </a:pPr>
+                          <a:r>
+                            <a:rPr>
+                              <a:latin typeface="+mn-lt"/>
+                              <a:ea typeface="+mn-ea"/>
+                              <a:cs typeface="+mn-cs"/>
+                              <a:sym typeface="Calibri"/>
+                            </a:rPr>
+                            <a:t>73</a:t>
+                          </a:r>
+                        </a:p>
+                      </a:txBody>
+                      <a:tcPr marL="45720" marR="45720" horzOverflow="overflow">
+                        <a:solidFill>
+                          <a:srgbClr val="CDD4EA"/>
+                        </a:solidFill>
+                      </a:tcPr>
+                    </a:tc>
+                    <a:extLst>
+                      <a:ext uri="{0D108BD9-81ED-4DB2-BD59-A6C34878D82A}">
+                        <a16:rowId xmlns:a16="http://schemas.microsoft.com/office/drawing/2014/main" val="10003"/>
+                      </a:ext>
+                    </a:extLst>
+                  </a:tr>
+                  <a:tr h="370840">
+                    <a:tc>
+                      <a:txBody>
+                        <a:bodyPr/>
+                        <a:lstStyle/>
+                        <a:p>
+                          <a:pPr algn="l" defTabSz="914400">
+                            <a:defRPr sz="1800"/>
+                          </a:pPr>
+                          <a:r>
+                            <a:rPr>
+                              <a:latin typeface="+mn-lt"/>
+                              <a:ea typeface="+mn-ea"/>
+                              <a:cs typeface="+mn-cs"/>
+                              <a:sym typeface="Calibri"/>
+                            </a:rPr>
+                            <a:t>QD</a:t>
+                          </a:r>
+                        </a:p>
+                      </a:txBody>
+                      <a:tcPr marL="45720" marR="45720" horzOverflow="overflow">
+                        <a:solidFill>
+                          <a:srgbClr val="E8EBF5"/>
+                        </a:solidFill>
+                      </a:tcPr>
+                    </a:tc>
+                    <a:tc>
+                      <a:txBody>
+                        <a:bodyPr/>
+                        <a:lstStyle/>
+                        <a:p>
+                          <a:pPr algn="l" defTabSz="914400">
+                            <a:defRPr sz="1800"/>
+                          </a:pPr>
+                          <a:r>
+                            <a:rPr>
+                              <a:latin typeface="+mn-lt"/>
+                              <a:ea typeface="+mn-ea"/>
+                              <a:cs typeface="+mn-cs"/>
+                              <a:sym typeface="Calibri"/>
+                            </a:rPr>
+                            <a:t>E</a:t>
+                          </a:r>
+                        </a:p>
+                      </a:txBody>
+                      <a:tcPr marL="45720" marR="45720" horzOverflow="overflow">
+                        <a:solidFill>
+                          <a:srgbClr val="E8EBF5"/>
+                        </a:solidFill>
+                      </a:tcPr>
+                    </a:tc>
+                    <a:tc>
+                      <a:txBody>
+                        <a:bodyPr/>
+                        <a:lstStyle/>
+                        <a:p>
+                          <a:pPr algn="l" defTabSz="914400">
+                            <a:defRPr sz="1800"/>
+                          </a:pPr>
+                          <a:r>
+                            <a:rPr>
+                              <a:latin typeface="+mn-lt"/>
+                              <a:ea typeface="+mn-ea"/>
+                              <a:cs typeface="+mn-cs"/>
+                              <a:sym typeface="Calibri"/>
+                            </a:rPr>
+                            <a:t>83.5</a:t>
+                          </a:r>
+                        </a:p>
+                      </a:txBody>
+                      <a:tcPr marL="45720" marR="45720" horzOverflow="overflow">
+                        <a:solidFill>
+                          <a:srgbClr val="E8EBF5"/>
+                        </a:solidFill>
+                      </a:tcPr>
+                    </a:tc>
+                    <a:tc>
+                      <a:txBody>
+                        <a:bodyPr/>
+                        <a:lstStyle/>
+                        <a:p>
+                          <a:pPr algn="l" defTabSz="914400">
+                            <a:defRPr sz="1800"/>
+                          </a:pPr>
+                          <a:r>
+                            <a:rPr>
+                              <a:latin typeface="+mn-lt"/>
+                              <a:ea typeface="+mn-ea"/>
+                              <a:cs typeface="+mn-cs"/>
+                              <a:sym typeface="Calibri"/>
+                            </a:rPr>
+                            <a:t>13.17</a:t>
+                          </a:r>
+                        </a:p>
+                      </a:txBody>
+                      <a:tcPr marL="45720" marR="45720" horzOverflow="overflow">
+                        <a:solidFill>
+                          <a:srgbClr val="E8EBF5"/>
+                        </a:solidFill>
+                      </a:tcPr>
+                    </a:tc>
+                    <a:tc>
+                      <a:txBody>
+                        <a:bodyPr/>
+                        <a:lstStyle/>
+                        <a:p>
+                          <a:pPr algn="l" defTabSz="914400">
+                            <a:defRPr sz="1800"/>
+                          </a:pPr>
+                          <a:r>
+                            <a:rPr>
+                              <a:latin typeface="+mn-lt"/>
+                              <a:ea typeface="+mn-ea"/>
+                              <a:cs typeface="+mn-cs"/>
+                              <a:sym typeface="Calibri"/>
+                            </a:rPr>
+                            <a:t>385</a:t>
+                          </a:r>
+                        </a:p>
+                      </a:txBody>
+                      <a:tcPr marL="45720" marR="45720" horzOverflow="overflow">
+                        <a:solidFill>
+                          <a:srgbClr val="E8EBF5"/>
+                        </a:solidFill>
+                      </a:tcPr>
+                    </a:tc>
+                    <a:extLst>
+                      <a:ext uri="{0D108BD9-81ED-4DB2-BD59-A6C34878D82A}">
+                        <a16:rowId xmlns:a16="http://schemas.microsoft.com/office/drawing/2014/main" val="10004"/>
+                      </a:ext>
+                    </a:extLst>
+                  </a:tr>
+                  <a:tr h="370840">
+                    <a:tc>
+                      <a:txBody>
+                        <a:bodyPr/>
+                        <a:lstStyle/>
+                        <a:p>
+                          <a:pPr algn="l" defTabSz="914400">
+                            <a:defRPr sz="1800"/>
+                          </a:pPr>
+                          <a:r>
+                            <a:rPr>
+                              <a:latin typeface="+mn-lt"/>
+                              <a:ea typeface="+mn-ea"/>
+                              <a:cs typeface="+mn-cs"/>
+                              <a:sym typeface="Calibri"/>
+                            </a:rPr>
+                            <a:t>QD</a:t>
+                          </a:r>
+                        </a:p>
+                      </a:txBody>
+                      <a:tcPr marL="45720" marR="45720" horzOverflow="overflow">
+                        <a:solidFill>
+                          <a:srgbClr val="CDD4EA"/>
+                        </a:solidFill>
+                      </a:tcPr>
+                    </a:tc>
+                    <a:tc>
+                      <a:txBody>
+                        <a:bodyPr/>
+                        <a:lstStyle/>
+                        <a:p>
+                          <a:pPr algn="l" defTabSz="914400">
+                            <a:defRPr sz="1800"/>
+                          </a:pPr>
+                          <a:r>
+                            <a:rPr>
+                              <a:latin typeface="+mn-lt"/>
+                              <a:ea typeface="+mn-ea"/>
+                              <a:cs typeface="+mn-cs"/>
+                              <a:sym typeface="Calibri"/>
+                            </a:rPr>
+                            <a:t>H</a:t>
+                          </a:r>
+                        </a:p>
+                      </a:txBody>
+                      <a:tcPr marL="45720" marR="45720" horzOverflow="overflow">
+                        <a:solidFill>
+                          <a:srgbClr val="CDD4EA"/>
+                        </a:solidFill>
+                      </a:tcPr>
+                    </a:tc>
+                    <a:tc>
+                      <a:txBody>
+                        <a:bodyPr/>
+                        <a:lstStyle/>
+                        <a:p>
+                          <a:pPr algn="l" defTabSz="914400">
+                            <a:defRPr sz="1800"/>
+                          </a:pPr>
+                          <a:r>
+                            <a:rPr>
+                              <a:latin typeface="+mn-lt"/>
+                              <a:ea typeface="+mn-ea"/>
+                              <a:cs typeface="+mn-cs"/>
+                              <a:sym typeface="Calibri"/>
+                            </a:rPr>
+                            <a:t>53.1</a:t>
+                          </a:r>
+                        </a:p>
+                      </a:txBody>
+                      <a:tcPr marL="45720" marR="45720" horzOverflow="overflow">
+                        <a:solidFill>
+                          <a:srgbClr val="CDD4EA"/>
+                        </a:solidFill>
+                      </a:tcPr>
+                    </a:tc>
+                    <a:tc>
+                      <a:txBody>
+                        <a:bodyPr/>
+                        <a:lstStyle/>
+                        <a:p>
+                          <a:pPr algn="l" defTabSz="914400">
+                            <a:defRPr sz="1800"/>
+                          </a:pPr>
+                          <a:r>
+                            <a:rPr>
+                              <a:latin typeface="+mn-lt"/>
+                              <a:ea typeface="+mn-ea"/>
+                              <a:cs typeface="+mn-cs"/>
+                              <a:sym typeface="Calibri"/>
+                            </a:rPr>
+                            <a:t>0.38</a:t>
+                          </a:r>
+                        </a:p>
+                      </a:txBody>
+                      <a:tcPr marL="45720" marR="45720" horzOverflow="overflow">
+                        <a:solidFill>
+                          <a:srgbClr val="CDD4EA"/>
+                        </a:solidFill>
+                      </a:tcPr>
+                    </a:tc>
+                    <a:tc>
+                      <a:txBody>
+                        <a:bodyPr/>
+                        <a:lstStyle/>
+                        <a:p>
+                          <a:pPr algn="l" defTabSz="914400">
+                            <a:defRPr sz="1800"/>
+                          </a:pPr>
+                          <a:r>
+                            <a:rPr dirty="0">
+                              <a:latin typeface="+mn-lt"/>
+                              <a:ea typeface="+mn-ea"/>
+                              <a:cs typeface="+mn-cs"/>
+                              <a:sym typeface="Calibri"/>
+                            </a:rPr>
+                            <a:t>49</a:t>
+                          </a:r>
+                        </a:p>
+                      </a:txBody>
+                      <a:tcPr marL="45720" marR="45720" horzOverflow="overflow">
+                        <a:solidFill>
+                          <a:srgbClr val="CDD4EA"/>
+                        </a:solidFill>
+                      </a:tcPr>
+                    </a:tc>
+                    <a:extLst>
+                      <a:ext uri="{0D108BD9-81ED-4DB2-BD59-A6C34878D82A}">
+                        <a16:rowId xmlns:a16="http://schemas.microsoft.com/office/drawing/2014/main" val="10005"/>
+                      </a:ext>
+                    </a:extLst>
+                  </a:tr>
+                </a:tbl>
+              </a:graphicData>
+            </a:graphic>
+          </p:graphicFrame>
+        </mc:Fallback>
+      </mc:AlternateContent>
       <p:sp>
         <p:nvSpPr>
           <p:cNvPr id="151" name="TextBox 4"/>
@@ -7273,7 +8614,7 @@
           </a:ln>
           <a:extLst>
             <a:ext uri="{C572A759-6A51-4108-AA02-DFA0A04FC94B}">
-              <ma14:wrappingTextBoxFlag xmlns:ma14="http://schemas.microsoft.com/office/mac/drawingml/2011/main" val="1"/>
+              <ma14:wrappingTextBoxFlag xmlns:ma14="http://schemas.microsoft.com/office/mac/drawingml/2011/main" xmlns:a14="http://schemas.microsoft.com/office/drawing/2010/main" xmlns:m="http://schemas.openxmlformats.org/officeDocument/2006/math" xmlns="" val="1"/>
             </a:ext>
           </a:extLst>
         </p:spPr>
@@ -7292,7 +8633,6 @@
             </a:lvl1pPr>
           </a:lstStyle>
           <a:p>
-            <a:pPr/>
             <a:r>
               <a:t>*There is a significant amount of randomness involved in sequence so no player should have a 100% win-rate.</a:t>
             </a:r>
@@ -7304,12 +8644,12 @@
   <p:clrMapOvr>
     <a:masterClrMapping/>
   </p:clrMapOvr>
-  <p:transition xmlns:p14="http://schemas.microsoft.com/office/powerpoint/2010/main" spd="med" advClick="1"/>
+  <p:transition spd="med"/>
 </p:sld>
 </file>
 
 <file path=ppt/slides/slide8.xml><?xml version="1.0" encoding="utf-8"?>
-<p:sld xmlns:a="http://schemas.openxmlformats.org/drawingml/2006/main" xmlns:r="http://schemas.openxmlformats.org/officeDocument/2006/relationships" xmlns:p="http://schemas.openxmlformats.org/presentationml/2006/main" xmlns:m="http://schemas.openxmlformats.org/officeDocument/2006/math" xmlns:a14="http://schemas.microsoft.com/office/drawing/2010/main" showMasterSp="1" showMasterPhAnim="1">
+<p:sld xmlns:a="http://schemas.openxmlformats.org/drawingml/2006/main" xmlns:r="http://schemas.openxmlformats.org/officeDocument/2006/relationships" xmlns:p="http://schemas.openxmlformats.org/presentationml/2006/main">
   <p:cSld>
     <p:spTree>
       <p:nvGrpSpPr>
@@ -7328,7 +8668,9 @@
       <p:sp>
         <p:nvSpPr>
           <p:cNvPr id="153" name="Title 1"/>
-          <p:cNvSpPr txBox="1"/>
+          <p:cNvSpPr txBox="1">
+            <a:spLocks noGrp="1"/>
+          </p:cNvSpPr>
           <p:nvPr>
             <p:ph type="title"/>
           </p:nvPr>
@@ -7346,7 +8688,6 @@
           <a:bodyPr/>
           <a:lstStyle/>
           <a:p>
-            <a:pPr/>
             <a:r>
               <a:t>Conclusions</a:t>
             </a:r>
@@ -7372,13 +8713,13 @@
           </a:ln>
           <a:extLst>
             <a:ext uri="{C572A759-6A51-4108-AA02-DFA0A04FC94B}">
-              <ma14:wrappingTextBoxFlag xmlns:ma14="http://schemas.microsoft.com/office/mac/drawingml/2011/main" val="1"/>
+              <ma14:wrappingTextBoxFlag xmlns:ma14="http://schemas.microsoft.com/office/mac/drawingml/2011/main" xmlns:a14="http://schemas.microsoft.com/office/drawing/2010/main" xmlns:m="http://schemas.openxmlformats.org/officeDocument/2006/math" xmlns="" val="1"/>
             </a:ext>
           </a:extLst>
         </p:spPr>
         <p:txBody>
           <a:bodyPr lIns="45718" tIns="45718" rIns="45718" bIns="45718">
-            <a:normAutofit fontScale="100000" lnSpcReduction="0"/>
+            <a:normAutofit/>
           </a:bodyPr>
           <a:lstStyle/>
           <a:p>
@@ -7421,6 +8762,7 @@
                 <a:sym typeface="Calibri"/>
               </a:defRPr>
             </a:pPr>
+            <a:endParaRPr/>
           </a:p>
           <a:p>
             <a:pPr marL="228600" indent="-228600" defTabSz="914400">
@@ -7462,6 +8804,7 @@
                 <a:sym typeface="Calibri"/>
               </a:defRPr>
             </a:pPr>
+            <a:endParaRPr/>
           </a:p>
           <a:p>
             <a:pPr marL="228600" indent="-228600" defTabSz="914400">
@@ -7492,12 +8835,12 @@
   <p:clrMapOvr>
     <a:masterClrMapping/>
   </p:clrMapOvr>
-  <p:transition xmlns:p14="http://schemas.microsoft.com/office/powerpoint/2010/main" spd="med" advClick="1"/>
+  <p:transition spd="med"/>
 </p:sld>
 </file>
 
 <file path=ppt/slides/slide9.xml><?xml version="1.0" encoding="utf-8"?>
-<p:sld xmlns:a="http://schemas.openxmlformats.org/drawingml/2006/main" xmlns:r="http://schemas.openxmlformats.org/officeDocument/2006/relationships" xmlns:p="http://schemas.openxmlformats.org/presentationml/2006/main" xmlns:m="http://schemas.openxmlformats.org/officeDocument/2006/math" xmlns:a14="http://schemas.microsoft.com/office/drawing/2010/main" showMasterSp="1" showMasterPhAnim="1">
+<p:sld xmlns:a="http://schemas.openxmlformats.org/drawingml/2006/main" xmlns:r="http://schemas.openxmlformats.org/officeDocument/2006/relationships" xmlns:p="http://schemas.openxmlformats.org/presentationml/2006/main">
   <p:cSld>
     <p:spTree>
       <p:nvGrpSpPr>
@@ -7516,7 +8859,9 @@
       <p:sp>
         <p:nvSpPr>
           <p:cNvPr id="156" name="Title 1"/>
-          <p:cNvSpPr txBox="1"/>
+          <p:cNvSpPr txBox="1">
+            <a:spLocks noGrp="1"/>
+          </p:cNvSpPr>
           <p:nvPr>
             <p:ph type="title"/>
           </p:nvPr>
@@ -7531,14 +8876,15 @@
           </a:prstGeom>
         </p:spPr>
         <p:txBody>
-          <a:bodyPr/>
+          <a:bodyPr>
+            <a:normAutofit fontScale="90000"/>
+          </a:bodyPr>
           <a:lstStyle>
             <a:lvl1pPr defTabSz="397763">
-              <a:defRPr i="1" sz="2600"/>
+              <a:defRPr sz="2600" i="1"/>
             </a:lvl1pPr>
           </a:lstStyle>
           <a:p>
-            <a:pPr/>
             <a:r>
               <a:t>Thank You!! Any questions? </a:t>
             </a:r>
@@ -7549,17 +8895,15 @@
         <p:nvPicPr>
           <p:cNvPr id="157" name="Picture Placeholder 3" descr="Picture Placeholder 3"/>
           <p:cNvPicPr>
-            <a:picLocks noChangeAspect="1"/>
+            <a:picLocks noGrp="1" noChangeAspect="1"/>
           </p:cNvPicPr>
           <p:nvPr>
             <p:ph type="pic" idx="21"/>
           </p:nvPr>
         </p:nvPicPr>
         <p:blipFill>
-          <a:blip r:embed="rId2">
-            <a:extLst/>
-          </a:blip>
-          <a:srcRect l="21578" t="0" r="21578" b="0"/>
+          <a:blip r:embed="rId2"/>
+          <a:srcRect l="21578" r="21578"/>
           <a:stretch>
             <a:fillRect/>
           </a:stretch>
@@ -7579,12 +8923,12 @@
   <p:clrMapOvr>
     <a:masterClrMapping/>
   </p:clrMapOvr>
-  <p:transition xmlns:p14="http://schemas.microsoft.com/office/powerpoint/2010/main" spd="med" advClick="1"/>
+  <p:transition spd="med"/>
 </p:sld>
 </file>
 
 <file path=ppt/theme/theme1.xml><?xml version="1.0" encoding="utf-8"?>
-<a:theme xmlns:a="http://schemas.openxmlformats.org/drawingml/2006/main" xmlns:r="http://schemas.openxmlformats.org/officeDocument/2006/relationships" name="Main">
+<a:theme xmlns:a="http://schemas.openxmlformats.org/drawingml/2006/main" name="Main">
   <a:themeElements>
     <a:clrScheme name="Main">
       <a:dk1>
@@ -7710,7 +9054,7 @@
       <a:effectStyleLst>
         <a:effectStyle>
           <a:effectLst>
-            <a:outerShdw sx="100000" sy="100000" kx="0" ky="0" algn="b" rotWithShape="0" blurRad="38100" dist="23000" dir="5400000">
+            <a:outerShdw blurRad="38100" dist="23000" dir="5400000" rotWithShape="0">
               <a:srgbClr val="000000">
                 <a:alpha val="35000"/>
               </a:srgbClr>
@@ -7719,7 +9063,7 @@
         </a:effectStyle>
         <a:effectStyle>
           <a:effectLst>
-            <a:outerShdw sx="100000" sy="100000" kx="0" ky="0" algn="b" rotWithShape="0" blurRad="38100" dist="23000" dir="5400000">
+            <a:outerShdw blurRad="38100" dist="23000" dir="5400000" rotWithShape="0">
               <a:srgbClr val="000000">
                 <a:alpha val="35000"/>
               </a:srgbClr>
@@ -7728,7 +9072,7 @@
         </a:effectStyle>
         <a:effectStyle>
           <a:effectLst>
-            <a:outerShdw sx="100000" sy="100000" kx="0" ky="0" algn="b" rotWithShape="0" blurRad="38100" dist="23000" dir="5400000">
+            <a:outerShdw blurRad="38100" dist="23000" dir="5400000" rotWithShape="0">
               <a:srgbClr val="000000">
                 <a:alpha val="35000"/>
               </a:srgbClr>
@@ -7802,7 +9146,7 @@
           <a:round/>
         </a:ln>
         <a:effectLst>
-          <a:outerShdw sx="100000" sy="100000" kx="0" ky="0" algn="b" rotWithShape="0" blurRad="38100" dist="23000" dir="5400000">
+          <a:outerShdw blurRad="38100" dist="23000" dir="5400000" rotWithShape="0">
             <a:srgbClr val="000000">
               <a:alpha val="35000"/>
             </a:srgbClr>
@@ -7810,7 +9154,7 @@
         </a:effectLst>
         <a:sp3d/>
       </a:spPr>
-      <a:bodyPr rot="0" spcFirstLastPara="1" vertOverflow="overflow" horzOverflow="overflow" vert="horz" wrap="square" lIns="45718" tIns="45718" rIns="45718" bIns="45718" numCol="1" spcCol="38100" rtlCol="0" anchor="ctr" upright="0">
+      <a:bodyPr rot="0" spcFirstLastPara="1" vertOverflow="overflow" horzOverflow="overflow" vert="horz" wrap="square" lIns="45718" tIns="45718" rIns="45718" bIns="45718" numCol="1" spcCol="38100" rtlCol="0" anchor="ctr">
         <a:spAutoFit/>
       </a:bodyPr>
       <a:lstStyle>
@@ -7829,7 +9173,7 @@
           <a:buFontTx/>
           <a:buNone/>
           <a:tabLst/>
-          <a:defRPr b="0" baseline="0" cap="none" i="0" spc="0" strike="noStrike" sz="1800" u="none" kumimoji="0" normalizeH="0">
+          <a:defRPr kumimoji="0" sz="1800" b="0" i="0" u="none" strike="noStrike" cap="none" spc="0" normalizeH="0" baseline="0">
             <a:ln>
               <a:noFill/>
             </a:ln>
@@ -7859,7 +9203,7 @@
           <a:buFontTx/>
           <a:buNone/>
           <a:tabLst/>
-          <a:defRPr b="0" baseline="0" cap="none" i="0" spc="0" strike="noStrike" sz="1800" u="none" kumimoji="0" normalizeH="0">
+          <a:defRPr kumimoji="0" sz="1800" b="0" i="0" u="none" strike="noStrike" cap="none" spc="0" normalizeH="0" baseline="0">
             <a:ln>
               <a:noFill/>
             </a:ln>
@@ -7885,7 +9229,7 @@
           <a:buFontTx/>
           <a:buNone/>
           <a:tabLst/>
-          <a:defRPr b="0" baseline="0" cap="none" i="0" spc="0" strike="noStrike" sz="1800" u="none" kumimoji="0" normalizeH="0">
+          <a:defRPr kumimoji="0" sz="1800" b="0" i="0" u="none" strike="noStrike" cap="none" spc="0" normalizeH="0" baseline="0">
             <a:ln>
               <a:noFill/>
             </a:ln>
@@ -7911,7 +9255,7 @@
           <a:buFontTx/>
           <a:buNone/>
           <a:tabLst/>
-          <a:defRPr b="0" baseline="0" cap="none" i="0" spc="0" strike="noStrike" sz="1800" u="none" kumimoji="0" normalizeH="0">
+          <a:defRPr kumimoji="0" sz="1800" b="0" i="0" u="none" strike="noStrike" cap="none" spc="0" normalizeH="0" baseline="0">
             <a:ln>
               <a:noFill/>
             </a:ln>
@@ -7937,7 +9281,7 @@
           <a:buFontTx/>
           <a:buNone/>
           <a:tabLst/>
-          <a:defRPr b="0" baseline="0" cap="none" i="0" spc="0" strike="noStrike" sz="1800" u="none" kumimoji="0" normalizeH="0">
+          <a:defRPr kumimoji="0" sz="1800" b="0" i="0" u="none" strike="noStrike" cap="none" spc="0" normalizeH="0" baseline="0">
             <a:ln>
               <a:noFill/>
             </a:ln>
@@ -7963,7 +9307,7 @@
           <a:buFontTx/>
           <a:buNone/>
           <a:tabLst/>
-          <a:defRPr b="0" baseline="0" cap="none" i="0" spc="0" strike="noStrike" sz="1800" u="none" kumimoji="0" normalizeH="0">
+          <a:defRPr kumimoji="0" sz="1800" b="0" i="0" u="none" strike="noStrike" cap="none" spc="0" normalizeH="0" baseline="0">
             <a:ln>
               <a:noFill/>
             </a:ln>
@@ -7989,7 +9333,7 @@
           <a:buFontTx/>
           <a:buNone/>
           <a:tabLst/>
-          <a:defRPr b="0" baseline="0" cap="none" i="0" spc="0" strike="noStrike" sz="1800" u="none" kumimoji="0" normalizeH="0">
+          <a:defRPr kumimoji="0" sz="1800" b="0" i="0" u="none" strike="noStrike" cap="none" spc="0" normalizeH="0" baseline="0">
             <a:ln>
               <a:noFill/>
             </a:ln>
@@ -8015,7 +9359,7 @@
           <a:buFontTx/>
           <a:buNone/>
           <a:tabLst/>
-          <a:defRPr b="0" baseline="0" cap="none" i="0" spc="0" strike="noStrike" sz="1800" u="none" kumimoji="0" normalizeH="0">
+          <a:defRPr kumimoji="0" sz="1800" b="0" i="0" u="none" strike="noStrike" cap="none" spc="0" normalizeH="0" baseline="0">
             <a:ln>
               <a:noFill/>
             </a:ln>
@@ -8041,7 +9385,7 @@
           <a:buFontTx/>
           <a:buNone/>
           <a:tabLst/>
-          <a:defRPr b="0" baseline="0" cap="none" i="0" spc="0" strike="noStrike" sz="1800" u="none" kumimoji="0" normalizeH="0">
+          <a:defRPr kumimoji="0" sz="1800" b="0" i="0" u="none" strike="noStrike" cap="none" spc="0" normalizeH="0" baseline="0">
             <a:ln>
               <a:noFill/>
             </a:ln>
@@ -8067,7 +9411,7 @@
           <a:buFontTx/>
           <a:buNone/>
           <a:tabLst/>
-          <a:defRPr b="0" baseline="0" cap="none" i="0" spc="0" strike="noStrike" sz="1800" u="none" kumimoji="0" normalizeH="0">
+          <a:defRPr kumimoji="0" sz="1800" b="0" i="0" u="none" strike="noStrike" cap="none" spc="0" normalizeH="0" baseline="0">
             <a:ln>
               <a:noFill/>
             </a:ln>
@@ -8080,9 +9424,15 @@
         </a:lvl9pPr>
       </a:lstStyle>
       <a:style>
-        <a:lnRef idx="0"/>
-        <a:fillRef idx="0"/>
-        <a:effectRef idx="0"/>
+        <a:lnRef idx="0">
+          <a:scrgbClr r="0" g="0" b="0"/>
+        </a:lnRef>
+        <a:fillRef idx="0">
+          <a:scrgbClr r="0" g="0" b="0"/>
+        </a:fillRef>
+        <a:effectRef idx="0">
+          <a:scrgbClr r="0" g="0" b="0"/>
+        </a:effectRef>
         <a:fontRef idx="none"/>
       </a:style>
     </a:spDef>
@@ -8097,7 +9447,7 @@
           <a:round/>
         </a:ln>
         <a:effectLst>
-          <a:outerShdw sx="100000" sy="100000" kx="0" ky="0" algn="b" rotWithShape="0" blurRad="38100" dist="23000" dir="5400000">
+          <a:outerShdw blurRad="38100" dist="23000" dir="5400000" rotWithShape="0">
             <a:srgbClr val="000000">
               <a:alpha val="35000"/>
             </a:srgbClr>
@@ -8105,7 +9455,7 @@
         </a:effectLst>
         <a:sp3d/>
       </a:spPr>
-      <a:bodyPr rot="0" spcFirstLastPara="1" vertOverflow="overflow" horzOverflow="overflow" vert="horz" wrap="square" lIns="91439" tIns="45719" rIns="91439" bIns="45719" numCol="1" spcCol="38100" rtlCol="0" anchor="t" upright="0">
+      <a:bodyPr rot="0" spcFirstLastPara="1" vertOverflow="overflow" horzOverflow="overflow" vert="horz" wrap="square" lIns="91439" tIns="45719" rIns="91439" bIns="45719" numCol="1" spcCol="38100" rtlCol="0" anchor="t">
         <a:noAutofit/>
       </a:bodyPr>
       <a:lstStyle>
@@ -8124,7 +9474,7 @@
           <a:buFontTx/>
           <a:buNone/>
           <a:tabLst/>
-          <a:defRPr b="0" baseline="0" cap="none" i="0" spc="0" strike="noStrike" sz="1800" u="none" kumimoji="0" normalizeH="0">
+          <a:defRPr kumimoji="0" sz="1800" b="0" i="0" u="none" strike="noStrike" cap="none" spc="0" normalizeH="0" baseline="0">
             <a:ln>
               <a:noFill/>
             </a:ln>
@@ -8150,7 +9500,7 @@
           <a:buFontTx/>
           <a:buNone/>
           <a:tabLst/>
-          <a:defRPr b="0" baseline="0" cap="none" i="0" spc="0" strike="noStrike" sz="1800" u="none" kumimoji="0" normalizeH="0">
+          <a:defRPr kumimoji="0" sz="1800" b="0" i="0" u="none" strike="noStrike" cap="none" spc="0" normalizeH="0" baseline="0">
             <a:ln>
               <a:noFill/>
             </a:ln>
@@ -8176,7 +9526,7 @@
           <a:buFontTx/>
           <a:buNone/>
           <a:tabLst/>
-          <a:defRPr b="0" baseline="0" cap="none" i="0" spc="0" strike="noStrike" sz="1800" u="none" kumimoji="0" normalizeH="0">
+          <a:defRPr kumimoji="0" sz="1800" b="0" i="0" u="none" strike="noStrike" cap="none" spc="0" normalizeH="0" baseline="0">
             <a:ln>
               <a:noFill/>
             </a:ln>
@@ -8202,7 +9552,7 @@
           <a:buFontTx/>
           <a:buNone/>
           <a:tabLst/>
-          <a:defRPr b="0" baseline="0" cap="none" i="0" spc="0" strike="noStrike" sz="1800" u="none" kumimoji="0" normalizeH="0">
+          <a:defRPr kumimoji="0" sz="1800" b="0" i="0" u="none" strike="noStrike" cap="none" spc="0" normalizeH="0" baseline="0">
             <a:ln>
               <a:noFill/>
             </a:ln>
@@ -8228,7 +9578,7 @@
           <a:buFontTx/>
           <a:buNone/>
           <a:tabLst/>
-          <a:defRPr b="0" baseline="0" cap="none" i="0" spc="0" strike="noStrike" sz="1800" u="none" kumimoji="0" normalizeH="0">
+          <a:defRPr kumimoji="0" sz="1800" b="0" i="0" u="none" strike="noStrike" cap="none" spc="0" normalizeH="0" baseline="0">
             <a:ln>
               <a:noFill/>
             </a:ln>
@@ -8254,7 +9604,7 @@
           <a:buFontTx/>
           <a:buNone/>
           <a:tabLst/>
-          <a:defRPr b="0" baseline="0" cap="none" i="0" spc="0" strike="noStrike" sz="1800" u="none" kumimoji="0" normalizeH="0">
+          <a:defRPr kumimoji="0" sz="1800" b="0" i="0" u="none" strike="noStrike" cap="none" spc="0" normalizeH="0" baseline="0">
             <a:ln>
               <a:noFill/>
             </a:ln>
@@ -8280,7 +9630,7 @@
           <a:buFontTx/>
           <a:buNone/>
           <a:tabLst/>
-          <a:defRPr b="0" baseline="0" cap="none" i="0" spc="0" strike="noStrike" sz="1800" u="none" kumimoji="0" normalizeH="0">
+          <a:defRPr kumimoji="0" sz="1800" b="0" i="0" u="none" strike="noStrike" cap="none" spc="0" normalizeH="0" baseline="0">
             <a:ln>
               <a:noFill/>
             </a:ln>
@@ -8306,7 +9656,7 @@
           <a:buFontTx/>
           <a:buNone/>
           <a:tabLst/>
-          <a:defRPr b="0" baseline="0" cap="none" i="0" spc="0" strike="noStrike" sz="1800" u="none" kumimoji="0" normalizeH="0">
+          <a:defRPr kumimoji="0" sz="1800" b="0" i="0" u="none" strike="noStrike" cap="none" spc="0" normalizeH="0" baseline="0">
             <a:ln>
               <a:noFill/>
             </a:ln>
@@ -8332,7 +9682,7 @@
           <a:buFontTx/>
           <a:buNone/>
           <a:tabLst/>
-          <a:defRPr b="0" baseline="0" cap="none" i="0" spc="0" strike="noStrike" sz="1800" u="none" kumimoji="0" normalizeH="0">
+          <a:defRPr kumimoji="0" sz="1800" b="0" i="0" u="none" strike="noStrike" cap="none" spc="0" normalizeH="0" baseline="0">
             <a:ln>
               <a:noFill/>
             </a:ln>
@@ -8358,7 +9708,7 @@
           <a:buFontTx/>
           <a:buNone/>
           <a:tabLst/>
-          <a:defRPr b="0" baseline="0" cap="none" i="0" spc="0" strike="noStrike" sz="1800" u="none" kumimoji="0" normalizeH="0">
+          <a:defRPr kumimoji="0" sz="1800" b="0" i="0" u="none" strike="noStrike" cap="none" spc="0" normalizeH="0" baseline="0">
             <a:ln>
               <a:noFill/>
             </a:ln>
@@ -8371,9 +9721,15 @@
         </a:lvl9pPr>
       </a:lstStyle>
       <a:style>
-        <a:lnRef idx="0"/>
-        <a:fillRef idx="0"/>
-        <a:effectRef idx="0"/>
+        <a:lnRef idx="0">
+          <a:scrgbClr r="0" g="0" b="0"/>
+        </a:lnRef>
+        <a:fillRef idx="0">
+          <a:scrgbClr r="0" g="0" b="0"/>
+        </a:fillRef>
+        <a:effectRef idx="0">
+          <a:scrgbClr r="0" g="0" b="0"/>
+        </a:effectRef>
         <a:fontRef idx="none"/>
       </a:style>
     </a:lnDef>
@@ -8387,7 +9743,7 @@
         <a:effectLst/>
         <a:sp3d/>
       </a:spPr>
-      <a:bodyPr rot="0" spcFirstLastPara="1" vertOverflow="overflow" horzOverflow="overflow" vert="horz" wrap="square" lIns="45718" tIns="45718" rIns="45718" bIns="45718" numCol="1" spcCol="38100" rtlCol="0" anchor="t" upright="0">
+      <a:bodyPr rot="0" spcFirstLastPara="1" vertOverflow="overflow" horzOverflow="overflow" vert="horz" wrap="square" lIns="45718" tIns="45718" rIns="45718" bIns="45718" numCol="1" spcCol="38100" rtlCol="0" anchor="t">
         <a:spAutoFit/>
       </a:bodyPr>
       <a:lstStyle>
@@ -8406,7 +9762,7 @@
           <a:buFontTx/>
           <a:buNone/>
           <a:tabLst/>
-          <a:defRPr b="0" baseline="0" cap="none" i="0" spc="0" strike="noStrike" sz="1800" u="none" kumimoji="0" normalizeH="0">
+          <a:defRPr kumimoji="0" sz="1800" b="0" i="0" u="none" strike="noStrike" cap="none" spc="0" normalizeH="0" baseline="0">
             <a:ln>
               <a:noFill/>
             </a:ln>
@@ -8436,7 +9792,7 @@
           <a:buFontTx/>
           <a:buNone/>
           <a:tabLst/>
-          <a:defRPr b="0" baseline="0" cap="none" i="0" spc="0" strike="noStrike" sz="1800" u="none" kumimoji="0" normalizeH="0">
+          <a:defRPr kumimoji="0" sz="1800" b="0" i="0" u="none" strike="noStrike" cap="none" spc="0" normalizeH="0" baseline="0">
             <a:ln>
               <a:noFill/>
             </a:ln>
@@ -8462,7 +9818,7 @@
           <a:buFontTx/>
           <a:buNone/>
           <a:tabLst/>
-          <a:defRPr b="0" baseline="0" cap="none" i="0" spc="0" strike="noStrike" sz="1800" u="none" kumimoji="0" normalizeH="0">
+          <a:defRPr kumimoji="0" sz="1800" b="0" i="0" u="none" strike="noStrike" cap="none" spc="0" normalizeH="0" baseline="0">
             <a:ln>
               <a:noFill/>
             </a:ln>
@@ -8488,7 +9844,7 @@
           <a:buFontTx/>
           <a:buNone/>
           <a:tabLst/>
-          <a:defRPr b="0" baseline="0" cap="none" i="0" spc="0" strike="noStrike" sz="1800" u="none" kumimoji="0" normalizeH="0">
+          <a:defRPr kumimoji="0" sz="1800" b="0" i="0" u="none" strike="noStrike" cap="none" spc="0" normalizeH="0" baseline="0">
             <a:ln>
               <a:noFill/>
             </a:ln>
@@ -8514,7 +9870,7 @@
           <a:buFontTx/>
           <a:buNone/>
           <a:tabLst/>
-          <a:defRPr b="0" baseline="0" cap="none" i="0" spc="0" strike="noStrike" sz="1800" u="none" kumimoji="0" normalizeH="0">
+          <a:defRPr kumimoji="0" sz="1800" b="0" i="0" u="none" strike="noStrike" cap="none" spc="0" normalizeH="0" baseline="0">
             <a:ln>
               <a:noFill/>
             </a:ln>
@@ -8540,7 +9896,7 @@
           <a:buFontTx/>
           <a:buNone/>
           <a:tabLst/>
-          <a:defRPr b="0" baseline="0" cap="none" i="0" spc="0" strike="noStrike" sz="1800" u="none" kumimoji="0" normalizeH="0">
+          <a:defRPr kumimoji="0" sz="1800" b="0" i="0" u="none" strike="noStrike" cap="none" spc="0" normalizeH="0" baseline="0">
             <a:ln>
               <a:noFill/>
             </a:ln>
@@ -8566,7 +9922,7 @@
           <a:buFontTx/>
           <a:buNone/>
           <a:tabLst/>
-          <a:defRPr b="0" baseline="0" cap="none" i="0" spc="0" strike="noStrike" sz="1800" u="none" kumimoji="0" normalizeH="0">
+          <a:defRPr kumimoji="0" sz="1800" b="0" i="0" u="none" strike="noStrike" cap="none" spc="0" normalizeH="0" baseline="0">
             <a:ln>
               <a:noFill/>
             </a:ln>
@@ -8592,7 +9948,7 @@
           <a:buFontTx/>
           <a:buNone/>
           <a:tabLst/>
-          <a:defRPr b="0" baseline="0" cap="none" i="0" spc="0" strike="noStrike" sz="1800" u="none" kumimoji="0" normalizeH="0">
+          <a:defRPr kumimoji="0" sz="1800" b="0" i="0" u="none" strike="noStrike" cap="none" spc="0" normalizeH="0" baseline="0">
             <a:ln>
               <a:noFill/>
             </a:ln>
@@ -8618,7 +9974,7 @@
           <a:buFontTx/>
           <a:buNone/>
           <a:tabLst/>
-          <a:defRPr b="0" baseline="0" cap="none" i="0" spc="0" strike="noStrike" sz="1800" u="none" kumimoji="0" normalizeH="0">
+          <a:defRPr kumimoji="0" sz="1800" b="0" i="0" u="none" strike="noStrike" cap="none" spc="0" normalizeH="0" baseline="0">
             <a:ln>
               <a:noFill/>
             </a:ln>
@@ -8644,7 +10000,7 @@
           <a:buFontTx/>
           <a:buNone/>
           <a:tabLst/>
-          <a:defRPr b="0" baseline="0" cap="none" i="0" spc="0" strike="noStrike" sz="1800" u="none" kumimoji="0" normalizeH="0">
+          <a:defRPr kumimoji="0" sz="1800" b="0" i="0" u="none" strike="noStrike" cap="none" spc="0" normalizeH="0" baseline="0">
             <a:ln>
               <a:noFill/>
             </a:ln>
@@ -8657,18 +10013,25 @@
         </a:lvl9pPr>
       </a:lstStyle>
       <a:style>
-        <a:lnRef idx="0"/>
-        <a:fillRef idx="0"/>
-        <a:effectRef idx="0"/>
+        <a:lnRef idx="0">
+          <a:scrgbClr r="0" g="0" b="0"/>
+        </a:lnRef>
+        <a:fillRef idx="0">
+          <a:scrgbClr r="0" g="0" b="0"/>
+        </a:fillRef>
+        <a:effectRef idx="0">
+          <a:scrgbClr r="0" g="0" b="0"/>
+        </a:effectRef>
         <a:fontRef idx="none"/>
       </a:style>
     </a:txDef>
   </a:objectDefaults>
+  <a:extraClrSchemeLst/>
 </a:theme>
 </file>
 
 <file path=ppt/theme/theme2.xml><?xml version="1.0" encoding="utf-8"?>
-<a:theme xmlns:a="http://schemas.openxmlformats.org/drawingml/2006/main" xmlns:r="http://schemas.openxmlformats.org/officeDocument/2006/relationships" name="Main">
+<a:theme xmlns:a="http://schemas.openxmlformats.org/drawingml/2006/main" name="Main">
   <a:themeElements>
     <a:clrScheme name="Main">
       <a:dk1>
@@ -8794,7 +10157,7 @@
       <a:effectStyleLst>
         <a:effectStyle>
           <a:effectLst>
-            <a:outerShdw sx="100000" sy="100000" kx="0" ky="0" algn="b" rotWithShape="0" blurRad="38100" dist="23000" dir="5400000">
+            <a:outerShdw blurRad="38100" dist="23000" dir="5400000" rotWithShape="0">
               <a:srgbClr val="000000">
                 <a:alpha val="35000"/>
               </a:srgbClr>
@@ -8803,7 +10166,7 @@
         </a:effectStyle>
         <a:effectStyle>
           <a:effectLst>
-            <a:outerShdw sx="100000" sy="100000" kx="0" ky="0" algn="b" rotWithShape="0" blurRad="38100" dist="23000" dir="5400000">
+            <a:outerShdw blurRad="38100" dist="23000" dir="5400000" rotWithShape="0">
               <a:srgbClr val="000000">
                 <a:alpha val="35000"/>
               </a:srgbClr>
@@ -8812,7 +10175,7 @@
         </a:effectStyle>
         <a:effectStyle>
           <a:effectLst>
-            <a:outerShdw sx="100000" sy="100000" kx="0" ky="0" algn="b" rotWithShape="0" blurRad="38100" dist="23000" dir="5400000">
+            <a:outerShdw blurRad="38100" dist="23000" dir="5400000" rotWithShape="0">
               <a:srgbClr val="000000">
                 <a:alpha val="35000"/>
               </a:srgbClr>
@@ -8886,7 +10249,7 @@
           <a:round/>
         </a:ln>
         <a:effectLst>
-          <a:outerShdw sx="100000" sy="100000" kx="0" ky="0" algn="b" rotWithShape="0" blurRad="38100" dist="23000" dir="5400000">
+          <a:outerShdw blurRad="38100" dist="23000" dir="5400000" rotWithShape="0">
             <a:srgbClr val="000000">
               <a:alpha val="35000"/>
             </a:srgbClr>
@@ -8894,7 +10257,7 @@
         </a:effectLst>
         <a:sp3d/>
       </a:spPr>
-      <a:bodyPr rot="0" spcFirstLastPara="1" vertOverflow="overflow" horzOverflow="overflow" vert="horz" wrap="square" lIns="45718" tIns="45718" rIns="45718" bIns="45718" numCol="1" spcCol="38100" rtlCol="0" anchor="ctr" upright="0">
+      <a:bodyPr rot="0" spcFirstLastPara="1" vertOverflow="overflow" horzOverflow="overflow" vert="horz" wrap="square" lIns="45718" tIns="45718" rIns="45718" bIns="45718" numCol="1" spcCol="38100" rtlCol="0" anchor="ctr">
         <a:spAutoFit/>
       </a:bodyPr>
       <a:lstStyle>
@@ -8913,7 +10276,7 @@
           <a:buFontTx/>
           <a:buNone/>
           <a:tabLst/>
-          <a:defRPr b="0" baseline="0" cap="none" i="0" spc="0" strike="noStrike" sz="1800" u="none" kumimoji="0" normalizeH="0">
+          <a:defRPr kumimoji="0" sz="1800" b="0" i="0" u="none" strike="noStrike" cap="none" spc="0" normalizeH="0" baseline="0">
             <a:ln>
               <a:noFill/>
             </a:ln>
@@ -8943,7 +10306,7 @@
           <a:buFontTx/>
           <a:buNone/>
           <a:tabLst/>
-          <a:defRPr b="0" baseline="0" cap="none" i="0" spc="0" strike="noStrike" sz="1800" u="none" kumimoji="0" normalizeH="0">
+          <a:defRPr kumimoji="0" sz="1800" b="0" i="0" u="none" strike="noStrike" cap="none" spc="0" normalizeH="0" baseline="0">
             <a:ln>
               <a:noFill/>
             </a:ln>
@@ -8969,7 +10332,7 @@
           <a:buFontTx/>
           <a:buNone/>
           <a:tabLst/>
-          <a:defRPr b="0" baseline="0" cap="none" i="0" spc="0" strike="noStrike" sz="1800" u="none" kumimoji="0" normalizeH="0">
+          <a:defRPr kumimoji="0" sz="1800" b="0" i="0" u="none" strike="noStrike" cap="none" spc="0" normalizeH="0" baseline="0">
             <a:ln>
               <a:noFill/>
             </a:ln>
@@ -8995,7 +10358,7 @@
           <a:buFontTx/>
           <a:buNone/>
           <a:tabLst/>
-          <a:defRPr b="0" baseline="0" cap="none" i="0" spc="0" strike="noStrike" sz="1800" u="none" kumimoji="0" normalizeH="0">
+          <a:defRPr kumimoji="0" sz="1800" b="0" i="0" u="none" strike="noStrike" cap="none" spc="0" normalizeH="0" baseline="0">
             <a:ln>
               <a:noFill/>
             </a:ln>
@@ -9021,7 +10384,7 @@
           <a:buFontTx/>
           <a:buNone/>
           <a:tabLst/>
-          <a:defRPr b="0" baseline="0" cap="none" i="0" spc="0" strike="noStrike" sz="1800" u="none" kumimoji="0" normalizeH="0">
+          <a:defRPr kumimoji="0" sz="1800" b="0" i="0" u="none" strike="noStrike" cap="none" spc="0" normalizeH="0" baseline="0">
             <a:ln>
               <a:noFill/>
             </a:ln>
@@ -9047,7 +10410,7 @@
           <a:buFontTx/>
           <a:buNone/>
           <a:tabLst/>
-          <a:defRPr b="0" baseline="0" cap="none" i="0" spc="0" strike="noStrike" sz="1800" u="none" kumimoji="0" normalizeH="0">
+          <a:defRPr kumimoji="0" sz="1800" b="0" i="0" u="none" strike="noStrike" cap="none" spc="0" normalizeH="0" baseline="0">
             <a:ln>
               <a:noFill/>
             </a:ln>
@@ -9073,7 +10436,7 @@
           <a:buFontTx/>
           <a:buNone/>
           <a:tabLst/>
-          <a:defRPr b="0" baseline="0" cap="none" i="0" spc="0" strike="noStrike" sz="1800" u="none" kumimoji="0" normalizeH="0">
+          <a:defRPr kumimoji="0" sz="1800" b="0" i="0" u="none" strike="noStrike" cap="none" spc="0" normalizeH="0" baseline="0">
             <a:ln>
               <a:noFill/>
             </a:ln>
@@ -9099,7 +10462,7 @@
           <a:buFontTx/>
           <a:buNone/>
           <a:tabLst/>
-          <a:defRPr b="0" baseline="0" cap="none" i="0" spc="0" strike="noStrike" sz="1800" u="none" kumimoji="0" normalizeH="0">
+          <a:defRPr kumimoji="0" sz="1800" b="0" i="0" u="none" strike="noStrike" cap="none" spc="0" normalizeH="0" baseline="0">
             <a:ln>
               <a:noFill/>
             </a:ln>
@@ -9125,7 +10488,7 @@
           <a:buFontTx/>
           <a:buNone/>
           <a:tabLst/>
-          <a:defRPr b="0" baseline="0" cap="none" i="0" spc="0" strike="noStrike" sz="1800" u="none" kumimoji="0" normalizeH="0">
+          <a:defRPr kumimoji="0" sz="1800" b="0" i="0" u="none" strike="noStrike" cap="none" spc="0" normalizeH="0" baseline="0">
             <a:ln>
               <a:noFill/>
             </a:ln>
@@ -9151,7 +10514,7 @@
           <a:buFontTx/>
           <a:buNone/>
           <a:tabLst/>
-          <a:defRPr b="0" baseline="0" cap="none" i="0" spc="0" strike="noStrike" sz="1800" u="none" kumimoji="0" normalizeH="0">
+          <a:defRPr kumimoji="0" sz="1800" b="0" i="0" u="none" strike="noStrike" cap="none" spc="0" normalizeH="0" baseline="0">
             <a:ln>
               <a:noFill/>
             </a:ln>
@@ -9164,9 +10527,15 @@
         </a:lvl9pPr>
       </a:lstStyle>
       <a:style>
-        <a:lnRef idx="0"/>
-        <a:fillRef idx="0"/>
-        <a:effectRef idx="0"/>
+        <a:lnRef idx="0">
+          <a:scrgbClr r="0" g="0" b="0"/>
+        </a:lnRef>
+        <a:fillRef idx="0">
+          <a:scrgbClr r="0" g="0" b="0"/>
+        </a:fillRef>
+        <a:effectRef idx="0">
+          <a:scrgbClr r="0" g="0" b="0"/>
+        </a:effectRef>
         <a:fontRef idx="none"/>
       </a:style>
     </a:spDef>
@@ -9181,7 +10550,7 @@
           <a:round/>
         </a:ln>
         <a:effectLst>
-          <a:outerShdw sx="100000" sy="100000" kx="0" ky="0" algn="b" rotWithShape="0" blurRad="38100" dist="23000" dir="5400000">
+          <a:outerShdw blurRad="38100" dist="23000" dir="5400000" rotWithShape="0">
             <a:srgbClr val="000000">
               <a:alpha val="35000"/>
             </a:srgbClr>
@@ -9189,7 +10558,7 @@
         </a:effectLst>
         <a:sp3d/>
       </a:spPr>
-      <a:bodyPr rot="0" spcFirstLastPara="1" vertOverflow="overflow" horzOverflow="overflow" vert="horz" wrap="square" lIns="91439" tIns="45719" rIns="91439" bIns="45719" numCol="1" spcCol="38100" rtlCol="0" anchor="t" upright="0">
+      <a:bodyPr rot="0" spcFirstLastPara="1" vertOverflow="overflow" horzOverflow="overflow" vert="horz" wrap="square" lIns="91439" tIns="45719" rIns="91439" bIns="45719" numCol="1" spcCol="38100" rtlCol="0" anchor="t">
         <a:noAutofit/>
       </a:bodyPr>
       <a:lstStyle>
@@ -9208,7 +10577,7 @@
           <a:buFontTx/>
           <a:buNone/>
           <a:tabLst/>
-          <a:defRPr b="0" baseline="0" cap="none" i="0" spc="0" strike="noStrike" sz="1800" u="none" kumimoji="0" normalizeH="0">
+          <a:defRPr kumimoji="0" sz="1800" b="0" i="0" u="none" strike="noStrike" cap="none" spc="0" normalizeH="0" baseline="0">
             <a:ln>
               <a:noFill/>
             </a:ln>
@@ -9234,7 +10603,7 @@
           <a:buFontTx/>
           <a:buNone/>
           <a:tabLst/>
-          <a:defRPr b="0" baseline="0" cap="none" i="0" spc="0" strike="noStrike" sz="1800" u="none" kumimoji="0" normalizeH="0">
+          <a:defRPr kumimoji="0" sz="1800" b="0" i="0" u="none" strike="noStrike" cap="none" spc="0" normalizeH="0" baseline="0">
             <a:ln>
               <a:noFill/>
             </a:ln>
@@ -9260,7 +10629,7 @@
           <a:buFontTx/>
           <a:buNone/>
           <a:tabLst/>
-          <a:defRPr b="0" baseline="0" cap="none" i="0" spc="0" strike="noStrike" sz="1800" u="none" kumimoji="0" normalizeH="0">
+          <a:defRPr kumimoji="0" sz="1800" b="0" i="0" u="none" strike="noStrike" cap="none" spc="0" normalizeH="0" baseline="0">
             <a:ln>
               <a:noFill/>
             </a:ln>
@@ -9286,7 +10655,7 @@
           <a:buFontTx/>
           <a:buNone/>
           <a:tabLst/>
-          <a:defRPr b="0" baseline="0" cap="none" i="0" spc="0" strike="noStrike" sz="1800" u="none" kumimoji="0" normalizeH="0">
+          <a:defRPr kumimoji="0" sz="1800" b="0" i="0" u="none" strike="noStrike" cap="none" spc="0" normalizeH="0" baseline="0">
             <a:ln>
               <a:noFill/>
             </a:ln>
@@ -9312,7 +10681,7 @@
           <a:buFontTx/>
           <a:buNone/>
           <a:tabLst/>
-          <a:defRPr b="0" baseline="0" cap="none" i="0" spc="0" strike="noStrike" sz="1800" u="none" kumimoji="0" normalizeH="0">
+          <a:defRPr kumimoji="0" sz="1800" b="0" i="0" u="none" strike="noStrike" cap="none" spc="0" normalizeH="0" baseline="0">
             <a:ln>
               <a:noFill/>
             </a:ln>
@@ -9338,7 +10707,7 @@
           <a:buFontTx/>
           <a:buNone/>
           <a:tabLst/>
-          <a:defRPr b="0" baseline="0" cap="none" i="0" spc="0" strike="noStrike" sz="1800" u="none" kumimoji="0" normalizeH="0">
+          <a:defRPr kumimoji="0" sz="1800" b="0" i="0" u="none" strike="noStrike" cap="none" spc="0" normalizeH="0" baseline="0">
             <a:ln>
               <a:noFill/>
             </a:ln>
@@ -9364,7 +10733,7 @@
           <a:buFontTx/>
           <a:buNone/>
           <a:tabLst/>
-          <a:defRPr b="0" baseline="0" cap="none" i="0" spc="0" strike="noStrike" sz="1800" u="none" kumimoji="0" normalizeH="0">
+          <a:defRPr kumimoji="0" sz="1800" b="0" i="0" u="none" strike="noStrike" cap="none" spc="0" normalizeH="0" baseline="0">
             <a:ln>
               <a:noFill/>
             </a:ln>
@@ -9390,7 +10759,7 @@
           <a:buFontTx/>
           <a:buNone/>
           <a:tabLst/>
-          <a:defRPr b="0" baseline="0" cap="none" i="0" spc="0" strike="noStrike" sz="1800" u="none" kumimoji="0" normalizeH="0">
+          <a:defRPr kumimoji="0" sz="1800" b="0" i="0" u="none" strike="noStrike" cap="none" spc="0" normalizeH="0" baseline="0">
             <a:ln>
               <a:noFill/>
             </a:ln>
@@ -9416,7 +10785,7 @@
           <a:buFontTx/>
           <a:buNone/>
           <a:tabLst/>
-          <a:defRPr b="0" baseline="0" cap="none" i="0" spc="0" strike="noStrike" sz="1800" u="none" kumimoji="0" normalizeH="0">
+          <a:defRPr kumimoji="0" sz="1800" b="0" i="0" u="none" strike="noStrike" cap="none" spc="0" normalizeH="0" baseline="0">
             <a:ln>
               <a:noFill/>
             </a:ln>
@@ -9442,7 +10811,7 @@
           <a:buFontTx/>
           <a:buNone/>
           <a:tabLst/>
-          <a:defRPr b="0" baseline="0" cap="none" i="0" spc="0" strike="noStrike" sz="1800" u="none" kumimoji="0" normalizeH="0">
+          <a:defRPr kumimoji="0" sz="1800" b="0" i="0" u="none" strike="noStrike" cap="none" spc="0" normalizeH="0" baseline="0">
             <a:ln>
               <a:noFill/>
             </a:ln>
@@ -9455,9 +10824,15 @@
         </a:lvl9pPr>
       </a:lstStyle>
       <a:style>
-        <a:lnRef idx="0"/>
-        <a:fillRef idx="0"/>
-        <a:effectRef idx="0"/>
+        <a:lnRef idx="0">
+          <a:scrgbClr r="0" g="0" b="0"/>
+        </a:lnRef>
+        <a:fillRef idx="0">
+          <a:scrgbClr r="0" g="0" b="0"/>
+        </a:fillRef>
+        <a:effectRef idx="0">
+          <a:scrgbClr r="0" g="0" b="0"/>
+        </a:effectRef>
         <a:fontRef idx="none"/>
       </a:style>
     </a:lnDef>
@@ -9471,7 +10846,7 @@
         <a:effectLst/>
         <a:sp3d/>
       </a:spPr>
-      <a:bodyPr rot="0" spcFirstLastPara="1" vertOverflow="overflow" horzOverflow="overflow" vert="horz" wrap="square" lIns="45718" tIns="45718" rIns="45718" bIns="45718" numCol="1" spcCol="38100" rtlCol="0" anchor="t" upright="0">
+      <a:bodyPr rot="0" spcFirstLastPara="1" vertOverflow="overflow" horzOverflow="overflow" vert="horz" wrap="square" lIns="45718" tIns="45718" rIns="45718" bIns="45718" numCol="1" spcCol="38100" rtlCol="0" anchor="t">
         <a:spAutoFit/>
       </a:bodyPr>
       <a:lstStyle>
@@ -9490,7 +10865,7 @@
           <a:buFontTx/>
           <a:buNone/>
           <a:tabLst/>
-          <a:defRPr b="0" baseline="0" cap="none" i="0" spc="0" strike="noStrike" sz="1800" u="none" kumimoji="0" normalizeH="0">
+          <a:defRPr kumimoji="0" sz="1800" b="0" i="0" u="none" strike="noStrike" cap="none" spc="0" normalizeH="0" baseline="0">
             <a:ln>
               <a:noFill/>
             </a:ln>
@@ -9520,7 +10895,7 @@
           <a:buFontTx/>
           <a:buNone/>
           <a:tabLst/>
-          <a:defRPr b="0" baseline="0" cap="none" i="0" spc="0" strike="noStrike" sz="1800" u="none" kumimoji="0" normalizeH="0">
+          <a:defRPr kumimoji="0" sz="1800" b="0" i="0" u="none" strike="noStrike" cap="none" spc="0" normalizeH="0" baseline="0">
             <a:ln>
               <a:noFill/>
             </a:ln>
@@ -9546,7 +10921,7 @@
           <a:buFontTx/>
           <a:buNone/>
           <a:tabLst/>
-          <a:defRPr b="0" baseline="0" cap="none" i="0" spc="0" strike="noStrike" sz="1800" u="none" kumimoji="0" normalizeH="0">
+          <a:defRPr kumimoji="0" sz="1800" b="0" i="0" u="none" strike="noStrike" cap="none" spc="0" normalizeH="0" baseline="0">
             <a:ln>
               <a:noFill/>
             </a:ln>
@@ -9572,7 +10947,7 @@
           <a:buFontTx/>
           <a:buNone/>
           <a:tabLst/>
-          <a:defRPr b="0" baseline="0" cap="none" i="0" spc="0" strike="noStrike" sz="1800" u="none" kumimoji="0" normalizeH="0">
+          <a:defRPr kumimoji="0" sz="1800" b="0" i="0" u="none" strike="noStrike" cap="none" spc="0" normalizeH="0" baseline="0">
             <a:ln>
               <a:noFill/>
             </a:ln>
@@ -9598,7 +10973,7 @@
           <a:buFontTx/>
           <a:buNone/>
           <a:tabLst/>
-          <a:defRPr b="0" baseline="0" cap="none" i="0" spc="0" strike="noStrike" sz="1800" u="none" kumimoji="0" normalizeH="0">
+          <a:defRPr kumimoji="0" sz="1800" b="0" i="0" u="none" strike="noStrike" cap="none" spc="0" normalizeH="0" baseline="0">
             <a:ln>
               <a:noFill/>
             </a:ln>
@@ -9624,7 +10999,7 @@
           <a:buFontTx/>
           <a:buNone/>
           <a:tabLst/>
-          <a:defRPr b="0" baseline="0" cap="none" i="0" spc="0" strike="noStrike" sz="1800" u="none" kumimoji="0" normalizeH="0">
+          <a:defRPr kumimoji="0" sz="1800" b="0" i="0" u="none" strike="noStrike" cap="none" spc="0" normalizeH="0" baseline="0">
             <a:ln>
               <a:noFill/>
             </a:ln>
@@ -9650,7 +11025,7 @@
           <a:buFontTx/>
           <a:buNone/>
           <a:tabLst/>
-          <a:defRPr b="0" baseline="0" cap="none" i="0" spc="0" strike="noStrike" sz="1800" u="none" kumimoji="0" normalizeH="0">
+          <a:defRPr kumimoji="0" sz="1800" b="0" i="0" u="none" strike="noStrike" cap="none" spc="0" normalizeH="0" baseline="0">
             <a:ln>
               <a:noFill/>
             </a:ln>
@@ -9676,7 +11051,7 @@
           <a:buFontTx/>
           <a:buNone/>
           <a:tabLst/>
-          <a:defRPr b="0" baseline="0" cap="none" i="0" spc="0" strike="noStrike" sz="1800" u="none" kumimoji="0" normalizeH="0">
+          <a:defRPr kumimoji="0" sz="1800" b="0" i="0" u="none" strike="noStrike" cap="none" spc="0" normalizeH="0" baseline="0">
             <a:ln>
               <a:noFill/>
             </a:ln>
@@ -9702,7 +11077,7 @@
           <a:buFontTx/>
           <a:buNone/>
           <a:tabLst/>
-          <a:defRPr b="0" baseline="0" cap="none" i="0" spc="0" strike="noStrike" sz="1800" u="none" kumimoji="0" normalizeH="0">
+          <a:defRPr kumimoji="0" sz="1800" b="0" i="0" u="none" strike="noStrike" cap="none" spc="0" normalizeH="0" baseline="0">
             <a:ln>
               <a:noFill/>
             </a:ln>
@@ -9728,7 +11103,7 @@
           <a:buFontTx/>
           <a:buNone/>
           <a:tabLst/>
-          <a:defRPr b="0" baseline="0" cap="none" i="0" spc="0" strike="noStrike" sz="1800" u="none" kumimoji="0" normalizeH="0">
+          <a:defRPr kumimoji="0" sz="1800" b="0" i="0" u="none" strike="noStrike" cap="none" spc="0" normalizeH="0" baseline="0">
             <a:ln>
               <a:noFill/>
             </a:ln>
@@ -9741,12 +11116,19 @@
         </a:lvl9pPr>
       </a:lstStyle>
       <a:style>
-        <a:lnRef idx="0"/>
-        <a:fillRef idx="0"/>
-        <a:effectRef idx="0"/>
+        <a:lnRef idx="0">
+          <a:scrgbClr r="0" g="0" b="0"/>
+        </a:lnRef>
+        <a:fillRef idx="0">
+          <a:scrgbClr r="0" g="0" b="0"/>
+        </a:fillRef>
+        <a:effectRef idx="0">
+          <a:scrgbClr r="0" g="0" b="0"/>
+        </a:effectRef>
         <a:fontRef idx="none"/>
       </a:style>
     </a:txDef>
   </a:objectDefaults>
+  <a:extraClrSchemeLst/>
 </a:theme>
 </file>